--- a/Tesis/Presentaciones/AdrianaF_MichaelLee.pptx
+++ b/Tesis/Presentaciones/AdrianaF_MichaelLee.pptx
@@ -16,38 +16,40 @@
     <p:sldId id="284" r:id="rId10"/>
     <p:sldId id="298" r:id="rId11"/>
     <p:sldId id="304" r:id="rId12"/>
-    <p:sldId id="306" r:id="rId13"/>
-    <p:sldId id="312" r:id="rId14"/>
-    <p:sldId id="307" r:id="rId15"/>
-    <p:sldId id="311" r:id="rId16"/>
-    <p:sldId id="309" r:id="rId17"/>
-    <p:sldId id="308" r:id="rId18"/>
-    <p:sldId id="313" r:id="rId19"/>
-    <p:sldId id="320" r:id="rId20"/>
-    <p:sldId id="323" r:id="rId21"/>
-    <p:sldId id="327" r:id="rId22"/>
-    <p:sldId id="328" r:id="rId23"/>
-    <p:sldId id="317" r:id="rId24"/>
-    <p:sldId id="336" r:id="rId25"/>
-    <p:sldId id="337" r:id="rId26"/>
-    <p:sldId id="340" r:id="rId27"/>
-    <p:sldId id="341" r:id="rId28"/>
-    <p:sldId id="348" r:id="rId29"/>
-    <p:sldId id="367" r:id="rId30"/>
-    <p:sldId id="368" r:id="rId31"/>
-    <p:sldId id="373" r:id="rId32"/>
-    <p:sldId id="374" r:id="rId33"/>
-    <p:sldId id="347" r:id="rId34"/>
-    <p:sldId id="372" r:id="rId35"/>
-    <p:sldId id="369" r:id="rId36"/>
-    <p:sldId id="371" r:id="rId37"/>
-    <p:sldId id="352" r:id="rId38"/>
-    <p:sldId id="356" r:id="rId39"/>
-    <p:sldId id="357" r:id="rId40"/>
-    <p:sldId id="358" r:id="rId41"/>
-    <p:sldId id="364" r:id="rId42"/>
-    <p:sldId id="362" r:id="rId43"/>
-    <p:sldId id="361" r:id="rId44"/>
+    <p:sldId id="375" r:id="rId13"/>
+    <p:sldId id="306" r:id="rId14"/>
+    <p:sldId id="312" r:id="rId15"/>
+    <p:sldId id="307" r:id="rId16"/>
+    <p:sldId id="311" r:id="rId17"/>
+    <p:sldId id="309" r:id="rId18"/>
+    <p:sldId id="308" r:id="rId19"/>
+    <p:sldId id="376" r:id="rId20"/>
+    <p:sldId id="313" r:id="rId21"/>
+    <p:sldId id="320" r:id="rId22"/>
+    <p:sldId id="323" r:id="rId23"/>
+    <p:sldId id="327" r:id="rId24"/>
+    <p:sldId id="328" r:id="rId25"/>
+    <p:sldId id="317" r:id="rId26"/>
+    <p:sldId id="336" r:id="rId27"/>
+    <p:sldId id="337" r:id="rId28"/>
+    <p:sldId id="340" r:id="rId29"/>
+    <p:sldId id="341" r:id="rId30"/>
+    <p:sldId id="348" r:id="rId31"/>
+    <p:sldId id="367" r:id="rId32"/>
+    <p:sldId id="368" r:id="rId33"/>
+    <p:sldId id="373" r:id="rId34"/>
+    <p:sldId id="374" r:id="rId35"/>
+    <p:sldId id="347" r:id="rId36"/>
+    <p:sldId id="372" r:id="rId37"/>
+    <p:sldId id="369" r:id="rId38"/>
+    <p:sldId id="371" r:id="rId39"/>
+    <p:sldId id="352" r:id="rId40"/>
+    <p:sldId id="356" r:id="rId41"/>
+    <p:sldId id="357" r:id="rId42"/>
+    <p:sldId id="358" r:id="rId43"/>
+    <p:sldId id="364" r:id="rId44"/>
+    <p:sldId id="362" r:id="rId45"/>
+    <p:sldId id="361" r:id="rId46"/>
   </p:sldIdLst>
   <p:sldSz cx="9144000" cy="6858000" type="screen4x3"/>
   <p:notesSz cx="6858000" cy="9144000"/>
@@ -148,7 +150,7 @@
   </p:defaultTextStyle>
   <p:extLst>
     <p:ext uri="{EFAFB233-063F-42B5-8137-9DF3F51BA10A}">
-      <p15:sldGuideLst xmlns:p15="http://schemas.microsoft.com/office/powerpoint/2012/main">
+      <p15:sldGuideLst xmlns:p15="http://schemas.microsoft.com/office/powerpoint/2012/main" xmlns="">
         <p15:guide id="1" orient="horz" pos="2160">
           <p15:clr>
             <a:srgbClr val="A4A3A4"/>
@@ -346,7 +348,7 @@
           <a:p>
             <a:fld id="{7BE915AC-9314-49A1-A90B-5D179C0F555E}" type="datetimeFigureOut">
               <a:rPr lang="es-MX" smtClean="0"/>
-              <a:t>08/03/2017</a:t>
+              <a:t>23/03/2017</a:t>
             </a:fld>
             <a:endParaRPr lang="es-MX"/>
           </a:p>
@@ -516,7 +518,7 @@
           <a:p>
             <a:fld id="{7BE915AC-9314-49A1-A90B-5D179C0F555E}" type="datetimeFigureOut">
               <a:rPr lang="es-MX" smtClean="0"/>
-              <a:t>08/03/2017</a:t>
+              <a:t>23/03/2017</a:t>
             </a:fld>
             <a:endParaRPr lang="es-MX"/>
           </a:p>
@@ -696,7 +698,7 @@
           <a:p>
             <a:fld id="{7BE915AC-9314-49A1-A90B-5D179C0F555E}" type="datetimeFigureOut">
               <a:rPr lang="es-MX" smtClean="0"/>
-              <a:t>08/03/2017</a:t>
+              <a:t>23/03/2017</a:t>
             </a:fld>
             <a:endParaRPr lang="es-MX"/>
           </a:p>
@@ -866,7 +868,7 @@
           <a:p>
             <a:fld id="{7BE915AC-9314-49A1-A90B-5D179C0F555E}" type="datetimeFigureOut">
               <a:rPr lang="es-MX" smtClean="0"/>
-              <a:t>08/03/2017</a:t>
+              <a:t>23/03/2017</a:t>
             </a:fld>
             <a:endParaRPr lang="es-MX"/>
           </a:p>
@@ -1112,7 +1114,7 @@
           <a:p>
             <a:fld id="{7BE915AC-9314-49A1-A90B-5D179C0F555E}" type="datetimeFigureOut">
               <a:rPr lang="es-MX" smtClean="0"/>
-              <a:t>08/03/2017</a:t>
+              <a:t>23/03/2017</a:t>
             </a:fld>
             <a:endParaRPr lang="es-MX"/>
           </a:p>
@@ -1400,7 +1402,7 @@
           <a:p>
             <a:fld id="{7BE915AC-9314-49A1-A90B-5D179C0F555E}" type="datetimeFigureOut">
               <a:rPr lang="es-MX" smtClean="0"/>
-              <a:t>08/03/2017</a:t>
+              <a:t>23/03/2017</a:t>
             </a:fld>
             <a:endParaRPr lang="es-MX"/>
           </a:p>
@@ -1822,7 +1824,7 @@
           <a:p>
             <a:fld id="{7BE915AC-9314-49A1-A90B-5D179C0F555E}" type="datetimeFigureOut">
               <a:rPr lang="es-MX" smtClean="0"/>
-              <a:t>08/03/2017</a:t>
+              <a:t>23/03/2017</a:t>
             </a:fld>
             <a:endParaRPr lang="es-MX"/>
           </a:p>
@@ -1940,7 +1942,7 @@
           <a:p>
             <a:fld id="{7BE915AC-9314-49A1-A90B-5D179C0F555E}" type="datetimeFigureOut">
               <a:rPr lang="es-MX" smtClean="0"/>
-              <a:t>08/03/2017</a:t>
+              <a:t>23/03/2017</a:t>
             </a:fld>
             <a:endParaRPr lang="es-MX"/>
           </a:p>
@@ -2035,7 +2037,7 @@
           <a:p>
             <a:fld id="{7BE915AC-9314-49A1-A90B-5D179C0F555E}" type="datetimeFigureOut">
               <a:rPr lang="es-MX" smtClean="0"/>
-              <a:t>08/03/2017</a:t>
+              <a:t>23/03/2017</a:t>
             </a:fld>
             <a:endParaRPr lang="es-MX"/>
           </a:p>
@@ -2312,7 +2314,7 @@
           <a:p>
             <a:fld id="{7BE915AC-9314-49A1-A90B-5D179C0F555E}" type="datetimeFigureOut">
               <a:rPr lang="es-MX" smtClean="0"/>
-              <a:t>08/03/2017</a:t>
+              <a:t>23/03/2017</a:t>
             </a:fld>
             <a:endParaRPr lang="es-MX"/>
           </a:p>
@@ -2565,7 +2567,7 @@
           <a:p>
             <a:fld id="{7BE915AC-9314-49A1-A90B-5D179C0F555E}" type="datetimeFigureOut">
               <a:rPr lang="es-MX" smtClean="0"/>
-              <a:t>08/03/2017</a:t>
+              <a:t>23/03/2017</a:t>
             </a:fld>
             <a:endParaRPr lang="es-MX"/>
           </a:p>
@@ -2778,7 +2780,7 @@
           <a:p>
             <a:fld id="{7BE915AC-9314-49A1-A90B-5D179C0F555E}" type="datetimeFigureOut">
               <a:rPr lang="es-MX" smtClean="0"/>
-              <a:t>08/03/2017</a:t>
+              <a:t>23/03/2017</a:t>
             </a:fld>
             <a:endParaRPr lang="es-MX"/>
           </a:p>
@@ -3658,22 +3660,51 @@
         </p:nvSpPr>
         <p:spPr/>
         <p:txBody>
+          <a:bodyPr>
+            <a:normAutofit fontScale="90000"/>
+          </a:bodyPr>
+          <a:lstStyle/>
+          <a:p>
+            <a:r>
+              <a:rPr lang="es-MX" dirty="0" smtClean="0"/>
+              <a:t/>
+            </a:r>
+            <a:br>
+              <a:rPr lang="es-MX" dirty="0" smtClean="0"/>
+            </a:br>
+            <a:endParaRPr lang="es-MX" dirty="0"/>
+          </a:p>
+        </p:txBody>
+      </p:sp>
+      <p:sp>
+        <p:nvSpPr>
+          <p:cNvPr id="3" name="2 Marcador de contenido"/>
+          <p:cNvSpPr>
+            <a:spLocks noGrp="1"/>
+          </p:cNvSpPr>
+          <p:nvPr>
+            <p:ph idx="1"/>
+          </p:nvPr>
+        </p:nvSpPr>
+        <p:spPr/>
+        <p:txBody>
           <a:bodyPr/>
           <a:lstStyle/>
           <a:p>
-            <a:endParaRPr lang="es-MX"/>
+            <a:endParaRPr lang="es-MX" dirty="0" smtClean="0"/>
+          </a:p>
+          <a:p>
+            <a:endParaRPr lang="es-MX" dirty="0"/>
           </a:p>
         </p:txBody>
       </p:sp>
       <p:pic>
         <p:nvPicPr>
-          <p:cNvPr id="4" name="3 Marcador de contenido"/>
+          <p:cNvPr id="1026" name="Picture 2"/>
           <p:cNvPicPr>
-            <a:picLocks noGrp="1" noChangeAspect="1"/>
+            <a:picLocks noChangeAspect="1" noChangeArrowheads="1"/>
           </p:cNvPicPr>
-          <p:nvPr>
-            <p:ph idx="1"/>
-          </p:nvPr>
+          <p:nvPr/>
         </p:nvPicPr>
         <p:blipFill>
           <a:blip r:embed="rId2">
@@ -3683,21 +3714,48 @@
               </a:ext>
             </a:extLst>
           </a:blip>
+          <a:srcRect/>
           <a:stretch>
             <a:fillRect/>
           </a:stretch>
         </p:blipFill>
-        <p:spPr>
-          <a:xfrm>
-            <a:off x="179512" y="188640"/>
-            <a:ext cx="8830504" cy="6264696"/>
-          </a:xfrm>
+        <p:spPr bwMode="auto">
+          <a:xfrm>
+            <a:off x="123807" y="106228"/>
+            <a:ext cx="9008095" cy="6728792"/>
+          </a:xfrm>
+          <a:prstGeom prst="rect">
+            <a:avLst/>
+          </a:prstGeom>
+          <a:noFill/>
+          <a:ln>
+            <a:noFill/>
+          </a:ln>
+          <a:extLst>
+            <a:ext uri="{909E8E84-426E-40DD-AFC4-6F175D3DCCD1}">
+              <a14:hiddenFill xmlns:a14="http://schemas.microsoft.com/office/drawing/2010/main">
+                <a:solidFill>
+                  <a:schemeClr val="accent1"/>
+                </a:solidFill>
+              </a14:hiddenFill>
+            </a:ext>
+            <a:ext uri="{91240B29-F687-4F45-9708-019B960494DF}">
+              <a14:hiddenLine xmlns:a14="http://schemas.microsoft.com/office/drawing/2010/main" w="9525">
+                <a:solidFill>
+                  <a:schemeClr val="tx1"/>
+                </a:solidFill>
+                <a:miter lim="800000"/>
+                <a:headEnd/>
+                <a:tailEnd/>
+              </a14:hiddenLine>
+            </a:ext>
+          </a:extLst>
         </p:spPr>
       </p:pic>
     </p:spTree>
     <p:extLst>
       <p:ext uri="{BB962C8B-B14F-4D97-AF65-F5344CB8AC3E}">
-        <p14:creationId xmlns:p14="http://schemas.microsoft.com/office/powerpoint/2010/main" val="3847210365"/>
+        <p14:creationId xmlns:p14="http://schemas.microsoft.com/office/powerpoint/2010/main" val="52275359"/>
       </p:ext>
     </p:extLst>
   </p:cSld>
@@ -3743,32 +3801,15 @@
           </a:p>
         </p:txBody>
       </p:sp>
-      <p:sp>
-        <p:nvSpPr>
-          <p:cNvPr id="3" name="2 Marcador de contenido"/>
-          <p:cNvSpPr>
-            <a:spLocks noGrp="1"/>
-          </p:cNvSpPr>
-          <p:nvPr>
-            <p:ph idx="1"/>
-          </p:nvPr>
-        </p:nvSpPr>
-        <p:spPr/>
-        <p:txBody>
-          <a:bodyPr/>
-          <a:lstStyle/>
-          <a:p>
-            <a:endParaRPr lang="es-MX" dirty="0"/>
-          </a:p>
-        </p:txBody>
-      </p:sp>
       <p:pic>
         <p:nvPicPr>
-          <p:cNvPr id="8194" name="Picture 2"/>
+          <p:cNvPr id="4" name="3 Marcador de contenido"/>
           <p:cNvPicPr>
-            <a:picLocks noChangeAspect="1" noChangeArrowheads="1"/>
+            <a:picLocks noGrp="1" noChangeAspect="1"/>
           </p:cNvPicPr>
-          <p:nvPr/>
+          <p:nvPr>
+            <p:ph idx="1"/>
+          </p:nvPr>
         </p:nvPicPr>
         <p:blipFill>
           <a:blip r:embed="rId2">
@@ -3778,48 +3819,21 @@
               </a:ext>
             </a:extLst>
           </a:blip>
-          <a:srcRect/>
           <a:stretch>
             <a:fillRect/>
           </a:stretch>
         </p:blipFill>
-        <p:spPr bwMode="auto">
-          <a:xfrm>
-            <a:off x="179512" y="-16901"/>
-            <a:ext cx="8705728" cy="6850626"/>
-          </a:xfrm>
-          <a:prstGeom prst="rect">
-            <a:avLst/>
-          </a:prstGeom>
-          <a:noFill/>
-          <a:ln>
-            <a:noFill/>
-          </a:ln>
-          <a:extLst>
-            <a:ext uri="{909E8E84-426E-40DD-AFC4-6F175D3DCCD1}">
-              <a14:hiddenFill xmlns:a14="http://schemas.microsoft.com/office/drawing/2010/main">
-                <a:solidFill>
-                  <a:schemeClr val="accent1"/>
-                </a:solidFill>
-              </a14:hiddenFill>
-            </a:ext>
-            <a:ext uri="{91240B29-F687-4F45-9708-019B960494DF}">
-              <a14:hiddenLine xmlns:a14="http://schemas.microsoft.com/office/drawing/2010/main" w="9525">
-                <a:solidFill>
-                  <a:schemeClr val="tx1"/>
-                </a:solidFill>
-                <a:miter lim="800000"/>
-                <a:headEnd/>
-                <a:tailEnd/>
-              </a14:hiddenLine>
-            </a:ext>
-          </a:extLst>
+        <p:spPr>
+          <a:xfrm>
+            <a:off x="179512" y="188640"/>
+            <a:ext cx="8830504" cy="6264696"/>
+          </a:xfrm>
         </p:spPr>
       </p:pic>
     </p:spTree>
     <p:extLst>
       <p:ext uri="{BB962C8B-B14F-4D97-AF65-F5344CB8AC3E}">
-        <p14:creationId xmlns:p14="http://schemas.microsoft.com/office/powerpoint/2010/main" val="895206290"/>
+        <p14:creationId xmlns:p14="http://schemas.microsoft.com/office/powerpoint/2010/main" val="3847210365"/>
       </p:ext>
     </p:extLst>
   </p:cSld>
@@ -3880,13 +3894,13 @@
           <a:bodyPr/>
           <a:lstStyle/>
           <a:p>
-            <a:endParaRPr lang="es-MX"/>
+            <a:endParaRPr lang="es-MX" dirty="0"/>
           </a:p>
         </p:txBody>
       </p:sp>
       <p:pic>
         <p:nvPicPr>
-          <p:cNvPr id="3074" name="Picture 2"/>
+          <p:cNvPr id="8194" name="Picture 2"/>
           <p:cNvPicPr>
             <a:picLocks noChangeAspect="1" noChangeArrowheads="1"/>
           </p:cNvPicPr>
@@ -3907,8 +3921,8 @@
         </p:blipFill>
         <p:spPr bwMode="auto">
           <a:xfrm>
-            <a:off x="0" y="0"/>
-            <a:ext cx="9417792" cy="6741368"/>
+            <a:off x="179512" y="-16901"/>
+            <a:ext cx="8705728" cy="6850626"/>
           </a:xfrm>
           <a:prstGeom prst="rect">
             <a:avLst/>
@@ -3941,7 +3955,7 @@
     </p:spTree>
     <p:extLst>
       <p:ext uri="{BB962C8B-B14F-4D97-AF65-F5344CB8AC3E}">
-        <p14:creationId xmlns:p14="http://schemas.microsoft.com/office/powerpoint/2010/main" val="3170453869"/>
+        <p14:creationId xmlns:p14="http://schemas.microsoft.com/office/powerpoint/2010/main" val="895206290"/>
       </p:ext>
     </p:extLst>
   </p:cSld>
@@ -4008,7 +4022,7 @@
       </p:sp>
       <p:pic>
         <p:nvPicPr>
-          <p:cNvPr id="7170" name="Picture 2"/>
+          <p:cNvPr id="3074" name="Picture 2"/>
           <p:cNvPicPr>
             <a:picLocks noChangeAspect="1" noChangeArrowheads="1"/>
           </p:cNvPicPr>
@@ -4029,8 +4043,8 @@
         </p:blipFill>
         <p:spPr bwMode="auto">
           <a:xfrm>
-            <a:off x="107504" y="32566"/>
-            <a:ext cx="8788778" cy="6669360"/>
+            <a:off x="0" y="0"/>
+            <a:ext cx="9417792" cy="6741368"/>
           </a:xfrm>
           <a:prstGeom prst="rect">
             <a:avLst/>
@@ -4063,7 +4077,7 @@
     </p:spTree>
     <p:extLst>
       <p:ext uri="{BB962C8B-B14F-4D97-AF65-F5344CB8AC3E}">
-        <p14:creationId xmlns:p14="http://schemas.microsoft.com/office/powerpoint/2010/main" val="4013869046"/>
+        <p14:creationId xmlns:p14="http://schemas.microsoft.com/office/powerpoint/2010/main" val="3170453869"/>
       </p:ext>
     </p:extLst>
   </p:cSld>
@@ -4102,19 +4116,10 @@
         </p:nvSpPr>
         <p:spPr/>
         <p:txBody>
-          <a:bodyPr>
-            <a:normAutofit fontScale="90000"/>
-          </a:bodyPr>
-          <a:lstStyle/>
-          <a:p>
-            <a:r>
-              <a:rPr lang="es-MX" dirty="0" smtClean="0"/>
-              <a:t/>
-            </a:r>
-            <a:br>
-              <a:rPr lang="es-MX" dirty="0" smtClean="0"/>
-            </a:br>
-            <a:endParaRPr lang="es-MX" dirty="0"/>
+          <a:bodyPr/>
+          <a:lstStyle/>
+          <a:p>
+            <a:endParaRPr lang="es-MX"/>
           </a:p>
         </p:txBody>
       </p:sp>
@@ -4133,16 +4138,13 @@
           <a:bodyPr/>
           <a:lstStyle/>
           <a:p>
-            <a:endParaRPr lang="es-MX" dirty="0" smtClean="0"/>
-          </a:p>
-          <a:p>
-            <a:endParaRPr lang="es-MX" dirty="0"/>
+            <a:endParaRPr lang="es-MX"/>
           </a:p>
         </p:txBody>
       </p:sp>
       <p:pic>
         <p:nvPicPr>
-          <p:cNvPr id="5122" name="Picture 2"/>
+          <p:cNvPr id="7170" name="Picture 2"/>
           <p:cNvPicPr>
             <a:picLocks noChangeAspect="1" noChangeArrowheads="1"/>
           </p:cNvPicPr>
@@ -4163,8 +4165,8 @@
         </p:blipFill>
         <p:spPr bwMode="auto">
           <a:xfrm>
-            <a:off x="539552" y="1988840"/>
-            <a:ext cx="7968479" cy="2634208"/>
+            <a:off x="107504" y="32566"/>
+            <a:ext cx="8788778" cy="6669360"/>
           </a:xfrm>
           <a:prstGeom prst="rect">
             <a:avLst/>
@@ -4197,7 +4199,7 @@
     </p:spTree>
     <p:extLst>
       <p:ext uri="{BB962C8B-B14F-4D97-AF65-F5344CB8AC3E}">
-        <p14:creationId xmlns:p14="http://schemas.microsoft.com/office/powerpoint/2010/main" val="3937879714"/>
+        <p14:creationId xmlns:p14="http://schemas.microsoft.com/office/powerpoint/2010/main" val="4013869046"/>
       </p:ext>
     </p:extLst>
   </p:cSld>
@@ -4276,7 +4278,7 @@
       </p:sp>
       <p:pic>
         <p:nvPicPr>
-          <p:cNvPr id="4098" name="Picture 2"/>
+          <p:cNvPr id="5122" name="Picture 2"/>
           <p:cNvPicPr>
             <a:picLocks noChangeAspect="1" noChangeArrowheads="1"/>
           </p:cNvPicPr>
@@ -4297,8 +4299,8 @@
         </p:blipFill>
         <p:spPr bwMode="auto">
           <a:xfrm>
-            <a:off x="1259632" y="177818"/>
-            <a:ext cx="6189056" cy="6669360"/>
+            <a:off x="539552" y="1988840"/>
+            <a:ext cx="7968479" cy="2634208"/>
           </a:xfrm>
           <a:prstGeom prst="rect">
             <a:avLst/>
@@ -4328,64 +4330,10 @@
           </a:extLst>
         </p:spPr>
       </p:pic>
-      <p:pic>
-        <p:nvPicPr>
-          <p:cNvPr id="2050" name="Picture 2"/>
-          <p:cNvPicPr>
-            <a:picLocks noChangeAspect="1" noChangeArrowheads="1"/>
-          </p:cNvPicPr>
-          <p:nvPr/>
-        </p:nvPicPr>
-        <p:blipFill>
-          <a:blip r:embed="rId3">
-            <a:extLst>
-              <a:ext uri="{28A0092B-C50C-407E-A947-70E740481C1C}">
-                <a14:useLocalDpi xmlns:a14="http://schemas.microsoft.com/office/drawing/2010/main" val="0"/>
-              </a:ext>
-            </a:extLst>
-          </a:blip>
-          <a:srcRect/>
-          <a:stretch>
-            <a:fillRect/>
-          </a:stretch>
-        </p:blipFill>
-        <p:spPr bwMode="auto">
-          <a:xfrm>
-            <a:off x="-180527" y="236497"/>
-            <a:ext cx="9707558" cy="6651225"/>
-          </a:xfrm>
-          <a:prstGeom prst="rect">
-            <a:avLst/>
-          </a:prstGeom>
-          <a:noFill/>
-          <a:ln>
-            <a:noFill/>
-          </a:ln>
-          <a:extLst>
-            <a:ext uri="{909E8E84-426E-40DD-AFC4-6F175D3DCCD1}">
-              <a14:hiddenFill xmlns:a14="http://schemas.microsoft.com/office/drawing/2010/main">
-                <a:solidFill>
-                  <a:schemeClr val="accent1"/>
-                </a:solidFill>
-              </a14:hiddenFill>
-            </a:ext>
-            <a:ext uri="{91240B29-F687-4F45-9708-019B960494DF}">
-              <a14:hiddenLine xmlns:a14="http://schemas.microsoft.com/office/drawing/2010/main" w="9525">
-                <a:solidFill>
-                  <a:schemeClr val="tx1"/>
-                </a:solidFill>
-                <a:miter lim="800000"/>
-                <a:headEnd/>
-                <a:tailEnd/>
-              </a14:hiddenLine>
-            </a:ext>
-          </a:extLst>
-        </p:spPr>
-      </p:pic>
     </p:spTree>
     <p:extLst>
       <p:ext uri="{BB962C8B-B14F-4D97-AF65-F5344CB8AC3E}">
-        <p14:creationId xmlns:p14="http://schemas.microsoft.com/office/powerpoint/2010/main" val="2751295046"/>
+        <p14:creationId xmlns:p14="http://schemas.microsoft.com/office/powerpoint/2010/main" val="3937879714"/>
       </p:ext>
     </p:extLst>
   </p:cSld>
@@ -4424,6 +4372,1011 @@
         </p:nvSpPr>
         <p:spPr/>
         <p:txBody>
+          <a:bodyPr>
+            <a:normAutofit fontScale="90000"/>
+          </a:bodyPr>
+          <a:lstStyle/>
+          <a:p>
+            <a:r>
+              <a:rPr lang="es-MX" dirty="0" smtClean="0"/>
+              <a:t/>
+            </a:r>
+            <a:br>
+              <a:rPr lang="es-MX" dirty="0" smtClean="0"/>
+            </a:br>
+            <a:endParaRPr lang="es-MX" dirty="0"/>
+          </a:p>
+        </p:txBody>
+      </p:sp>
+      <p:sp>
+        <p:nvSpPr>
+          <p:cNvPr id="3" name="2 Marcador de contenido"/>
+          <p:cNvSpPr>
+            <a:spLocks noGrp="1"/>
+          </p:cNvSpPr>
+          <p:nvPr>
+            <p:ph idx="1"/>
+          </p:nvPr>
+        </p:nvSpPr>
+        <p:spPr/>
+        <p:txBody>
+          <a:bodyPr/>
+          <a:lstStyle/>
+          <a:p>
+            <a:endParaRPr lang="es-MX" dirty="0" smtClean="0"/>
+          </a:p>
+          <a:p>
+            <a:endParaRPr lang="es-MX" dirty="0"/>
+          </a:p>
+        </p:txBody>
+      </p:sp>
+      <p:pic>
+        <p:nvPicPr>
+          <p:cNvPr id="4098" name="Picture 2"/>
+          <p:cNvPicPr>
+            <a:picLocks noChangeAspect="1" noChangeArrowheads="1"/>
+          </p:cNvPicPr>
+          <p:nvPr/>
+        </p:nvPicPr>
+        <p:blipFill>
+          <a:blip r:embed="rId2">
+            <a:extLst>
+              <a:ext uri="{28A0092B-C50C-407E-A947-70E740481C1C}">
+                <a14:useLocalDpi xmlns:a14="http://schemas.microsoft.com/office/drawing/2010/main" val="0"/>
+              </a:ext>
+            </a:extLst>
+          </a:blip>
+          <a:srcRect/>
+          <a:stretch>
+            <a:fillRect/>
+          </a:stretch>
+        </p:blipFill>
+        <p:spPr bwMode="auto">
+          <a:xfrm>
+            <a:off x="1259632" y="177818"/>
+            <a:ext cx="6189056" cy="6669360"/>
+          </a:xfrm>
+          <a:prstGeom prst="rect">
+            <a:avLst/>
+          </a:prstGeom>
+          <a:noFill/>
+          <a:ln>
+            <a:noFill/>
+          </a:ln>
+          <a:extLst>
+            <a:ext uri="{909E8E84-426E-40DD-AFC4-6F175D3DCCD1}">
+              <a14:hiddenFill xmlns:a14="http://schemas.microsoft.com/office/drawing/2010/main">
+                <a:solidFill>
+                  <a:schemeClr val="accent1"/>
+                </a:solidFill>
+              </a14:hiddenFill>
+            </a:ext>
+            <a:ext uri="{91240B29-F687-4F45-9708-019B960494DF}">
+              <a14:hiddenLine xmlns:a14="http://schemas.microsoft.com/office/drawing/2010/main" w="9525">
+                <a:solidFill>
+                  <a:schemeClr val="tx1"/>
+                </a:solidFill>
+                <a:miter lim="800000"/>
+                <a:headEnd/>
+                <a:tailEnd/>
+              </a14:hiddenLine>
+            </a:ext>
+          </a:extLst>
+        </p:spPr>
+      </p:pic>
+      <p:pic>
+        <p:nvPicPr>
+          <p:cNvPr id="2050" name="Picture 2"/>
+          <p:cNvPicPr>
+            <a:picLocks noChangeAspect="1" noChangeArrowheads="1"/>
+          </p:cNvPicPr>
+          <p:nvPr/>
+        </p:nvPicPr>
+        <p:blipFill>
+          <a:blip r:embed="rId3">
+            <a:extLst>
+              <a:ext uri="{28A0092B-C50C-407E-A947-70E740481C1C}">
+                <a14:useLocalDpi xmlns:a14="http://schemas.microsoft.com/office/drawing/2010/main" val="0"/>
+              </a:ext>
+            </a:extLst>
+          </a:blip>
+          <a:srcRect/>
+          <a:stretch>
+            <a:fillRect/>
+          </a:stretch>
+        </p:blipFill>
+        <p:spPr bwMode="auto">
+          <a:xfrm>
+            <a:off x="-180527" y="236497"/>
+            <a:ext cx="9707558" cy="6651225"/>
+          </a:xfrm>
+          <a:prstGeom prst="rect">
+            <a:avLst/>
+          </a:prstGeom>
+          <a:noFill/>
+          <a:ln>
+            <a:noFill/>
+          </a:ln>
+          <a:extLst>
+            <a:ext uri="{909E8E84-426E-40DD-AFC4-6F175D3DCCD1}">
+              <a14:hiddenFill xmlns:a14="http://schemas.microsoft.com/office/drawing/2010/main">
+                <a:solidFill>
+                  <a:schemeClr val="accent1"/>
+                </a:solidFill>
+              </a14:hiddenFill>
+            </a:ext>
+            <a:ext uri="{91240B29-F687-4F45-9708-019B960494DF}">
+              <a14:hiddenLine xmlns:a14="http://schemas.microsoft.com/office/drawing/2010/main" w="9525">
+                <a:solidFill>
+                  <a:schemeClr val="tx1"/>
+                </a:solidFill>
+                <a:miter lim="800000"/>
+                <a:headEnd/>
+                <a:tailEnd/>
+              </a14:hiddenLine>
+            </a:ext>
+          </a:extLst>
+        </p:spPr>
+      </p:pic>
+    </p:spTree>
+    <p:extLst>
+      <p:ext uri="{BB962C8B-B14F-4D97-AF65-F5344CB8AC3E}">
+        <p14:creationId xmlns:p14="http://schemas.microsoft.com/office/powerpoint/2010/main" val="2751295046"/>
+      </p:ext>
+    </p:extLst>
+  </p:cSld>
+  <p:clrMapOvr>
+    <a:masterClrMapping/>
+  </p:clrMapOvr>
+</p:sld>
+</file>
+
+<file path=ppt/slides/slide19.xml><?xml version="1.0" encoding="utf-8"?>
+<p:sld xmlns:a="http://schemas.openxmlformats.org/drawingml/2006/main" xmlns:r="http://schemas.openxmlformats.org/officeDocument/2006/relationships" xmlns:p="http://schemas.openxmlformats.org/presentationml/2006/main">
+  <p:cSld>
+    <p:spTree>
+      <p:nvGrpSpPr>
+        <p:cNvPr id="1" name=""/>
+        <p:cNvGrpSpPr/>
+        <p:nvPr/>
+      </p:nvGrpSpPr>
+      <p:grpSpPr>
+        <a:xfrm>
+          <a:off x="0" y="0"/>
+          <a:ext cx="0" cy="0"/>
+          <a:chOff x="0" y="0"/>
+          <a:chExt cx="0" cy="0"/>
+        </a:xfrm>
+      </p:grpSpPr>
+      <p:sp>
+        <p:nvSpPr>
+          <p:cNvPr id="2" name="1 Título"/>
+          <p:cNvSpPr>
+            <a:spLocks noGrp="1"/>
+          </p:cNvSpPr>
+          <p:nvPr>
+            <p:ph type="title"/>
+          </p:nvPr>
+        </p:nvSpPr>
+        <p:spPr/>
+        <p:txBody>
+          <a:bodyPr/>
+          <a:lstStyle/>
+          <a:p>
+            <a:endParaRPr lang="es-MX"/>
+          </a:p>
+        </p:txBody>
+      </p:sp>
+      <p:sp>
+        <p:nvSpPr>
+          <p:cNvPr id="3" name="2 Marcador de contenido"/>
+          <p:cNvSpPr>
+            <a:spLocks noGrp="1"/>
+          </p:cNvSpPr>
+          <p:nvPr>
+            <p:ph idx="1"/>
+          </p:nvPr>
+        </p:nvSpPr>
+        <p:spPr/>
+        <p:txBody>
+          <a:bodyPr/>
+          <a:lstStyle/>
+          <a:p>
+            <a:endParaRPr lang="es-MX"/>
+          </a:p>
+        </p:txBody>
+      </p:sp>
+      <p:pic>
+        <p:nvPicPr>
+          <p:cNvPr id="2050" name="Picture 2"/>
+          <p:cNvPicPr>
+            <a:picLocks noChangeAspect="1" noChangeArrowheads="1"/>
+          </p:cNvPicPr>
+          <p:nvPr/>
+        </p:nvPicPr>
+        <p:blipFill>
+          <a:blip r:embed="rId2">
+            <a:extLst>
+              <a:ext uri="{28A0092B-C50C-407E-A947-70E740481C1C}">
+                <a14:useLocalDpi xmlns:a14="http://schemas.microsoft.com/office/drawing/2010/main" val="0"/>
+              </a:ext>
+            </a:extLst>
+          </a:blip>
+          <a:srcRect/>
+          <a:stretch>
+            <a:fillRect/>
+          </a:stretch>
+        </p:blipFill>
+        <p:spPr bwMode="auto">
+          <a:xfrm>
+            <a:off x="-180528" y="231651"/>
+            <a:ext cx="9705975" cy="6638925"/>
+          </a:xfrm>
+          <a:prstGeom prst="rect">
+            <a:avLst/>
+          </a:prstGeom>
+          <a:noFill/>
+          <a:ln>
+            <a:noFill/>
+          </a:ln>
+          <a:extLst>
+            <a:ext uri="{909E8E84-426E-40DD-AFC4-6F175D3DCCD1}">
+              <a14:hiddenFill xmlns:a14="http://schemas.microsoft.com/office/drawing/2010/main">
+                <a:solidFill>
+                  <a:schemeClr val="accent1"/>
+                </a:solidFill>
+              </a14:hiddenFill>
+            </a:ext>
+            <a:ext uri="{91240B29-F687-4F45-9708-019B960494DF}">
+              <a14:hiddenLine xmlns:a14="http://schemas.microsoft.com/office/drawing/2010/main" w="9525">
+                <a:solidFill>
+                  <a:schemeClr val="tx1"/>
+                </a:solidFill>
+                <a:miter lim="800000"/>
+                <a:headEnd/>
+                <a:tailEnd/>
+              </a14:hiddenLine>
+            </a:ext>
+          </a:extLst>
+        </p:spPr>
+      </p:pic>
+    </p:spTree>
+    <p:extLst>
+      <p:ext uri="{BB962C8B-B14F-4D97-AF65-F5344CB8AC3E}">
+        <p14:creationId xmlns:p14="http://schemas.microsoft.com/office/powerpoint/2010/main" val="2534911470"/>
+      </p:ext>
+    </p:extLst>
+  </p:cSld>
+  <p:clrMapOvr>
+    <a:masterClrMapping/>
+  </p:clrMapOvr>
+</p:sld>
+</file>
+
+<file path=ppt/slides/slide2.xml><?xml version="1.0" encoding="utf-8"?>
+<p:sld xmlns:a="http://schemas.openxmlformats.org/drawingml/2006/main" xmlns:r="http://schemas.openxmlformats.org/officeDocument/2006/relationships" xmlns:p="http://schemas.openxmlformats.org/presentationml/2006/main">
+  <p:cSld>
+    <p:spTree>
+      <p:nvGrpSpPr>
+        <p:cNvPr id="1" name=""/>
+        <p:cNvGrpSpPr/>
+        <p:nvPr/>
+      </p:nvGrpSpPr>
+      <p:grpSpPr>
+        <a:xfrm>
+          <a:off x="0" y="0"/>
+          <a:ext cx="0" cy="0"/>
+          <a:chOff x="0" y="0"/>
+          <a:chExt cx="0" cy="0"/>
+        </a:xfrm>
+      </p:grpSpPr>
+      <p:sp>
+        <p:nvSpPr>
+          <p:cNvPr id="2" name="1 Título"/>
+          <p:cNvSpPr>
+            <a:spLocks noGrp="1"/>
+          </p:cNvSpPr>
+          <p:nvPr>
+            <p:ph type="title"/>
+          </p:nvPr>
+        </p:nvSpPr>
+        <p:spPr/>
+        <p:txBody>
+          <a:bodyPr/>
+          <a:lstStyle/>
+          <a:p>
+            <a:r>
+              <a:rPr lang="es-MX" dirty="0" err="1" smtClean="0"/>
+              <a:t>One</a:t>
+            </a:r>
+            <a:r>
+              <a:rPr lang="es-MX" dirty="0" smtClean="0"/>
+              <a:t> single </a:t>
+            </a:r>
+            <a:r>
+              <a:rPr lang="es-MX" dirty="0" err="1" smtClean="0"/>
+              <a:t>problem</a:t>
+            </a:r>
+            <a:r>
+              <a:rPr lang="es-MX" dirty="0" smtClean="0"/>
+              <a:t>…</a:t>
+            </a:r>
+            <a:endParaRPr lang="es-MX" dirty="0"/>
+          </a:p>
+        </p:txBody>
+      </p:sp>
+      <p:sp>
+        <p:nvSpPr>
+          <p:cNvPr id="3" name="2 Marcador de contenido"/>
+          <p:cNvSpPr>
+            <a:spLocks noGrp="1"/>
+          </p:cNvSpPr>
+          <p:nvPr>
+            <p:ph idx="1"/>
+          </p:nvPr>
+        </p:nvSpPr>
+        <p:spPr>
+          <a:xfrm>
+            <a:off x="457200" y="1600200"/>
+            <a:ext cx="4114800" cy="4525963"/>
+          </a:xfrm>
+        </p:spPr>
+        <p:txBody>
+          <a:bodyPr>
+            <a:normAutofit fontScale="92500" lnSpcReduction="10000"/>
+          </a:bodyPr>
+          <a:lstStyle/>
+          <a:p>
+            <a:pPr marL="0" indent="0">
+              <a:buNone/>
+            </a:pPr>
+            <a:r>
+              <a:rPr lang="es-MX" dirty="0" err="1" smtClean="0">
+                <a:solidFill>
+                  <a:schemeClr val="bg1">
+                    <a:lumMod val="65000"/>
+                  </a:schemeClr>
+                </a:solidFill>
+              </a:rPr>
+              <a:t>Is</a:t>
+            </a:r>
+            <a:r>
+              <a:rPr lang="es-MX" dirty="0" smtClean="0">
+                <a:solidFill>
+                  <a:schemeClr val="bg1">
+                    <a:lumMod val="65000"/>
+                  </a:schemeClr>
+                </a:solidFill>
+              </a:rPr>
+              <a:t> </a:t>
+            </a:r>
+            <a:r>
+              <a:rPr lang="es-MX" dirty="0" err="1" smtClean="0">
+                <a:solidFill>
+                  <a:schemeClr val="bg1">
+                    <a:lumMod val="65000"/>
+                  </a:schemeClr>
+                </a:solidFill>
+              </a:rPr>
+              <a:t>that</a:t>
+            </a:r>
+            <a:r>
+              <a:rPr lang="es-MX" dirty="0" smtClean="0">
+                <a:solidFill>
+                  <a:schemeClr val="bg1">
+                    <a:lumMod val="65000"/>
+                  </a:schemeClr>
+                </a:solidFill>
+              </a:rPr>
+              <a:t> </a:t>
+            </a:r>
+            <a:r>
+              <a:rPr lang="es-MX" dirty="0" err="1" smtClean="0">
+                <a:solidFill>
+                  <a:schemeClr val="bg1">
+                    <a:lumMod val="65000"/>
+                  </a:schemeClr>
+                </a:solidFill>
+              </a:rPr>
+              <a:t>the</a:t>
+            </a:r>
+            <a:r>
+              <a:rPr lang="es-MX" dirty="0" smtClean="0">
+                <a:solidFill>
+                  <a:schemeClr val="bg1">
+                    <a:lumMod val="65000"/>
+                  </a:schemeClr>
+                </a:solidFill>
+              </a:rPr>
+              <a:t> </a:t>
+            </a:r>
+            <a:r>
+              <a:rPr lang="es-MX" dirty="0" err="1" smtClean="0">
+                <a:solidFill>
+                  <a:schemeClr val="bg1">
+                    <a:lumMod val="65000"/>
+                  </a:schemeClr>
+                </a:solidFill>
+              </a:rPr>
+              <a:t>sound</a:t>
+            </a:r>
+            <a:r>
+              <a:rPr lang="es-MX" dirty="0" smtClean="0">
+                <a:solidFill>
+                  <a:schemeClr val="bg1">
+                    <a:lumMod val="65000"/>
+                  </a:schemeClr>
+                </a:solidFill>
+              </a:rPr>
+              <a:t> of a </a:t>
+            </a:r>
+            <a:r>
+              <a:rPr lang="es-MX" dirty="0" err="1" smtClean="0">
+                <a:solidFill>
+                  <a:schemeClr val="bg1">
+                    <a:lumMod val="65000"/>
+                  </a:schemeClr>
+                </a:solidFill>
+              </a:rPr>
+              <a:t>predator</a:t>
+            </a:r>
+            <a:r>
+              <a:rPr lang="es-MX" dirty="0" smtClean="0">
+                <a:solidFill>
+                  <a:schemeClr val="bg1">
+                    <a:lumMod val="65000"/>
+                  </a:schemeClr>
+                </a:solidFill>
+              </a:rPr>
+              <a:t> </a:t>
+            </a:r>
+            <a:r>
+              <a:rPr lang="es-MX" dirty="0" err="1" smtClean="0">
+                <a:solidFill>
+                  <a:schemeClr val="bg1">
+                    <a:lumMod val="65000"/>
+                  </a:schemeClr>
+                </a:solidFill>
+              </a:rPr>
+              <a:t>approaching</a:t>
+            </a:r>
+            <a:r>
+              <a:rPr lang="es-MX" dirty="0" smtClean="0">
+                <a:solidFill>
+                  <a:schemeClr val="bg1">
+                    <a:lumMod val="65000"/>
+                  </a:schemeClr>
+                </a:solidFill>
+              </a:rPr>
+              <a:t>?</a:t>
+            </a:r>
+          </a:p>
+          <a:p>
+            <a:pPr marL="0" indent="0">
+              <a:buNone/>
+            </a:pPr>
+            <a:endParaRPr lang="es-MX" dirty="0" smtClean="0">
+              <a:solidFill>
+                <a:schemeClr val="bg1">
+                  <a:lumMod val="65000"/>
+                </a:schemeClr>
+              </a:solidFill>
+            </a:endParaRPr>
+          </a:p>
+          <a:p>
+            <a:pPr marL="0" indent="0">
+              <a:buNone/>
+            </a:pPr>
+            <a:r>
+              <a:rPr lang="es-MX" dirty="0" err="1" smtClean="0">
+                <a:solidFill>
+                  <a:schemeClr val="bg1">
+                    <a:lumMod val="65000"/>
+                  </a:schemeClr>
+                </a:solidFill>
+              </a:rPr>
+              <a:t>Is</a:t>
+            </a:r>
+            <a:r>
+              <a:rPr lang="es-MX" dirty="0" smtClean="0">
+                <a:solidFill>
+                  <a:schemeClr val="bg1">
+                    <a:lumMod val="65000"/>
+                  </a:schemeClr>
+                </a:solidFill>
+              </a:rPr>
+              <a:t> </a:t>
+            </a:r>
+            <a:r>
+              <a:rPr lang="es-MX" dirty="0" err="1" smtClean="0">
+                <a:solidFill>
+                  <a:schemeClr val="bg1">
+                    <a:lumMod val="65000"/>
+                  </a:schemeClr>
+                </a:solidFill>
+              </a:rPr>
+              <a:t>this</a:t>
+            </a:r>
+            <a:r>
+              <a:rPr lang="es-MX" dirty="0" smtClean="0">
+                <a:solidFill>
+                  <a:schemeClr val="bg1">
+                    <a:lumMod val="65000"/>
+                  </a:schemeClr>
+                </a:solidFill>
+              </a:rPr>
+              <a:t> </a:t>
+            </a:r>
+            <a:r>
+              <a:rPr lang="es-MX" dirty="0" err="1" smtClean="0">
+                <a:solidFill>
+                  <a:schemeClr val="bg1">
+                    <a:lumMod val="65000"/>
+                  </a:schemeClr>
+                </a:solidFill>
+              </a:rPr>
+              <a:t>food</a:t>
+            </a:r>
+            <a:r>
+              <a:rPr lang="es-MX" dirty="0" smtClean="0">
+                <a:solidFill>
+                  <a:schemeClr val="bg1">
+                    <a:lumMod val="65000"/>
+                  </a:schemeClr>
+                </a:solidFill>
+              </a:rPr>
+              <a:t> </a:t>
+            </a:r>
+            <a:r>
+              <a:rPr lang="es-MX" dirty="0" err="1" smtClean="0">
+                <a:solidFill>
+                  <a:schemeClr val="bg1">
+                    <a:lumMod val="65000"/>
+                  </a:schemeClr>
+                </a:solidFill>
+              </a:rPr>
+              <a:t>eatable</a:t>
+            </a:r>
+            <a:r>
+              <a:rPr lang="es-MX" dirty="0" smtClean="0">
+                <a:solidFill>
+                  <a:schemeClr val="bg1">
+                    <a:lumMod val="65000"/>
+                  </a:schemeClr>
+                </a:solidFill>
+              </a:rPr>
+              <a:t>?</a:t>
+            </a:r>
+            <a:endParaRPr lang="es-MX" dirty="0">
+              <a:solidFill>
+                <a:schemeClr val="bg1">
+                  <a:lumMod val="65000"/>
+                </a:schemeClr>
+              </a:solidFill>
+            </a:endParaRPr>
+          </a:p>
+          <a:p>
+            <a:pPr marL="0" indent="0">
+              <a:buNone/>
+            </a:pPr>
+            <a:endParaRPr lang="es-MX" dirty="0" smtClean="0">
+              <a:solidFill>
+                <a:schemeClr val="bg1">
+                  <a:lumMod val="65000"/>
+                </a:schemeClr>
+              </a:solidFill>
+            </a:endParaRPr>
+          </a:p>
+          <a:p>
+            <a:pPr marL="0" indent="0">
+              <a:buNone/>
+            </a:pPr>
+            <a:r>
+              <a:rPr lang="es-MX" dirty="0" err="1" smtClean="0">
+                <a:solidFill>
+                  <a:schemeClr val="bg1">
+                    <a:lumMod val="65000"/>
+                  </a:schemeClr>
+                </a:solidFill>
+              </a:rPr>
+              <a:t>Is</a:t>
+            </a:r>
+            <a:r>
+              <a:rPr lang="es-MX" dirty="0" smtClean="0">
+                <a:solidFill>
+                  <a:schemeClr val="bg1">
+                    <a:lumMod val="65000"/>
+                  </a:schemeClr>
+                </a:solidFill>
+              </a:rPr>
+              <a:t> </a:t>
+            </a:r>
+            <a:r>
+              <a:rPr lang="es-MX" dirty="0" err="1" smtClean="0">
+                <a:solidFill>
+                  <a:schemeClr val="bg1">
+                    <a:lumMod val="65000"/>
+                  </a:schemeClr>
+                </a:solidFill>
+              </a:rPr>
+              <a:t>my</a:t>
+            </a:r>
+            <a:r>
+              <a:rPr lang="es-MX" dirty="0" smtClean="0">
+                <a:solidFill>
+                  <a:schemeClr val="bg1">
+                    <a:lumMod val="65000"/>
+                  </a:schemeClr>
+                </a:solidFill>
+              </a:rPr>
+              <a:t> </a:t>
+            </a:r>
+            <a:r>
+              <a:rPr lang="es-MX" dirty="0" err="1" smtClean="0">
+                <a:solidFill>
+                  <a:schemeClr val="bg1">
+                    <a:lumMod val="65000"/>
+                  </a:schemeClr>
+                </a:solidFill>
+              </a:rPr>
+              <a:t>mom</a:t>
+            </a:r>
+            <a:r>
+              <a:rPr lang="es-MX" dirty="0" smtClean="0">
+                <a:solidFill>
+                  <a:schemeClr val="bg1">
+                    <a:lumMod val="65000"/>
+                  </a:schemeClr>
+                </a:solidFill>
+              </a:rPr>
+              <a:t> </a:t>
+            </a:r>
+            <a:r>
+              <a:rPr lang="es-MX" dirty="0" err="1" smtClean="0">
+                <a:solidFill>
+                  <a:schemeClr val="bg1">
+                    <a:lumMod val="65000"/>
+                  </a:schemeClr>
+                </a:solidFill>
+              </a:rPr>
+              <a:t>mad</a:t>
+            </a:r>
+            <a:r>
+              <a:rPr lang="es-MX" dirty="0" smtClean="0">
+                <a:solidFill>
+                  <a:schemeClr val="bg1">
+                    <a:lumMod val="65000"/>
+                  </a:schemeClr>
+                </a:solidFill>
+              </a:rPr>
+              <a:t> at me?</a:t>
+            </a:r>
+          </a:p>
+          <a:p>
+            <a:pPr marL="0" indent="0">
+              <a:buNone/>
+            </a:pPr>
+            <a:endParaRPr lang="es-MX" dirty="0" smtClean="0">
+              <a:solidFill>
+                <a:schemeClr val="bg1">
+                  <a:lumMod val="65000"/>
+                </a:schemeClr>
+              </a:solidFill>
+            </a:endParaRPr>
+          </a:p>
+          <a:p>
+            <a:pPr marL="0" indent="0">
+              <a:buNone/>
+            </a:pPr>
+            <a:r>
+              <a:rPr lang="es-MX" dirty="0" err="1" smtClean="0">
+                <a:solidFill>
+                  <a:schemeClr val="bg1">
+                    <a:lumMod val="65000"/>
+                  </a:schemeClr>
+                </a:solidFill>
+              </a:rPr>
+              <a:t>Is</a:t>
+            </a:r>
+            <a:r>
+              <a:rPr lang="es-MX" dirty="0" smtClean="0">
+                <a:solidFill>
+                  <a:schemeClr val="bg1">
+                    <a:lumMod val="65000"/>
+                  </a:schemeClr>
+                </a:solidFill>
+              </a:rPr>
+              <a:t> </a:t>
+            </a:r>
+            <a:r>
+              <a:rPr lang="es-MX" dirty="0" err="1" smtClean="0">
+                <a:solidFill>
+                  <a:schemeClr val="bg1">
+                    <a:lumMod val="65000"/>
+                  </a:schemeClr>
+                </a:solidFill>
+              </a:rPr>
+              <a:t>there</a:t>
+            </a:r>
+            <a:r>
+              <a:rPr lang="es-MX" dirty="0" smtClean="0">
+                <a:solidFill>
+                  <a:schemeClr val="bg1">
+                    <a:lumMod val="65000"/>
+                  </a:schemeClr>
+                </a:solidFill>
+              </a:rPr>
+              <a:t> a </a:t>
+            </a:r>
+            <a:r>
+              <a:rPr lang="es-MX" dirty="0" err="1" smtClean="0">
+                <a:solidFill>
+                  <a:schemeClr val="bg1">
+                    <a:lumMod val="65000"/>
+                  </a:schemeClr>
+                </a:solidFill>
+              </a:rPr>
+              <a:t>bomb</a:t>
+            </a:r>
+            <a:r>
+              <a:rPr lang="es-MX" dirty="0" smtClean="0">
+                <a:solidFill>
+                  <a:schemeClr val="bg1">
+                    <a:lumMod val="65000"/>
+                  </a:schemeClr>
+                </a:solidFill>
+              </a:rPr>
+              <a:t> in </a:t>
+            </a:r>
+            <a:r>
+              <a:rPr lang="es-MX" dirty="0" err="1" smtClean="0">
+                <a:solidFill>
+                  <a:schemeClr val="bg1">
+                    <a:lumMod val="65000"/>
+                  </a:schemeClr>
+                </a:solidFill>
+              </a:rPr>
+              <a:t>this</a:t>
+            </a:r>
+            <a:r>
+              <a:rPr lang="es-MX" dirty="0" smtClean="0">
+                <a:solidFill>
+                  <a:schemeClr val="bg1">
+                    <a:lumMod val="65000"/>
+                  </a:schemeClr>
+                </a:solidFill>
+              </a:rPr>
+              <a:t> bag?</a:t>
+            </a:r>
+          </a:p>
+        </p:txBody>
+      </p:sp>
+      <p:sp>
+        <p:nvSpPr>
+          <p:cNvPr id="4" name="3 CuadroTexto"/>
+          <p:cNvSpPr txBox="1"/>
+          <p:nvPr/>
+        </p:nvSpPr>
+        <p:spPr>
+          <a:xfrm rot="19142179">
+            <a:off x="171536" y="3299435"/>
+            <a:ext cx="4176464" cy="477054"/>
+          </a:xfrm>
+          <a:prstGeom prst="rect">
+            <a:avLst/>
+          </a:prstGeom>
+          <a:noFill/>
+        </p:spPr>
+        <p:txBody>
+          <a:bodyPr wrap="square" rtlCol="0">
+            <a:spAutoFit/>
+          </a:bodyPr>
+          <a:lstStyle/>
+          <a:p>
+            <a:pPr algn="ctr"/>
+            <a:r>
+              <a:rPr lang="es-MX" sz="2500" b="1" dirty="0" err="1" smtClean="0"/>
+              <a:t>Is</a:t>
+            </a:r>
+            <a:r>
+              <a:rPr lang="es-MX" sz="2500" b="1" dirty="0" smtClean="0"/>
+              <a:t> </a:t>
+            </a:r>
+            <a:r>
+              <a:rPr lang="es-MX" sz="2500" b="1" dirty="0" err="1" smtClean="0"/>
+              <a:t>the</a:t>
+            </a:r>
+            <a:r>
+              <a:rPr lang="es-MX" sz="2500" b="1" dirty="0" smtClean="0"/>
+              <a:t> target </a:t>
+            </a:r>
+            <a:r>
+              <a:rPr lang="es-MX" sz="2500" b="1" dirty="0" err="1" smtClean="0"/>
+              <a:t>stimulus</a:t>
+            </a:r>
+            <a:r>
+              <a:rPr lang="es-MX" sz="2500" b="1" dirty="0" smtClean="0"/>
+              <a:t> </a:t>
+            </a:r>
+            <a:r>
+              <a:rPr lang="es-MX" sz="2500" b="1" dirty="0" err="1" smtClean="0"/>
+              <a:t>present</a:t>
+            </a:r>
+            <a:r>
+              <a:rPr lang="es-MX" sz="2500" b="1" dirty="0" smtClean="0"/>
+              <a:t>?</a:t>
+            </a:r>
+            <a:endParaRPr lang="es-MX" sz="2500" b="1" dirty="0"/>
+          </a:p>
+        </p:txBody>
+      </p:sp>
+      <p:pic>
+        <p:nvPicPr>
+          <p:cNvPr id="5" name="Picture 2"/>
+          <p:cNvPicPr>
+            <a:picLocks noChangeAspect="1" noChangeArrowheads="1"/>
+          </p:cNvPicPr>
+          <p:nvPr/>
+        </p:nvPicPr>
+        <p:blipFill>
+          <a:blip r:embed="rId2">
+            <a:extLst>
+              <a:ext uri="{28A0092B-C50C-407E-A947-70E740481C1C}">
+                <a14:useLocalDpi xmlns:a14="http://schemas.microsoft.com/office/drawing/2010/main" val="0"/>
+              </a:ext>
+            </a:extLst>
+          </a:blip>
+          <a:srcRect/>
+          <a:stretch>
+            <a:fillRect/>
+          </a:stretch>
+        </p:blipFill>
+        <p:spPr bwMode="auto">
+          <a:xfrm>
+            <a:off x="4211960" y="2253796"/>
+            <a:ext cx="4802288" cy="2653517"/>
+          </a:xfrm>
+          <a:prstGeom prst="rect">
+            <a:avLst/>
+          </a:prstGeom>
+          <a:noFill/>
+          <a:ln>
+            <a:noFill/>
+          </a:ln>
+          <a:extLst>
+            <a:ext uri="{909E8E84-426E-40DD-AFC4-6F175D3DCCD1}">
+              <a14:hiddenFill xmlns:a14="http://schemas.microsoft.com/office/drawing/2010/main">
+                <a:solidFill>
+                  <a:schemeClr val="accent1"/>
+                </a:solidFill>
+              </a14:hiddenFill>
+            </a:ext>
+            <a:ext uri="{91240B29-F687-4F45-9708-019B960494DF}">
+              <a14:hiddenLine xmlns:a14="http://schemas.microsoft.com/office/drawing/2010/main" w="9525">
+                <a:solidFill>
+                  <a:schemeClr val="tx1"/>
+                </a:solidFill>
+                <a:miter lim="800000"/>
+                <a:headEnd/>
+                <a:tailEnd/>
+              </a14:hiddenLine>
+            </a:ext>
+          </a:extLst>
+        </p:spPr>
+      </p:pic>
+      <p:sp>
+        <p:nvSpPr>
+          <p:cNvPr id="6" name="5 CuadroTexto"/>
+          <p:cNvSpPr txBox="1"/>
+          <p:nvPr/>
+        </p:nvSpPr>
+        <p:spPr>
+          <a:xfrm>
+            <a:off x="5220072" y="2636912"/>
+            <a:ext cx="792088" cy="323165"/>
+          </a:xfrm>
+          <a:prstGeom prst="rect">
+            <a:avLst/>
+          </a:prstGeom>
+          <a:solidFill>
+            <a:schemeClr val="bg1"/>
+          </a:solidFill>
+        </p:spPr>
+        <p:txBody>
+          <a:bodyPr wrap="square" rtlCol="0">
+            <a:spAutoFit/>
+          </a:bodyPr>
+          <a:lstStyle/>
+          <a:p>
+            <a:r>
+              <a:rPr lang="es-MX" sz="1500" dirty="0" err="1" smtClean="0"/>
+              <a:t>Noise</a:t>
+            </a:r>
+            <a:endParaRPr lang="es-MX" sz="1500" dirty="0"/>
+          </a:p>
+        </p:txBody>
+      </p:sp>
+      <p:sp>
+        <p:nvSpPr>
+          <p:cNvPr id="7" name="6 CuadroTexto"/>
+          <p:cNvSpPr txBox="1"/>
+          <p:nvPr/>
+        </p:nvSpPr>
+        <p:spPr>
+          <a:xfrm>
+            <a:off x="8028384" y="2638778"/>
+            <a:ext cx="792088" cy="323165"/>
+          </a:xfrm>
+          <a:prstGeom prst="rect">
+            <a:avLst/>
+          </a:prstGeom>
+          <a:solidFill>
+            <a:schemeClr val="bg1"/>
+          </a:solidFill>
+        </p:spPr>
+        <p:txBody>
+          <a:bodyPr wrap="square" rtlCol="0">
+            <a:spAutoFit/>
+          </a:bodyPr>
+          <a:lstStyle/>
+          <a:p>
+            <a:r>
+              <a:rPr lang="es-MX" sz="1500" dirty="0" smtClean="0"/>
+              <a:t>Signal</a:t>
+            </a:r>
+            <a:endParaRPr lang="es-MX" sz="1500" dirty="0"/>
+          </a:p>
+        </p:txBody>
+      </p:sp>
+    </p:spTree>
+    <p:extLst>
+      <p:ext uri="{BB962C8B-B14F-4D97-AF65-F5344CB8AC3E}">
+        <p14:creationId xmlns:p14="http://schemas.microsoft.com/office/powerpoint/2010/main" val="2694390095"/>
+      </p:ext>
+    </p:extLst>
+  </p:cSld>
+  <p:clrMapOvr>
+    <a:masterClrMapping/>
+  </p:clrMapOvr>
+  <p:timing>
+    <p:tnLst>
+      <p:par>
+        <p:cTn id="1" dur="indefinite" restart="never" nodeType="tmRoot"/>
+      </p:par>
+    </p:tnLst>
+  </p:timing>
+</p:sld>
+</file>
+
+<file path=ppt/slides/slide20.xml><?xml version="1.0" encoding="utf-8"?>
+<p:sld xmlns:a="http://schemas.openxmlformats.org/drawingml/2006/main" xmlns:r="http://schemas.openxmlformats.org/officeDocument/2006/relationships" xmlns:p="http://schemas.openxmlformats.org/presentationml/2006/main">
+  <p:cSld>
+    <p:spTree>
+      <p:nvGrpSpPr>
+        <p:cNvPr id="1" name=""/>
+        <p:cNvGrpSpPr/>
+        <p:nvPr/>
+      </p:nvGrpSpPr>
+      <p:grpSpPr>
+        <a:xfrm>
+          <a:off x="0" y="0"/>
+          <a:ext cx="0" cy="0"/>
+          <a:chOff x="0" y="0"/>
+          <a:chExt cx="0" cy="0"/>
+        </a:xfrm>
+      </p:grpSpPr>
+      <p:sp>
+        <p:nvSpPr>
+          <p:cNvPr id="2" name="1 Título"/>
+          <p:cNvSpPr>
+            <a:spLocks noGrp="1"/>
+          </p:cNvSpPr>
+          <p:nvPr>
+            <p:ph type="title"/>
+          </p:nvPr>
+        </p:nvSpPr>
+        <p:spPr/>
+        <p:txBody>
           <a:bodyPr/>
           <a:lstStyle/>
           <a:p>
@@ -4517,7 +5470,7 @@
 </p:sld>
 </file>
 
-<file path=ppt/slides/slide19.xml><?xml version="1.0" encoding="utf-8"?>
+<file path=ppt/slides/slide21.xml><?xml version="1.0" encoding="utf-8"?>
 <p:sld xmlns:a="http://schemas.openxmlformats.org/drawingml/2006/main" xmlns:r="http://schemas.openxmlformats.org/officeDocument/2006/relationships" xmlns:p="http://schemas.openxmlformats.org/presentationml/2006/main">
   <p:cSld>
     <p:spTree>
@@ -5262,702 +6215,7 @@
 </p:sld>
 </file>
 
-<file path=ppt/slides/slide2.xml><?xml version="1.0" encoding="utf-8"?>
-<p:sld xmlns:a="http://schemas.openxmlformats.org/drawingml/2006/main" xmlns:r="http://schemas.openxmlformats.org/officeDocument/2006/relationships" xmlns:p="http://schemas.openxmlformats.org/presentationml/2006/main">
-  <p:cSld>
-    <p:spTree>
-      <p:nvGrpSpPr>
-        <p:cNvPr id="1" name=""/>
-        <p:cNvGrpSpPr/>
-        <p:nvPr/>
-      </p:nvGrpSpPr>
-      <p:grpSpPr>
-        <a:xfrm>
-          <a:off x="0" y="0"/>
-          <a:ext cx="0" cy="0"/>
-          <a:chOff x="0" y="0"/>
-          <a:chExt cx="0" cy="0"/>
-        </a:xfrm>
-      </p:grpSpPr>
-      <p:sp>
-        <p:nvSpPr>
-          <p:cNvPr id="2" name="1 Título"/>
-          <p:cNvSpPr>
-            <a:spLocks noGrp="1"/>
-          </p:cNvSpPr>
-          <p:nvPr>
-            <p:ph type="title"/>
-          </p:nvPr>
-        </p:nvSpPr>
-        <p:spPr/>
-        <p:txBody>
-          <a:bodyPr/>
-          <a:lstStyle/>
-          <a:p>
-            <a:r>
-              <a:rPr lang="es-MX" dirty="0" err="1" smtClean="0"/>
-              <a:t>One</a:t>
-            </a:r>
-            <a:r>
-              <a:rPr lang="es-MX" dirty="0" smtClean="0"/>
-              <a:t> single </a:t>
-            </a:r>
-            <a:r>
-              <a:rPr lang="es-MX" dirty="0" err="1" smtClean="0"/>
-              <a:t>problem</a:t>
-            </a:r>
-            <a:r>
-              <a:rPr lang="es-MX" dirty="0" smtClean="0"/>
-              <a:t>…</a:t>
-            </a:r>
-            <a:endParaRPr lang="es-MX" dirty="0"/>
-          </a:p>
-        </p:txBody>
-      </p:sp>
-      <p:sp>
-        <p:nvSpPr>
-          <p:cNvPr id="3" name="2 Marcador de contenido"/>
-          <p:cNvSpPr>
-            <a:spLocks noGrp="1"/>
-          </p:cNvSpPr>
-          <p:nvPr>
-            <p:ph idx="1"/>
-          </p:nvPr>
-        </p:nvSpPr>
-        <p:spPr>
-          <a:xfrm>
-            <a:off x="457200" y="1600200"/>
-            <a:ext cx="4114800" cy="4525963"/>
-          </a:xfrm>
-        </p:spPr>
-        <p:txBody>
-          <a:bodyPr>
-            <a:normAutofit fontScale="92500" lnSpcReduction="10000"/>
-          </a:bodyPr>
-          <a:lstStyle/>
-          <a:p>
-            <a:pPr marL="0" indent="0">
-              <a:buNone/>
-            </a:pPr>
-            <a:r>
-              <a:rPr lang="es-MX" dirty="0" err="1" smtClean="0">
-                <a:solidFill>
-                  <a:schemeClr val="bg1">
-                    <a:lumMod val="65000"/>
-                  </a:schemeClr>
-                </a:solidFill>
-              </a:rPr>
-              <a:t>Is</a:t>
-            </a:r>
-            <a:r>
-              <a:rPr lang="es-MX" dirty="0" smtClean="0">
-                <a:solidFill>
-                  <a:schemeClr val="bg1">
-                    <a:lumMod val="65000"/>
-                  </a:schemeClr>
-                </a:solidFill>
-              </a:rPr>
-              <a:t> </a:t>
-            </a:r>
-            <a:r>
-              <a:rPr lang="es-MX" dirty="0" err="1" smtClean="0">
-                <a:solidFill>
-                  <a:schemeClr val="bg1">
-                    <a:lumMod val="65000"/>
-                  </a:schemeClr>
-                </a:solidFill>
-              </a:rPr>
-              <a:t>that</a:t>
-            </a:r>
-            <a:r>
-              <a:rPr lang="es-MX" dirty="0" smtClean="0">
-                <a:solidFill>
-                  <a:schemeClr val="bg1">
-                    <a:lumMod val="65000"/>
-                  </a:schemeClr>
-                </a:solidFill>
-              </a:rPr>
-              <a:t> </a:t>
-            </a:r>
-            <a:r>
-              <a:rPr lang="es-MX" dirty="0" err="1" smtClean="0">
-                <a:solidFill>
-                  <a:schemeClr val="bg1">
-                    <a:lumMod val="65000"/>
-                  </a:schemeClr>
-                </a:solidFill>
-              </a:rPr>
-              <a:t>the</a:t>
-            </a:r>
-            <a:r>
-              <a:rPr lang="es-MX" dirty="0" smtClean="0">
-                <a:solidFill>
-                  <a:schemeClr val="bg1">
-                    <a:lumMod val="65000"/>
-                  </a:schemeClr>
-                </a:solidFill>
-              </a:rPr>
-              <a:t> </a:t>
-            </a:r>
-            <a:r>
-              <a:rPr lang="es-MX" dirty="0" err="1" smtClean="0">
-                <a:solidFill>
-                  <a:schemeClr val="bg1">
-                    <a:lumMod val="65000"/>
-                  </a:schemeClr>
-                </a:solidFill>
-              </a:rPr>
-              <a:t>sound</a:t>
-            </a:r>
-            <a:r>
-              <a:rPr lang="es-MX" dirty="0" smtClean="0">
-                <a:solidFill>
-                  <a:schemeClr val="bg1">
-                    <a:lumMod val="65000"/>
-                  </a:schemeClr>
-                </a:solidFill>
-              </a:rPr>
-              <a:t> of a </a:t>
-            </a:r>
-            <a:r>
-              <a:rPr lang="es-MX" dirty="0" err="1" smtClean="0">
-                <a:solidFill>
-                  <a:schemeClr val="bg1">
-                    <a:lumMod val="65000"/>
-                  </a:schemeClr>
-                </a:solidFill>
-              </a:rPr>
-              <a:t>predator</a:t>
-            </a:r>
-            <a:r>
-              <a:rPr lang="es-MX" dirty="0" smtClean="0">
-                <a:solidFill>
-                  <a:schemeClr val="bg1">
-                    <a:lumMod val="65000"/>
-                  </a:schemeClr>
-                </a:solidFill>
-              </a:rPr>
-              <a:t> </a:t>
-            </a:r>
-            <a:r>
-              <a:rPr lang="es-MX" dirty="0" err="1" smtClean="0">
-                <a:solidFill>
-                  <a:schemeClr val="bg1">
-                    <a:lumMod val="65000"/>
-                  </a:schemeClr>
-                </a:solidFill>
-              </a:rPr>
-              <a:t>approaching</a:t>
-            </a:r>
-            <a:r>
-              <a:rPr lang="es-MX" dirty="0" smtClean="0">
-                <a:solidFill>
-                  <a:schemeClr val="bg1">
-                    <a:lumMod val="65000"/>
-                  </a:schemeClr>
-                </a:solidFill>
-              </a:rPr>
-              <a:t>?</a:t>
-            </a:r>
-          </a:p>
-          <a:p>
-            <a:pPr marL="0" indent="0">
-              <a:buNone/>
-            </a:pPr>
-            <a:endParaRPr lang="es-MX" dirty="0" smtClean="0">
-              <a:solidFill>
-                <a:schemeClr val="bg1">
-                  <a:lumMod val="65000"/>
-                </a:schemeClr>
-              </a:solidFill>
-            </a:endParaRPr>
-          </a:p>
-          <a:p>
-            <a:pPr marL="0" indent="0">
-              <a:buNone/>
-            </a:pPr>
-            <a:r>
-              <a:rPr lang="es-MX" dirty="0" err="1" smtClean="0">
-                <a:solidFill>
-                  <a:schemeClr val="bg1">
-                    <a:lumMod val="65000"/>
-                  </a:schemeClr>
-                </a:solidFill>
-              </a:rPr>
-              <a:t>Is</a:t>
-            </a:r>
-            <a:r>
-              <a:rPr lang="es-MX" dirty="0" smtClean="0">
-                <a:solidFill>
-                  <a:schemeClr val="bg1">
-                    <a:lumMod val="65000"/>
-                  </a:schemeClr>
-                </a:solidFill>
-              </a:rPr>
-              <a:t> </a:t>
-            </a:r>
-            <a:r>
-              <a:rPr lang="es-MX" dirty="0" err="1" smtClean="0">
-                <a:solidFill>
-                  <a:schemeClr val="bg1">
-                    <a:lumMod val="65000"/>
-                  </a:schemeClr>
-                </a:solidFill>
-              </a:rPr>
-              <a:t>this</a:t>
-            </a:r>
-            <a:r>
-              <a:rPr lang="es-MX" dirty="0" smtClean="0">
-                <a:solidFill>
-                  <a:schemeClr val="bg1">
-                    <a:lumMod val="65000"/>
-                  </a:schemeClr>
-                </a:solidFill>
-              </a:rPr>
-              <a:t> </a:t>
-            </a:r>
-            <a:r>
-              <a:rPr lang="es-MX" dirty="0" err="1" smtClean="0">
-                <a:solidFill>
-                  <a:schemeClr val="bg1">
-                    <a:lumMod val="65000"/>
-                  </a:schemeClr>
-                </a:solidFill>
-              </a:rPr>
-              <a:t>food</a:t>
-            </a:r>
-            <a:r>
-              <a:rPr lang="es-MX" dirty="0" smtClean="0">
-                <a:solidFill>
-                  <a:schemeClr val="bg1">
-                    <a:lumMod val="65000"/>
-                  </a:schemeClr>
-                </a:solidFill>
-              </a:rPr>
-              <a:t> </a:t>
-            </a:r>
-            <a:r>
-              <a:rPr lang="es-MX" dirty="0" err="1" smtClean="0">
-                <a:solidFill>
-                  <a:schemeClr val="bg1">
-                    <a:lumMod val="65000"/>
-                  </a:schemeClr>
-                </a:solidFill>
-              </a:rPr>
-              <a:t>eatable</a:t>
-            </a:r>
-            <a:r>
-              <a:rPr lang="es-MX" dirty="0" smtClean="0">
-                <a:solidFill>
-                  <a:schemeClr val="bg1">
-                    <a:lumMod val="65000"/>
-                  </a:schemeClr>
-                </a:solidFill>
-              </a:rPr>
-              <a:t>?</a:t>
-            </a:r>
-            <a:endParaRPr lang="es-MX" dirty="0">
-              <a:solidFill>
-                <a:schemeClr val="bg1">
-                  <a:lumMod val="65000"/>
-                </a:schemeClr>
-              </a:solidFill>
-            </a:endParaRPr>
-          </a:p>
-          <a:p>
-            <a:pPr marL="0" indent="0">
-              <a:buNone/>
-            </a:pPr>
-            <a:endParaRPr lang="es-MX" dirty="0" smtClean="0">
-              <a:solidFill>
-                <a:schemeClr val="bg1">
-                  <a:lumMod val="65000"/>
-                </a:schemeClr>
-              </a:solidFill>
-            </a:endParaRPr>
-          </a:p>
-          <a:p>
-            <a:pPr marL="0" indent="0">
-              <a:buNone/>
-            </a:pPr>
-            <a:r>
-              <a:rPr lang="es-MX" dirty="0" err="1" smtClean="0">
-                <a:solidFill>
-                  <a:schemeClr val="bg1">
-                    <a:lumMod val="65000"/>
-                  </a:schemeClr>
-                </a:solidFill>
-              </a:rPr>
-              <a:t>Is</a:t>
-            </a:r>
-            <a:r>
-              <a:rPr lang="es-MX" dirty="0" smtClean="0">
-                <a:solidFill>
-                  <a:schemeClr val="bg1">
-                    <a:lumMod val="65000"/>
-                  </a:schemeClr>
-                </a:solidFill>
-              </a:rPr>
-              <a:t> </a:t>
-            </a:r>
-            <a:r>
-              <a:rPr lang="es-MX" dirty="0" err="1" smtClean="0">
-                <a:solidFill>
-                  <a:schemeClr val="bg1">
-                    <a:lumMod val="65000"/>
-                  </a:schemeClr>
-                </a:solidFill>
-              </a:rPr>
-              <a:t>my</a:t>
-            </a:r>
-            <a:r>
-              <a:rPr lang="es-MX" dirty="0" smtClean="0">
-                <a:solidFill>
-                  <a:schemeClr val="bg1">
-                    <a:lumMod val="65000"/>
-                  </a:schemeClr>
-                </a:solidFill>
-              </a:rPr>
-              <a:t> </a:t>
-            </a:r>
-            <a:r>
-              <a:rPr lang="es-MX" dirty="0" err="1" smtClean="0">
-                <a:solidFill>
-                  <a:schemeClr val="bg1">
-                    <a:lumMod val="65000"/>
-                  </a:schemeClr>
-                </a:solidFill>
-              </a:rPr>
-              <a:t>mom</a:t>
-            </a:r>
-            <a:r>
-              <a:rPr lang="es-MX" dirty="0" smtClean="0">
-                <a:solidFill>
-                  <a:schemeClr val="bg1">
-                    <a:lumMod val="65000"/>
-                  </a:schemeClr>
-                </a:solidFill>
-              </a:rPr>
-              <a:t> </a:t>
-            </a:r>
-            <a:r>
-              <a:rPr lang="es-MX" dirty="0" err="1" smtClean="0">
-                <a:solidFill>
-                  <a:schemeClr val="bg1">
-                    <a:lumMod val="65000"/>
-                  </a:schemeClr>
-                </a:solidFill>
-              </a:rPr>
-              <a:t>mad</a:t>
-            </a:r>
-            <a:r>
-              <a:rPr lang="es-MX" dirty="0" smtClean="0">
-                <a:solidFill>
-                  <a:schemeClr val="bg1">
-                    <a:lumMod val="65000"/>
-                  </a:schemeClr>
-                </a:solidFill>
-              </a:rPr>
-              <a:t> at me?</a:t>
-            </a:r>
-          </a:p>
-          <a:p>
-            <a:pPr marL="0" indent="0">
-              <a:buNone/>
-            </a:pPr>
-            <a:endParaRPr lang="es-MX" dirty="0" smtClean="0">
-              <a:solidFill>
-                <a:schemeClr val="bg1">
-                  <a:lumMod val="65000"/>
-                </a:schemeClr>
-              </a:solidFill>
-            </a:endParaRPr>
-          </a:p>
-          <a:p>
-            <a:pPr marL="0" indent="0">
-              <a:buNone/>
-            </a:pPr>
-            <a:r>
-              <a:rPr lang="es-MX" dirty="0" err="1" smtClean="0">
-                <a:solidFill>
-                  <a:schemeClr val="bg1">
-                    <a:lumMod val="65000"/>
-                  </a:schemeClr>
-                </a:solidFill>
-              </a:rPr>
-              <a:t>Is</a:t>
-            </a:r>
-            <a:r>
-              <a:rPr lang="es-MX" dirty="0" smtClean="0">
-                <a:solidFill>
-                  <a:schemeClr val="bg1">
-                    <a:lumMod val="65000"/>
-                  </a:schemeClr>
-                </a:solidFill>
-              </a:rPr>
-              <a:t> </a:t>
-            </a:r>
-            <a:r>
-              <a:rPr lang="es-MX" dirty="0" err="1" smtClean="0">
-                <a:solidFill>
-                  <a:schemeClr val="bg1">
-                    <a:lumMod val="65000"/>
-                  </a:schemeClr>
-                </a:solidFill>
-              </a:rPr>
-              <a:t>there</a:t>
-            </a:r>
-            <a:r>
-              <a:rPr lang="es-MX" dirty="0" smtClean="0">
-                <a:solidFill>
-                  <a:schemeClr val="bg1">
-                    <a:lumMod val="65000"/>
-                  </a:schemeClr>
-                </a:solidFill>
-              </a:rPr>
-              <a:t> a </a:t>
-            </a:r>
-            <a:r>
-              <a:rPr lang="es-MX" dirty="0" err="1" smtClean="0">
-                <a:solidFill>
-                  <a:schemeClr val="bg1">
-                    <a:lumMod val="65000"/>
-                  </a:schemeClr>
-                </a:solidFill>
-              </a:rPr>
-              <a:t>bomb</a:t>
-            </a:r>
-            <a:r>
-              <a:rPr lang="es-MX" dirty="0" smtClean="0">
-                <a:solidFill>
-                  <a:schemeClr val="bg1">
-                    <a:lumMod val="65000"/>
-                  </a:schemeClr>
-                </a:solidFill>
-              </a:rPr>
-              <a:t> in </a:t>
-            </a:r>
-            <a:r>
-              <a:rPr lang="es-MX" dirty="0" err="1" smtClean="0">
-                <a:solidFill>
-                  <a:schemeClr val="bg1">
-                    <a:lumMod val="65000"/>
-                  </a:schemeClr>
-                </a:solidFill>
-              </a:rPr>
-              <a:t>this</a:t>
-            </a:r>
-            <a:r>
-              <a:rPr lang="es-MX" dirty="0" smtClean="0">
-                <a:solidFill>
-                  <a:schemeClr val="bg1">
-                    <a:lumMod val="65000"/>
-                  </a:schemeClr>
-                </a:solidFill>
-              </a:rPr>
-              <a:t> bag?</a:t>
-            </a:r>
-          </a:p>
-        </p:txBody>
-      </p:sp>
-      <p:sp>
-        <p:nvSpPr>
-          <p:cNvPr id="4" name="3 CuadroTexto"/>
-          <p:cNvSpPr txBox="1"/>
-          <p:nvPr/>
-        </p:nvSpPr>
-        <p:spPr>
-          <a:xfrm rot="19142179">
-            <a:off x="171536" y="3299435"/>
-            <a:ext cx="4176464" cy="477054"/>
-          </a:xfrm>
-          <a:prstGeom prst="rect">
-            <a:avLst/>
-          </a:prstGeom>
-          <a:noFill/>
-        </p:spPr>
-        <p:txBody>
-          <a:bodyPr wrap="square" rtlCol="0">
-            <a:spAutoFit/>
-          </a:bodyPr>
-          <a:lstStyle/>
-          <a:p>
-            <a:pPr algn="ctr"/>
-            <a:r>
-              <a:rPr lang="es-MX" sz="2500" b="1" dirty="0" err="1" smtClean="0"/>
-              <a:t>Is</a:t>
-            </a:r>
-            <a:r>
-              <a:rPr lang="es-MX" sz="2500" b="1" dirty="0" smtClean="0"/>
-              <a:t> </a:t>
-            </a:r>
-            <a:r>
-              <a:rPr lang="es-MX" sz="2500" b="1" dirty="0" err="1" smtClean="0"/>
-              <a:t>the</a:t>
-            </a:r>
-            <a:r>
-              <a:rPr lang="es-MX" sz="2500" b="1" dirty="0" smtClean="0"/>
-              <a:t> target </a:t>
-            </a:r>
-            <a:r>
-              <a:rPr lang="es-MX" sz="2500" b="1" dirty="0" err="1" smtClean="0"/>
-              <a:t>stimulus</a:t>
-            </a:r>
-            <a:r>
-              <a:rPr lang="es-MX" sz="2500" b="1" dirty="0" smtClean="0"/>
-              <a:t> </a:t>
-            </a:r>
-            <a:r>
-              <a:rPr lang="es-MX" sz="2500" b="1" dirty="0" err="1" smtClean="0"/>
-              <a:t>present</a:t>
-            </a:r>
-            <a:r>
-              <a:rPr lang="es-MX" sz="2500" b="1" dirty="0" smtClean="0"/>
-              <a:t>?</a:t>
-            </a:r>
-            <a:endParaRPr lang="es-MX" sz="2500" b="1" dirty="0"/>
-          </a:p>
-        </p:txBody>
-      </p:sp>
-      <p:pic>
-        <p:nvPicPr>
-          <p:cNvPr id="5" name="Picture 2"/>
-          <p:cNvPicPr>
-            <a:picLocks noChangeAspect="1" noChangeArrowheads="1"/>
-          </p:cNvPicPr>
-          <p:nvPr/>
-        </p:nvPicPr>
-        <p:blipFill>
-          <a:blip r:embed="rId2">
-            <a:extLst>
-              <a:ext uri="{28A0092B-C50C-407E-A947-70E740481C1C}">
-                <a14:useLocalDpi xmlns:a14="http://schemas.microsoft.com/office/drawing/2010/main" val="0"/>
-              </a:ext>
-            </a:extLst>
-          </a:blip>
-          <a:srcRect/>
-          <a:stretch>
-            <a:fillRect/>
-          </a:stretch>
-        </p:blipFill>
-        <p:spPr bwMode="auto">
-          <a:xfrm>
-            <a:off x="4211960" y="2253796"/>
-            <a:ext cx="4802288" cy="2653517"/>
-          </a:xfrm>
-          <a:prstGeom prst="rect">
-            <a:avLst/>
-          </a:prstGeom>
-          <a:noFill/>
-          <a:ln>
-            <a:noFill/>
-          </a:ln>
-          <a:extLst>
-            <a:ext uri="{909E8E84-426E-40DD-AFC4-6F175D3DCCD1}">
-              <a14:hiddenFill xmlns:a14="http://schemas.microsoft.com/office/drawing/2010/main">
-                <a:solidFill>
-                  <a:schemeClr val="accent1"/>
-                </a:solidFill>
-              </a14:hiddenFill>
-            </a:ext>
-            <a:ext uri="{91240B29-F687-4F45-9708-019B960494DF}">
-              <a14:hiddenLine xmlns:a14="http://schemas.microsoft.com/office/drawing/2010/main" w="9525">
-                <a:solidFill>
-                  <a:schemeClr val="tx1"/>
-                </a:solidFill>
-                <a:miter lim="800000"/>
-                <a:headEnd/>
-                <a:tailEnd/>
-              </a14:hiddenLine>
-            </a:ext>
-          </a:extLst>
-        </p:spPr>
-      </p:pic>
-      <p:sp>
-        <p:nvSpPr>
-          <p:cNvPr id="6" name="5 CuadroTexto"/>
-          <p:cNvSpPr txBox="1"/>
-          <p:nvPr/>
-        </p:nvSpPr>
-        <p:spPr>
-          <a:xfrm>
-            <a:off x="5220072" y="2636912"/>
-            <a:ext cx="792088" cy="323165"/>
-          </a:xfrm>
-          <a:prstGeom prst="rect">
-            <a:avLst/>
-          </a:prstGeom>
-          <a:solidFill>
-            <a:schemeClr val="bg1"/>
-          </a:solidFill>
-        </p:spPr>
-        <p:txBody>
-          <a:bodyPr wrap="square" rtlCol="0">
-            <a:spAutoFit/>
-          </a:bodyPr>
-          <a:lstStyle/>
-          <a:p>
-            <a:r>
-              <a:rPr lang="es-MX" sz="1500" dirty="0" err="1" smtClean="0"/>
-              <a:t>Noise</a:t>
-            </a:r>
-            <a:endParaRPr lang="es-MX" sz="1500" dirty="0"/>
-          </a:p>
-        </p:txBody>
-      </p:sp>
-      <p:sp>
-        <p:nvSpPr>
-          <p:cNvPr id="7" name="6 CuadroTexto"/>
-          <p:cNvSpPr txBox="1"/>
-          <p:nvPr/>
-        </p:nvSpPr>
-        <p:spPr>
-          <a:xfrm>
-            <a:off x="8028384" y="2638778"/>
-            <a:ext cx="792088" cy="323165"/>
-          </a:xfrm>
-          <a:prstGeom prst="rect">
-            <a:avLst/>
-          </a:prstGeom>
-          <a:solidFill>
-            <a:schemeClr val="bg1"/>
-          </a:solidFill>
-        </p:spPr>
-        <p:txBody>
-          <a:bodyPr wrap="square" rtlCol="0">
-            <a:spAutoFit/>
-          </a:bodyPr>
-          <a:lstStyle/>
-          <a:p>
-            <a:r>
-              <a:rPr lang="es-MX" sz="1500" dirty="0" smtClean="0"/>
-              <a:t>Signal</a:t>
-            </a:r>
-            <a:endParaRPr lang="es-MX" sz="1500" dirty="0"/>
-          </a:p>
-        </p:txBody>
-      </p:sp>
-    </p:spTree>
-    <p:extLst>
-      <p:ext uri="{BB962C8B-B14F-4D97-AF65-F5344CB8AC3E}">
-        <p14:creationId xmlns:p14="http://schemas.microsoft.com/office/powerpoint/2010/main" val="2694390095"/>
-      </p:ext>
-    </p:extLst>
-  </p:cSld>
-  <p:clrMapOvr>
-    <a:masterClrMapping/>
-  </p:clrMapOvr>
-  <p:timing>
-    <p:tnLst>
-      <p:par>
-        <p:cTn id="1" dur="indefinite" restart="never" nodeType="tmRoot"/>
-      </p:par>
-    </p:tnLst>
-  </p:timing>
-</p:sld>
-</file>
-
-<file path=ppt/slides/slide20.xml><?xml version="1.0" encoding="utf-8"?>
+<file path=ppt/slides/slide22.xml><?xml version="1.0" encoding="utf-8"?>
 <p:sld xmlns:a="http://schemas.openxmlformats.org/drawingml/2006/main" xmlns:r="http://schemas.openxmlformats.org/officeDocument/2006/relationships" xmlns:p="http://schemas.openxmlformats.org/presentationml/2006/main">
   <p:cSld>
     <p:spTree>
@@ -8238,854 +8496,6 @@
 </p:sld>
 </file>
 
-<file path=ppt/slides/slide21.xml><?xml version="1.0" encoding="utf-8"?>
-<p:sld xmlns:a="http://schemas.openxmlformats.org/drawingml/2006/main" xmlns:r="http://schemas.openxmlformats.org/officeDocument/2006/relationships" xmlns:p="http://schemas.openxmlformats.org/presentationml/2006/main">
-  <p:cSld>
-    <p:spTree>
-      <p:nvGrpSpPr>
-        <p:cNvPr id="1" name=""/>
-        <p:cNvGrpSpPr/>
-        <p:nvPr/>
-      </p:nvGrpSpPr>
-      <p:grpSpPr>
-        <a:xfrm>
-          <a:off x="0" y="0"/>
-          <a:ext cx="0" cy="0"/>
-          <a:chOff x="0" y="0"/>
-          <a:chExt cx="0" cy="0"/>
-        </a:xfrm>
-      </p:grpSpPr>
-      <p:sp>
-        <p:nvSpPr>
-          <p:cNvPr id="7" name="6 Título"/>
-          <p:cNvSpPr>
-            <a:spLocks noGrp="1"/>
-          </p:cNvSpPr>
-          <p:nvPr>
-            <p:ph type="title"/>
-          </p:nvPr>
-        </p:nvSpPr>
-        <p:spPr/>
-        <p:txBody>
-          <a:bodyPr>
-            <a:normAutofit fontScale="90000"/>
-          </a:bodyPr>
-          <a:lstStyle/>
-          <a:p>
-            <a:r>
-              <a:rPr lang="es-MX" dirty="0" smtClean="0"/>
-              <a:t/>
-            </a:r>
-            <a:br>
-              <a:rPr lang="es-MX" dirty="0" smtClean="0"/>
-            </a:br>
-            <a:endParaRPr lang="es-MX" dirty="0"/>
-          </a:p>
-        </p:txBody>
-      </p:sp>
-      <p:sp>
-        <p:nvSpPr>
-          <p:cNvPr id="8" name="7 Marcador de texto"/>
-          <p:cNvSpPr>
-            <a:spLocks noGrp="1"/>
-          </p:cNvSpPr>
-          <p:nvPr>
-            <p:ph type="body" idx="1"/>
-          </p:nvPr>
-        </p:nvSpPr>
-        <p:spPr>
-          <a:xfrm>
-            <a:off x="456183" y="260648"/>
-            <a:ext cx="4040188" cy="639762"/>
-          </a:xfrm>
-        </p:spPr>
-        <p:txBody>
-          <a:bodyPr/>
-          <a:lstStyle/>
-          <a:p>
-            <a:r>
-              <a:rPr lang="es-MX" dirty="0" smtClean="0"/>
-              <a:t>A:  </a:t>
-            </a:r>
-            <a:r>
-              <a:rPr lang="es-MX" dirty="0" err="1" smtClean="0"/>
-              <a:t>Fewer</a:t>
-            </a:r>
-            <a:r>
-              <a:rPr lang="es-MX" dirty="0" smtClean="0"/>
-              <a:t> </a:t>
-            </a:r>
-            <a:r>
-              <a:rPr lang="es-MX" dirty="0" err="1" smtClean="0"/>
-              <a:t>External</a:t>
-            </a:r>
-            <a:r>
-              <a:rPr lang="es-MX" dirty="0" smtClean="0"/>
-              <a:t> </a:t>
-            </a:r>
-            <a:r>
-              <a:rPr lang="es-MX" dirty="0" err="1" smtClean="0"/>
-              <a:t>Circles</a:t>
-            </a:r>
-            <a:endParaRPr lang="es-MX" dirty="0"/>
-          </a:p>
-        </p:txBody>
-      </p:sp>
-      <p:sp>
-        <p:nvSpPr>
-          <p:cNvPr id="9" name="8 Marcador de contenido"/>
-          <p:cNvSpPr>
-            <a:spLocks noGrp="1"/>
-          </p:cNvSpPr>
-          <p:nvPr>
-            <p:ph sz="half" idx="2"/>
-          </p:nvPr>
-        </p:nvSpPr>
-        <p:spPr>
-          <a:xfrm>
-            <a:off x="456183" y="900410"/>
-            <a:ext cx="4040188" cy="5696942"/>
-          </a:xfrm>
-        </p:spPr>
-        <p:txBody>
-          <a:bodyPr>
-            <a:normAutofit/>
-          </a:bodyPr>
-          <a:lstStyle/>
-          <a:p>
-            <a:r>
-              <a:rPr lang="es-MX" dirty="0" smtClean="0"/>
-              <a:t>16 </a:t>
-            </a:r>
-            <a:r>
-              <a:rPr lang="es-MX" dirty="0" err="1" smtClean="0"/>
-              <a:t>pairs</a:t>
-            </a:r>
-            <a:r>
-              <a:rPr lang="es-MX" dirty="0" smtClean="0"/>
-              <a:t> (</a:t>
-            </a:r>
-            <a:r>
-              <a:rPr lang="es-MX" dirty="0" err="1" smtClean="0"/>
-              <a:t>signal</a:t>
-            </a:r>
-            <a:r>
-              <a:rPr lang="es-MX" dirty="0" smtClean="0"/>
-              <a:t>)</a:t>
-            </a:r>
-          </a:p>
-          <a:p>
-            <a:r>
-              <a:rPr lang="es-MX" dirty="0" smtClean="0"/>
-              <a:t>16 </a:t>
-            </a:r>
-            <a:r>
-              <a:rPr lang="es-MX" dirty="0" err="1" smtClean="0"/>
-              <a:t>pairs</a:t>
-            </a:r>
-            <a:r>
-              <a:rPr lang="es-MX" dirty="0" smtClean="0"/>
-              <a:t> (</a:t>
-            </a:r>
-            <a:r>
-              <a:rPr lang="es-MX" dirty="0" err="1" smtClean="0"/>
-              <a:t>noise</a:t>
-            </a:r>
-            <a:r>
-              <a:rPr lang="es-MX" dirty="0" smtClean="0"/>
-              <a:t>)</a:t>
-            </a:r>
-          </a:p>
-          <a:p>
-            <a:endParaRPr lang="es-MX" dirty="0"/>
-          </a:p>
-          <a:p>
-            <a:r>
-              <a:rPr lang="es-MX" dirty="0" smtClean="0"/>
-              <a:t>32 </a:t>
-            </a:r>
-            <a:r>
-              <a:rPr lang="es-MX" dirty="0" err="1" smtClean="0"/>
-              <a:t>trials</a:t>
-            </a:r>
-            <a:endParaRPr lang="es-MX" dirty="0" smtClean="0"/>
-          </a:p>
-          <a:p>
-            <a:endParaRPr lang="es-MX" dirty="0"/>
-          </a:p>
-          <a:p>
-            <a:endParaRPr lang="es-MX" dirty="0" smtClean="0"/>
-          </a:p>
-          <a:p>
-            <a:endParaRPr lang="es-MX" dirty="0" smtClean="0"/>
-          </a:p>
-          <a:p>
-            <a:endParaRPr lang="es-MX" dirty="0"/>
-          </a:p>
-          <a:p>
-            <a:endParaRPr lang="es-MX" dirty="0" smtClean="0"/>
-          </a:p>
-          <a:p>
-            <a:endParaRPr lang="es-MX" dirty="0"/>
-          </a:p>
-          <a:p>
-            <a:r>
-              <a:rPr lang="es-MX" dirty="0" smtClean="0"/>
-              <a:t>320 </a:t>
-            </a:r>
-            <a:r>
-              <a:rPr lang="es-MX" dirty="0" err="1" smtClean="0"/>
-              <a:t>type</a:t>
-            </a:r>
-            <a:r>
-              <a:rPr lang="es-MX" dirty="0" smtClean="0"/>
-              <a:t> A </a:t>
-            </a:r>
-            <a:r>
-              <a:rPr lang="es-MX" dirty="0" err="1" smtClean="0"/>
-              <a:t>trials</a:t>
-            </a:r>
-            <a:endParaRPr lang="es-MX" dirty="0" smtClean="0"/>
-          </a:p>
-          <a:p>
-            <a:endParaRPr lang="es-MX" dirty="0"/>
-          </a:p>
-          <a:p>
-            <a:endParaRPr lang="es-MX" dirty="0" smtClean="0"/>
-          </a:p>
-          <a:p>
-            <a:endParaRPr lang="es-MX" dirty="0"/>
-          </a:p>
-          <a:p>
-            <a:endParaRPr lang="es-MX" dirty="0" smtClean="0"/>
-          </a:p>
-          <a:p>
-            <a:endParaRPr lang="es-MX" dirty="0"/>
-          </a:p>
-          <a:p>
-            <a:endParaRPr lang="es-MX" dirty="0"/>
-          </a:p>
-        </p:txBody>
-      </p:sp>
-      <p:sp>
-        <p:nvSpPr>
-          <p:cNvPr id="10" name="9 Marcador de texto"/>
-          <p:cNvSpPr>
-            <a:spLocks noGrp="1"/>
-          </p:cNvSpPr>
-          <p:nvPr>
-            <p:ph type="body" sz="quarter" idx="3"/>
-          </p:nvPr>
-        </p:nvSpPr>
-        <p:spPr>
-          <a:xfrm>
-            <a:off x="4644008" y="260648"/>
-            <a:ext cx="4041775" cy="639762"/>
-          </a:xfrm>
-        </p:spPr>
-        <p:txBody>
-          <a:bodyPr/>
-          <a:lstStyle/>
-          <a:p>
-            <a:r>
-              <a:rPr lang="es-MX" dirty="0" smtClean="0"/>
-              <a:t>B: More </a:t>
-            </a:r>
-            <a:r>
-              <a:rPr lang="es-MX" dirty="0" err="1" smtClean="0"/>
-              <a:t>external</a:t>
-            </a:r>
-            <a:r>
-              <a:rPr lang="es-MX" dirty="0" smtClean="0"/>
-              <a:t> </a:t>
-            </a:r>
-            <a:r>
-              <a:rPr lang="es-MX" dirty="0" err="1" smtClean="0"/>
-              <a:t>circles</a:t>
-            </a:r>
-            <a:endParaRPr lang="es-MX" dirty="0"/>
-          </a:p>
-        </p:txBody>
-      </p:sp>
-      <p:sp>
-        <p:nvSpPr>
-          <p:cNvPr id="11" name="10 Marcador de contenido"/>
-          <p:cNvSpPr>
-            <a:spLocks noGrp="1"/>
-          </p:cNvSpPr>
-          <p:nvPr>
-            <p:ph sz="quarter" idx="4"/>
-          </p:nvPr>
-        </p:nvSpPr>
-        <p:spPr>
-          <a:xfrm>
-            <a:off x="4644008" y="900410"/>
-            <a:ext cx="4041775" cy="5480918"/>
-          </a:xfrm>
-        </p:spPr>
-        <p:txBody>
-          <a:bodyPr/>
-          <a:lstStyle/>
-          <a:p>
-            <a:r>
-              <a:rPr lang="es-MX" dirty="0" smtClean="0"/>
-              <a:t>16 </a:t>
-            </a:r>
-            <a:r>
-              <a:rPr lang="es-MX" dirty="0" err="1" smtClean="0"/>
-              <a:t>pairs</a:t>
-            </a:r>
-            <a:r>
-              <a:rPr lang="es-MX" dirty="0" smtClean="0"/>
-              <a:t> (</a:t>
-            </a:r>
-            <a:r>
-              <a:rPr lang="es-MX" dirty="0" err="1" smtClean="0"/>
-              <a:t>signal</a:t>
-            </a:r>
-            <a:r>
-              <a:rPr lang="es-MX" dirty="0" smtClean="0"/>
-              <a:t>)</a:t>
-            </a:r>
-          </a:p>
-          <a:p>
-            <a:r>
-              <a:rPr lang="es-MX" dirty="0" smtClean="0"/>
-              <a:t>16 </a:t>
-            </a:r>
-            <a:r>
-              <a:rPr lang="es-MX" dirty="0" err="1" smtClean="0"/>
-              <a:t>pairs</a:t>
-            </a:r>
-            <a:r>
-              <a:rPr lang="es-MX" dirty="0" smtClean="0"/>
-              <a:t> (</a:t>
-            </a:r>
-            <a:r>
-              <a:rPr lang="es-MX" dirty="0" err="1" smtClean="0"/>
-              <a:t>noise</a:t>
-            </a:r>
-            <a:r>
-              <a:rPr lang="es-MX" dirty="0" smtClean="0"/>
-              <a:t>)</a:t>
-            </a:r>
-          </a:p>
-          <a:p>
-            <a:endParaRPr lang="es-MX" dirty="0"/>
-          </a:p>
-          <a:p>
-            <a:r>
-              <a:rPr lang="es-MX" dirty="0" smtClean="0"/>
-              <a:t>32 </a:t>
-            </a:r>
-            <a:r>
-              <a:rPr lang="es-MX" dirty="0" err="1" smtClean="0"/>
-              <a:t>trials</a:t>
-            </a:r>
-            <a:endParaRPr lang="es-MX" dirty="0" smtClean="0"/>
-          </a:p>
-          <a:p>
-            <a:endParaRPr lang="es-MX" dirty="0"/>
-          </a:p>
-          <a:p>
-            <a:endParaRPr lang="es-MX" dirty="0" smtClean="0"/>
-          </a:p>
-          <a:p>
-            <a:endParaRPr lang="es-MX" dirty="0"/>
-          </a:p>
-          <a:p>
-            <a:endParaRPr lang="es-MX" dirty="0" smtClean="0"/>
-          </a:p>
-          <a:p>
-            <a:endParaRPr lang="es-MX" dirty="0" smtClean="0"/>
-          </a:p>
-          <a:p>
-            <a:endParaRPr lang="es-MX" dirty="0"/>
-          </a:p>
-          <a:p>
-            <a:r>
-              <a:rPr lang="es-MX" dirty="0" smtClean="0"/>
-              <a:t>320 </a:t>
-            </a:r>
-            <a:r>
-              <a:rPr lang="es-MX" dirty="0" err="1" smtClean="0"/>
-              <a:t>type</a:t>
-            </a:r>
-            <a:r>
-              <a:rPr lang="es-MX" dirty="0" smtClean="0"/>
-              <a:t> B </a:t>
-            </a:r>
-            <a:r>
-              <a:rPr lang="es-MX" dirty="0" err="1" smtClean="0"/>
-              <a:t>trials</a:t>
-            </a:r>
-            <a:endParaRPr lang="es-MX" dirty="0"/>
-          </a:p>
-        </p:txBody>
-      </p:sp>
-      <p:sp>
-        <p:nvSpPr>
-          <p:cNvPr id="12" name="11 CuadroTexto"/>
-          <p:cNvSpPr txBox="1"/>
-          <p:nvPr/>
-        </p:nvSpPr>
-        <p:spPr>
-          <a:xfrm>
-            <a:off x="1618655" y="3065457"/>
-            <a:ext cx="5760640" cy="1754326"/>
-          </a:xfrm>
-          <a:prstGeom prst="rect">
-            <a:avLst/>
-          </a:prstGeom>
-          <a:noFill/>
-          <a:ln>
-            <a:solidFill>
-              <a:schemeClr val="tx1"/>
-            </a:solidFill>
-            <a:prstDash val="lgDashDotDot"/>
-          </a:ln>
-        </p:spPr>
-        <p:txBody>
-          <a:bodyPr wrap="square" rtlCol="0">
-            <a:spAutoFit/>
-          </a:bodyPr>
-          <a:lstStyle/>
-          <a:p>
-            <a:r>
-              <a:rPr lang="es-MX" dirty="0"/>
-              <a:t>	</a:t>
-            </a:r>
-            <a:r>
-              <a:rPr lang="es-MX" dirty="0" smtClean="0"/>
-              <a:t>	64 </a:t>
-            </a:r>
-            <a:r>
-              <a:rPr lang="es-MX" dirty="0" err="1" smtClean="0"/>
-              <a:t>trials</a:t>
-            </a:r>
-            <a:endParaRPr lang="es-MX" dirty="0" smtClean="0"/>
-          </a:p>
-          <a:p>
-            <a:pPr marL="2571750" lvl="5" indent="-285750">
-              <a:buFont typeface="Arial" panose="020B0604020202020204" pitchFamily="34" charset="0"/>
-              <a:buChar char="•"/>
-            </a:pPr>
-            <a:r>
-              <a:rPr lang="es-MX" dirty="0" smtClean="0"/>
-              <a:t>x10 </a:t>
-            </a:r>
-          </a:p>
-          <a:p>
-            <a:pPr marL="3028950" lvl="6" indent="-285750">
-              <a:buFont typeface="Arial" panose="020B0604020202020204" pitchFamily="34" charset="0"/>
-              <a:buChar char="•"/>
-            </a:pPr>
-            <a:r>
-              <a:rPr lang="es-MX" dirty="0" smtClean="0"/>
-              <a:t>5 </a:t>
-            </a:r>
-            <a:r>
-              <a:rPr lang="es-MX" dirty="0" err="1" smtClean="0"/>
-              <a:t>different</a:t>
-            </a:r>
-            <a:r>
-              <a:rPr lang="es-MX" dirty="0" smtClean="0"/>
-              <a:t> </a:t>
-            </a:r>
-            <a:r>
-              <a:rPr lang="es-MX" dirty="0" err="1" smtClean="0"/>
-              <a:t>colors</a:t>
-            </a:r>
-            <a:endParaRPr lang="es-MX" dirty="0" smtClean="0"/>
-          </a:p>
-          <a:p>
-            <a:pPr marL="3486150" lvl="7" indent="-285750">
-              <a:buFont typeface="Arial" panose="020B0604020202020204" pitchFamily="34" charset="0"/>
-              <a:buChar char="•"/>
-            </a:pPr>
-            <a:r>
-              <a:rPr lang="es-MX" dirty="0" smtClean="0"/>
-              <a:t>2  per color</a:t>
-            </a:r>
-          </a:p>
-          <a:p>
-            <a:pPr marL="3486150" lvl="7" indent="-285750">
-              <a:buFont typeface="Arial" panose="020B0604020202020204" pitchFamily="34" charset="0"/>
-              <a:buChar char="•"/>
-            </a:pPr>
-            <a:r>
-              <a:rPr lang="es-MX" dirty="0" err="1" smtClean="0"/>
-              <a:t>Counterbalancing</a:t>
-            </a:r>
-            <a:endParaRPr lang="es-MX" dirty="0" smtClean="0"/>
-          </a:p>
-          <a:p>
-            <a:pPr marL="285750" indent="-285750">
-              <a:buFont typeface="Arial" panose="020B0604020202020204" pitchFamily="34" charset="0"/>
-              <a:buChar char="•"/>
-            </a:pPr>
-            <a:endParaRPr lang="es-MX" dirty="0"/>
-          </a:p>
-        </p:txBody>
-      </p:sp>
-    </p:spTree>
-    <p:extLst>
-      <p:ext uri="{BB962C8B-B14F-4D97-AF65-F5344CB8AC3E}">
-        <p14:creationId xmlns:p14="http://schemas.microsoft.com/office/powerpoint/2010/main" val="2865144216"/>
-      </p:ext>
-    </p:extLst>
-  </p:cSld>
-  <p:clrMapOvr>
-    <a:masterClrMapping/>
-  </p:clrMapOvr>
-  <p:timing>
-    <p:tnLst>
-      <p:par>
-        <p:cTn id="1" dur="indefinite" restart="never" nodeType="tmRoot"/>
-      </p:par>
-    </p:tnLst>
-  </p:timing>
-</p:sld>
-</file>
-
-<file path=ppt/slides/slide22.xml><?xml version="1.0" encoding="utf-8"?>
-<p:sld xmlns:a="http://schemas.openxmlformats.org/drawingml/2006/main" xmlns:r="http://schemas.openxmlformats.org/officeDocument/2006/relationships" xmlns:p="http://schemas.openxmlformats.org/presentationml/2006/main">
-  <p:cSld>
-    <p:spTree>
-      <p:nvGrpSpPr>
-        <p:cNvPr id="1" name=""/>
-        <p:cNvGrpSpPr/>
-        <p:nvPr/>
-      </p:nvGrpSpPr>
-      <p:grpSpPr>
-        <a:xfrm>
-          <a:off x="0" y="0"/>
-          <a:ext cx="0" cy="0"/>
-          <a:chOff x="0" y="0"/>
-          <a:chExt cx="0" cy="0"/>
-        </a:xfrm>
-      </p:grpSpPr>
-      <p:sp>
-        <p:nvSpPr>
-          <p:cNvPr id="2" name="1 Título"/>
-          <p:cNvSpPr>
-            <a:spLocks noGrp="1"/>
-          </p:cNvSpPr>
-          <p:nvPr>
-            <p:ph type="title"/>
-          </p:nvPr>
-        </p:nvSpPr>
-        <p:spPr>
-          <a:xfrm>
-            <a:off x="457200" y="274638"/>
-            <a:ext cx="8229600" cy="922114"/>
-          </a:xfrm>
-        </p:spPr>
-        <p:txBody>
-          <a:bodyPr/>
-          <a:lstStyle/>
-          <a:p>
-            <a:r>
-              <a:rPr lang="es-MX" dirty="0" err="1" smtClean="0"/>
-              <a:t>Two</a:t>
-            </a:r>
-            <a:r>
-              <a:rPr lang="es-MX" dirty="0" smtClean="0"/>
-              <a:t> </a:t>
-            </a:r>
-            <a:r>
-              <a:rPr lang="es-MX" dirty="0" err="1" smtClean="0"/>
-              <a:t>Experiments</a:t>
-            </a:r>
-            <a:endParaRPr lang="es-MX" dirty="0"/>
-          </a:p>
-        </p:txBody>
-      </p:sp>
-      <p:sp>
-        <p:nvSpPr>
-          <p:cNvPr id="3" name="2 Marcador de texto"/>
-          <p:cNvSpPr>
-            <a:spLocks noGrp="1"/>
-          </p:cNvSpPr>
-          <p:nvPr>
-            <p:ph type="body" idx="1"/>
-          </p:nvPr>
-        </p:nvSpPr>
-        <p:spPr>
-          <a:xfrm>
-            <a:off x="467544" y="1268760"/>
-            <a:ext cx="4040188" cy="639762"/>
-          </a:xfrm>
-        </p:spPr>
-        <p:txBody>
-          <a:bodyPr>
-            <a:normAutofit fontScale="77500" lnSpcReduction="20000"/>
-          </a:bodyPr>
-          <a:lstStyle/>
-          <a:p>
-            <a:pPr algn="ctr"/>
-            <a:r>
-              <a:rPr lang="es-MX" dirty="0" err="1" smtClean="0"/>
-              <a:t>Experiment</a:t>
-            </a:r>
-            <a:r>
-              <a:rPr lang="es-MX" dirty="0" smtClean="0"/>
-              <a:t> 1: </a:t>
-            </a:r>
-          </a:p>
-          <a:p>
-            <a:pPr algn="ctr"/>
-            <a:r>
-              <a:rPr lang="es-MX" dirty="0" err="1" smtClean="0"/>
-              <a:t>Just</a:t>
-            </a:r>
-            <a:r>
-              <a:rPr lang="es-MX" dirty="0" smtClean="0"/>
-              <a:t> </a:t>
-            </a:r>
-            <a:r>
-              <a:rPr lang="es-MX" dirty="0" err="1" smtClean="0"/>
-              <a:t>one</a:t>
-            </a:r>
-            <a:r>
-              <a:rPr lang="es-MX" dirty="0" smtClean="0"/>
-              <a:t> </a:t>
-            </a:r>
-            <a:r>
-              <a:rPr lang="es-MX" dirty="0" err="1" smtClean="0"/>
-              <a:t>Ebbinghaus</a:t>
-            </a:r>
-            <a:r>
-              <a:rPr lang="es-MX" dirty="0" smtClean="0"/>
-              <a:t> </a:t>
-            </a:r>
-            <a:r>
-              <a:rPr lang="es-MX" dirty="0" err="1" smtClean="0"/>
-              <a:t>Illusion</a:t>
-            </a:r>
-            <a:endParaRPr lang="es-MX" dirty="0"/>
-          </a:p>
-        </p:txBody>
-      </p:sp>
-      <p:sp>
-        <p:nvSpPr>
-          <p:cNvPr id="4" name="3 Marcador de contenido"/>
-          <p:cNvSpPr>
-            <a:spLocks noGrp="1"/>
-          </p:cNvSpPr>
-          <p:nvPr>
-            <p:ph sz="half" idx="2"/>
-          </p:nvPr>
-        </p:nvSpPr>
-        <p:spPr>
-          <a:xfrm>
-            <a:off x="457200" y="1988840"/>
-            <a:ext cx="4040188" cy="4536504"/>
-          </a:xfrm>
-        </p:spPr>
-        <p:txBody>
-          <a:bodyPr/>
-          <a:lstStyle/>
-          <a:p>
-            <a:r>
-              <a:rPr lang="es-MX" dirty="0" smtClean="0"/>
-              <a:t>160 AS</a:t>
-            </a:r>
-          </a:p>
-          <a:p>
-            <a:r>
-              <a:rPr lang="es-MX" dirty="0" smtClean="0"/>
-              <a:t>160 AN</a:t>
-            </a:r>
-          </a:p>
-          <a:p>
-            <a:r>
-              <a:rPr lang="es-MX" dirty="0" smtClean="0"/>
-              <a:t>160 BS</a:t>
-            </a:r>
-          </a:p>
-          <a:p>
-            <a:r>
-              <a:rPr lang="es-MX" dirty="0" smtClean="0"/>
-              <a:t>160 BN</a:t>
-            </a:r>
-          </a:p>
-          <a:p>
-            <a:endParaRPr lang="es-MX" dirty="0"/>
-          </a:p>
-          <a:p>
-            <a:r>
-              <a:rPr lang="es-MX" dirty="0" err="1" smtClean="0"/>
-              <a:t>Same</a:t>
-            </a:r>
-            <a:r>
-              <a:rPr lang="es-MX" dirty="0" smtClean="0"/>
-              <a:t> </a:t>
-            </a:r>
-            <a:r>
-              <a:rPr lang="es-MX" dirty="0" err="1" smtClean="0"/>
-              <a:t>procedure</a:t>
-            </a:r>
-            <a:endParaRPr lang="es-MX" dirty="0"/>
-          </a:p>
-        </p:txBody>
-      </p:sp>
-      <p:sp>
-        <p:nvSpPr>
-          <p:cNvPr id="5" name="4 Marcador de texto"/>
-          <p:cNvSpPr>
-            <a:spLocks noGrp="1"/>
-          </p:cNvSpPr>
-          <p:nvPr>
-            <p:ph type="body" sz="quarter" idx="3"/>
-          </p:nvPr>
-        </p:nvSpPr>
-        <p:spPr>
-          <a:xfrm>
-            <a:off x="4644008" y="1268760"/>
-            <a:ext cx="4041775" cy="639762"/>
-          </a:xfrm>
-        </p:spPr>
-        <p:txBody>
-          <a:bodyPr>
-            <a:normAutofit fontScale="77500" lnSpcReduction="20000"/>
-          </a:bodyPr>
-          <a:lstStyle/>
-          <a:p>
-            <a:pPr algn="ctr"/>
-            <a:r>
-              <a:rPr lang="es-MX" dirty="0" err="1" smtClean="0"/>
-              <a:t>Experiment</a:t>
-            </a:r>
-            <a:r>
-              <a:rPr lang="es-MX" dirty="0" smtClean="0"/>
-              <a:t> 2: </a:t>
-            </a:r>
-          </a:p>
-          <a:p>
-            <a:pPr algn="ctr"/>
-            <a:r>
-              <a:rPr lang="es-MX" dirty="0" err="1" smtClean="0"/>
-              <a:t>Two</a:t>
-            </a:r>
-            <a:r>
-              <a:rPr lang="es-MX" dirty="0" smtClean="0"/>
-              <a:t> </a:t>
-            </a:r>
-            <a:r>
-              <a:rPr lang="es-MX" dirty="0" err="1" smtClean="0"/>
-              <a:t>Ebbinghaus</a:t>
-            </a:r>
-            <a:r>
-              <a:rPr lang="es-MX" dirty="0" smtClean="0"/>
-              <a:t> </a:t>
-            </a:r>
-            <a:r>
-              <a:rPr lang="es-MX" dirty="0" err="1" smtClean="0"/>
-              <a:t>Illusions</a:t>
-            </a:r>
-            <a:endParaRPr lang="es-MX" dirty="0"/>
-          </a:p>
-        </p:txBody>
-      </p:sp>
-      <p:sp>
-        <p:nvSpPr>
-          <p:cNvPr id="6" name="5 Marcador de contenido"/>
-          <p:cNvSpPr>
-            <a:spLocks noGrp="1"/>
-          </p:cNvSpPr>
-          <p:nvPr>
-            <p:ph sz="quarter" idx="4"/>
-          </p:nvPr>
-        </p:nvSpPr>
-        <p:spPr>
-          <a:xfrm>
-            <a:off x="4645025" y="1988840"/>
-            <a:ext cx="4041775" cy="4536504"/>
-          </a:xfrm>
-        </p:spPr>
-        <p:txBody>
-          <a:bodyPr/>
-          <a:lstStyle/>
-          <a:p>
-            <a:r>
-              <a:rPr lang="es-MX" dirty="0" smtClean="0"/>
-              <a:t>160 AS</a:t>
-            </a:r>
-          </a:p>
-          <a:p>
-            <a:r>
-              <a:rPr lang="es-MX" dirty="0" smtClean="0"/>
-              <a:t>160</a:t>
-            </a:r>
-            <a:r>
-              <a:rPr lang="es-MX" dirty="0"/>
-              <a:t> </a:t>
-            </a:r>
-            <a:r>
-              <a:rPr lang="es-MX" dirty="0" smtClean="0"/>
-              <a:t>AN</a:t>
-            </a:r>
-          </a:p>
-          <a:p>
-            <a:r>
-              <a:rPr lang="es-MX" dirty="0" smtClean="0"/>
-              <a:t>160 BS</a:t>
-            </a:r>
-          </a:p>
-          <a:p>
-            <a:r>
-              <a:rPr lang="es-MX" dirty="0" smtClean="0"/>
-              <a:t>160 BN</a:t>
-            </a:r>
-          </a:p>
-          <a:p>
-            <a:endParaRPr lang="es-MX" dirty="0"/>
-          </a:p>
-          <a:p>
-            <a:r>
-              <a:rPr lang="es-MX" dirty="0" err="1" smtClean="0"/>
-              <a:t>Same</a:t>
-            </a:r>
-            <a:r>
-              <a:rPr lang="es-MX" dirty="0" smtClean="0"/>
-              <a:t> </a:t>
-            </a:r>
-            <a:r>
-              <a:rPr lang="es-MX" dirty="0" err="1" smtClean="0"/>
-              <a:t>procedure</a:t>
-            </a:r>
-            <a:endParaRPr lang="es-MX" dirty="0"/>
-          </a:p>
-          <a:p>
-            <a:endParaRPr lang="es-MX" dirty="0" smtClean="0"/>
-          </a:p>
-          <a:p>
-            <a:pPr lvl="1"/>
-            <a:endParaRPr lang="es-MX" dirty="0" smtClean="0"/>
-          </a:p>
-        </p:txBody>
-      </p:sp>
-    </p:spTree>
-    <p:extLst>
-      <p:ext uri="{BB962C8B-B14F-4D97-AF65-F5344CB8AC3E}">
-        <p14:creationId xmlns:p14="http://schemas.microsoft.com/office/powerpoint/2010/main" val="3963672894"/>
-      </p:ext>
-    </p:extLst>
-  </p:cSld>
-  <p:clrMapOvr>
-    <a:masterClrMapping/>
-  </p:clrMapOvr>
-  <p:timing>
-    <p:tnLst>
-      <p:par>
-        <p:cTn id="1" dur="indefinite" restart="never" nodeType="tmRoot"/>
-      </p:par>
-    </p:tnLst>
-  </p:timing>
-</p:sld>
-</file>
-
 <file path=ppt/slides/slide23.xml><?xml version="1.0" encoding="utf-8"?>
 <p:sld xmlns:a="http://schemas.openxmlformats.org/drawingml/2006/main" xmlns:r="http://schemas.openxmlformats.org/officeDocument/2006/relationships" xmlns:p="http://schemas.openxmlformats.org/presentationml/2006/main">
   <p:cSld>
@@ -9105,46 +8515,473 @@
       </p:grpSpPr>
       <p:sp>
         <p:nvSpPr>
-          <p:cNvPr id="2" name="1 Título"/>
-          <p:cNvSpPr>
-            <a:spLocks noGrp="1"/>
-          </p:cNvSpPr>
-          <p:nvPr>
-            <p:ph type="ctrTitle"/>
+          <p:cNvPr id="7" name="6 Título"/>
+          <p:cNvSpPr>
+            <a:spLocks noGrp="1"/>
+          </p:cNvSpPr>
+          <p:nvPr>
+            <p:ph type="title"/>
           </p:nvPr>
         </p:nvSpPr>
         <p:spPr/>
         <p:txBody>
+          <a:bodyPr>
+            <a:normAutofit fontScale="90000"/>
+          </a:bodyPr>
+          <a:lstStyle/>
+          <a:p>
+            <a:r>
+              <a:rPr lang="es-MX" dirty="0" smtClean="0"/>
+              <a:t/>
+            </a:r>
+            <a:br>
+              <a:rPr lang="es-MX" dirty="0" smtClean="0"/>
+            </a:br>
+            <a:endParaRPr lang="es-MX" dirty="0"/>
+          </a:p>
+        </p:txBody>
+      </p:sp>
+      <p:sp>
+        <p:nvSpPr>
+          <p:cNvPr id="8" name="7 Marcador de texto"/>
+          <p:cNvSpPr>
+            <a:spLocks noGrp="1"/>
+          </p:cNvSpPr>
+          <p:nvPr>
+            <p:ph type="body" idx="1"/>
+          </p:nvPr>
+        </p:nvSpPr>
+        <p:spPr>
+          <a:xfrm>
+            <a:off x="456183" y="260648"/>
+            <a:ext cx="4040188" cy="639762"/>
+          </a:xfrm>
+        </p:spPr>
+        <p:txBody>
           <a:bodyPr/>
           <a:lstStyle/>
           <a:p>
             <a:r>
-              <a:rPr lang="es-MX" b="1" dirty="0" smtClean="0"/>
-              <a:t>Data!</a:t>
-            </a:r>
-            <a:endParaRPr lang="es-MX" b="1" dirty="0"/>
-          </a:p>
-        </p:txBody>
-      </p:sp>
-      <p:sp>
-        <p:nvSpPr>
-          <p:cNvPr id="3" name="2 Subtítulo"/>
-          <p:cNvSpPr>
-            <a:spLocks noGrp="1"/>
-          </p:cNvSpPr>
-          <p:nvPr>
-            <p:ph type="subTitle" idx="1"/>
-          </p:nvPr>
-        </p:nvSpPr>
-        <p:spPr/>
+              <a:rPr lang="es-MX" dirty="0" smtClean="0"/>
+              <a:t>A:  </a:t>
+            </a:r>
+            <a:r>
+              <a:rPr lang="es-MX" dirty="0" err="1" smtClean="0"/>
+              <a:t>Fewer</a:t>
+            </a:r>
+            <a:r>
+              <a:rPr lang="es-MX" dirty="0" smtClean="0"/>
+              <a:t> </a:t>
+            </a:r>
+            <a:r>
+              <a:rPr lang="es-MX" dirty="0" err="1" smtClean="0"/>
+              <a:t>External</a:t>
+            </a:r>
+            <a:r>
+              <a:rPr lang="es-MX" dirty="0" smtClean="0"/>
+              <a:t> </a:t>
+            </a:r>
+            <a:r>
+              <a:rPr lang="es-MX" dirty="0" err="1" smtClean="0"/>
+              <a:t>Circles</a:t>
+            </a:r>
+            <a:endParaRPr lang="es-MX" dirty="0"/>
+          </a:p>
+        </p:txBody>
+      </p:sp>
+      <p:sp>
+        <p:nvSpPr>
+          <p:cNvPr id="9" name="8 Marcador de contenido"/>
+          <p:cNvSpPr>
+            <a:spLocks noGrp="1"/>
+          </p:cNvSpPr>
+          <p:nvPr>
+            <p:ph sz="half" idx="2"/>
+          </p:nvPr>
+        </p:nvSpPr>
+        <p:spPr>
+          <a:xfrm>
+            <a:off x="456183" y="900410"/>
+            <a:ext cx="4040188" cy="5696942"/>
+          </a:xfrm>
+        </p:spPr>
+        <p:txBody>
+          <a:bodyPr>
+            <a:normAutofit/>
+          </a:bodyPr>
+          <a:lstStyle/>
+          <a:p>
+            <a:r>
+              <a:rPr lang="es-MX" dirty="0" smtClean="0"/>
+              <a:t>16 </a:t>
+            </a:r>
+            <a:r>
+              <a:rPr lang="es-MX" dirty="0" err="1" smtClean="0"/>
+              <a:t>pairs</a:t>
+            </a:r>
+            <a:r>
+              <a:rPr lang="es-MX" dirty="0" smtClean="0"/>
+              <a:t> (</a:t>
+            </a:r>
+            <a:r>
+              <a:rPr lang="es-MX" dirty="0" err="1" smtClean="0"/>
+              <a:t>signal</a:t>
+            </a:r>
+            <a:r>
+              <a:rPr lang="es-MX" dirty="0" smtClean="0"/>
+              <a:t>)</a:t>
+            </a:r>
+          </a:p>
+          <a:p>
+            <a:r>
+              <a:rPr lang="es-MX" dirty="0" smtClean="0"/>
+              <a:t>16 </a:t>
+            </a:r>
+            <a:r>
+              <a:rPr lang="es-MX" dirty="0" err="1" smtClean="0"/>
+              <a:t>pairs</a:t>
+            </a:r>
+            <a:r>
+              <a:rPr lang="es-MX" dirty="0" smtClean="0"/>
+              <a:t> (</a:t>
+            </a:r>
+            <a:r>
+              <a:rPr lang="es-MX" dirty="0" err="1" smtClean="0"/>
+              <a:t>noise</a:t>
+            </a:r>
+            <a:r>
+              <a:rPr lang="es-MX" dirty="0" smtClean="0"/>
+              <a:t>)</a:t>
+            </a:r>
+          </a:p>
+          <a:p>
+            <a:endParaRPr lang="es-MX" dirty="0"/>
+          </a:p>
+          <a:p>
+            <a:r>
+              <a:rPr lang="es-MX" dirty="0" smtClean="0"/>
+              <a:t>32 </a:t>
+            </a:r>
+            <a:r>
+              <a:rPr lang="es-MX" dirty="0" err="1" smtClean="0"/>
+              <a:t>trials</a:t>
+            </a:r>
+            <a:endParaRPr lang="es-MX" dirty="0" smtClean="0"/>
+          </a:p>
+          <a:p>
+            <a:endParaRPr lang="es-MX" dirty="0"/>
+          </a:p>
+          <a:p>
+            <a:endParaRPr lang="es-MX" dirty="0" smtClean="0"/>
+          </a:p>
+          <a:p>
+            <a:endParaRPr lang="es-MX" dirty="0" smtClean="0"/>
+          </a:p>
+          <a:p>
+            <a:endParaRPr lang="es-MX" dirty="0"/>
+          </a:p>
+          <a:p>
+            <a:endParaRPr lang="es-MX" dirty="0" smtClean="0"/>
+          </a:p>
+          <a:p>
+            <a:endParaRPr lang="es-MX" dirty="0"/>
+          </a:p>
+          <a:p>
+            <a:r>
+              <a:rPr lang="es-MX" dirty="0" smtClean="0"/>
+              <a:t>320 </a:t>
+            </a:r>
+            <a:r>
+              <a:rPr lang="es-MX" dirty="0" err="1" smtClean="0"/>
+              <a:t>type</a:t>
+            </a:r>
+            <a:r>
+              <a:rPr lang="es-MX" dirty="0" smtClean="0"/>
+              <a:t> A </a:t>
+            </a:r>
+            <a:r>
+              <a:rPr lang="es-MX" dirty="0" err="1" smtClean="0"/>
+              <a:t>trials</a:t>
+            </a:r>
+            <a:endParaRPr lang="es-MX" dirty="0" smtClean="0"/>
+          </a:p>
+          <a:p>
+            <a:endParaRPr lang="es-MX" dirty="0"/>
+          </a:p>
+          <a:p>
+            <a:endParaRPr lang="es-MX" dirty="0" smtClean="0"/>
+          </a:p>
+          <a:p>
+            <a:endParaRPr lang="es-MX" dirty="0"/>
+          </a:p>
+          <a:p>
+            <a:endParaRPr lang="es-MX" dirty="0" smtClean="0"/>
+          </a:p>
+          <a:p>
+            <a:endParaRPr lang="es-MX" dirty="0"/>
+          </a:p>
+          <a:p>
+            <a:endParaRPr lang="es-MX" dirty="0"/>
+          </a:p>
+        </p:txBody>
+      </p:sp>
+      <p:sp>
+        <p:nvSpPr>
+          <p:cNvPr id="10" name="9 Marcador de texto"/>
+          <p:cNvSpPr>
+            <a:spLocks noGrp="1"/>
+          </p:cNvSpPr>
+          <p:nvPr>
+            <p:ph type="body" sz="quarter" idx="3"/>
+          </p:nvPr>
+        </p:nvSpPr>
+        <p:spPr>
+          <a:xfrm>
+            <a:off x="4644008" y="260648"/>
+            <a:ext cx="4041775" cy="639762"/>
+          </a:xfrm>
+        </p:spPr>
         <p:txBody>
           <a:bodyPr/>
           <a:lstStyle/>
           <a:p>
             <a:r>
               <a:rPr lang="es-MX" dirty="0" smtClean="0"/>
-              <a:t>Individual cases</a:t>
-            </a:r>
+              <a:t>B: More </a:t>
+            </a:r>
+            <a:r>
+              <a:rPr lang="es-MX" dirty="0" err="1" smtClean="0"/>
+              <a:t>external</a:t>
+            </a:r>
+            <a:r>
+              <a:rPr lang="es-MX" dirty="0" smtClean="0"/>
+              <a:t> </a:t>
+            </a:r>
+            <a:r>
+              <a:rPr lang="es-MX" dirty="0" err="1" smtClean="0"/>
+              <a:t>circles</a:t>
+            </a:r>
+            <a:endParaRPr lang="es-MX" dirty="0"/>
+          </a:p>
+        </p:txBody>
+      </p:sp>
+      <p:sp>
+        <p:nvSpPr>
+          <p:cNvPr id="11" name="10 Marcador de contenido"/>
+          <p:cNvSpPr>
+            <a:spLocks noGrp="1"/>
+          </p:cNvSpPr>
+          <p:nvPr>
+            <p:ph sz="quarter" idx="4"/>
+          </p:nvPr>
+        </p:nvSpPr>
+        <p:spPr>
+          <a:xfrm>
+            <a:off x="4644008" y="900410"/>
+            <a:ext cx="4041775" cy="5480918"/>
+          </a:xfrm>
+        </p:spPr>
+        <p:txBody>
+          <a:bodyPr/>
+          <a:lstStyle/>
+          <a:p>
+            <a:r>
+              <a:rPr lang="es-MX" dirty="0" smtClean="0"/>
+              <a:t>16 </a:t>
+            </a:r>
+            <a:r>
+              <a:rPr lang="es-MX" dirty="0" err="1" smtClean="0"/>
+              <a:t>pairs</a:t>
+            </a:r>
+            <a:r>
+              <a:rPr lang="es-MX" dirty="0" smtClean="0"/>
+              <a:t> (</a:t>
+            </a:r>
+            <a:r>
+              <a:rPr lang="es-MX" dirty="0" err="1" smtClean="0"/>
+              <a:t>signal</a:t>
+            </a:r>
+            <a:r>
+              <a:rPr lang="es-MX" dirty="0" smtClean="0"/>
+              <a:t>)</a:t>
+            </a:r>
+          </a:p>
+          <a:p>
+            <a:r>
+              <a:rPr lang="es-MX" dirty="0" smtClean="0"/>
+              <a:t>16 </a:t>
+            </a:r>
+            <a:r>
+              <a:rPr lang="es-MX" dirty="0" err="1" smtClean="0"/>
+              <a:t>pairs</a:t>
+            </a:r>
+            <a:r>
+              <a:rPr lang="es-MX" dirty="0" smtClean="0"/>
+              <a:t> (</a:t>
+            </a:r>
+            <a:r>
+              <a:rPr lang="es-MX" dirty="0" err="1" smtClean="0"/>
+              <a:t>noise</a:t>
+            </a:r>
+            <a:r>
+              <a:rPr lang="es-MX" dirty="0" smtClean="0"/>
+              <a:t>)</a:t>
+            </a:r>
+          </a:p>
+          <a:p>
+            <a:endParaRPr lang="es-MX" dirty="0"/>
+          </a:p>
+          <a:p>
+            <a:r>
+              <a:rPr lang="es-MX" dirty="0" smtClean="0"/>
+              <a:t>32 </a:t>
+            </a:r>
+            <a:r>
+              <a:rPr lang="es-MX" dirty="0" err="1" smtClean="0"/>
+              <a:t>trials</a:t>
+            </a:r>
+            <a:endParaRPr lang="es-MX" dirty="0" smtClean="0"/>
+          </a:p>
+          <a:p>
+            <a:endParaRPr lang="es-MX" dirty="0"/>
+          </a:p>
+          <a:p>
+            <a:endParaRPr lang="es-MX" dirty="0" smtClean="0"/>
+          </a:p>
+          <a:p>
+            <a:endParaRPr lang="es-MX" dirty="0"/>
+          </a:p>
+          <a:p>
+            <a:endParaRPr lang="es-MX" dirty="0" smtClean="0"/>
+          </a:p>
+          <a:p>
+            <a:endParaRPr lang="es-MX" dirty="0" smtClean="0"/>
+          </a:p>
+          <a:p>
+            <a:endParaRPr lang="es-MX" dirty="0"/>
+          </a:p>
+          <a:p>
+            <a:r>
+              <a:rPr lang="es-MX" dirty="0" smtClean="0"/>
+              <a:t>320 </a:t>
+            </a:r>
+            <a:r>
+              <a:rPr lang="es-MX" dirty="0" err="1" smtClean="0"/>
+              <a:t>type</a:t>
+            </a:r>
+            <a:r>
+              <a:rPr lang="es-MX" dirty="0" smtClean="0"/>
+              <a:t> B </a:t>
+            </a:r>
+            <a:r>
+              <a:rPr lang="es-MX" dirty="0" err="1" smtClean="0"/>
+              <a:t>trials</a:t>
+            </a:r>
+            <a:endParaRPr lang="es-MX" dirty="0"/>
+          </a:p>
+        </p:txBody>
+      </p:sp>
+      <p:sp>
+        <p:nvSpPr>
+          <p:cNvPr id="12" name="11 CuadroTexto"/>
+          <p:cNvSpPr txBox="1"/>
+          <p:nvPr/>
+        </p:nvSpPr>
+        <p:spPr>
+          <a:xfrm>
+            <a:off x="1618655" y="3065457"/>
+            <a:ext cx="5760640" cy="1754326"/>
+          </a:xfrm>
+          <a:prstGeom prst="rect">
+            <a:avLst/>
+          </a:prstGeom>
+          <a:noFill/>
+          <a:ln>
+            <a:solidFill>
+              <a:schemeClr val="tx1"/>
+            </a:solidFill>
+            <a:prstDash val="lgDashDotDot"/>
+          </a:ln>
+        </p:spPr>
+        <p:txBody>
+          <a:bodyPr wrap="square" rtlCol="0">
+            <a:spAutoFit/>
+          </a:bodyPr>
+          <a:lstStyle/>
+          <a:p>
+            <a:r>
+              <a:rPr lang="es-MX" dirty="0"/>
+              <a:t>	</a:t>
+            </a:r>
+            <a:r>
+              <a:rPr lang="es-MX" dirty="0" smtClean="0"/>
+              <a:t>	64 </a:t>
+            </a:r>
+            <a:r>
+              <a:rPr lang="es-MX" dirty="0" err="1" smtClean="0"/>
+              <a:t>trials</a:t>
+            </a:r>
+            <a:endParaRPr lang="es-MX" dirty="0" smtClean="0"/>
+          </a:p>
+          <a:p>
+            <a:pPr marL="2571750" lvl="5" indent="-285750">
+              <a:buFont typeface="Arial" panose="020B0604020202020204" pitchFamily="34" charset="0"/>
+              <a:buChar char="•"/>
+            </a:pPr>
+            <a:r>
+              <a:rPr lang="es-MX" dirty="0" smtClean="0"/>
+              <a:t>x10 </a:t>
+            </a:r>
+          </a:p>
+          <a:p>
+            <a:pPr marL="3028950" lvl="6" indent="-285750">
+              <a:buFont typeface="Arial" panose="020B0604020202020204" pitchFamily="34" charset="0"/>
+              <a:buChar char="•"/>
+            </a:pPr>
+            <a:r>
+              <a:rPr lang="es-MX" dirty="0" smtClean="0"/>
+              <a:t>5 </a:t>
+            </a:r>
+            <a:r>
+              <a:rPr lang="es-MX" dirty="0" err="1" smtClean="0"/>
+              <a:t>different</a:t>
+            </a:r>
+            <a:r>
+              <a:rPr lang="es-MX" dirty="0" smtClean="0"/>
+              <a:t> </a:t>
+            </a:r>
+            <a:r>
+              <a:rPr lang="es-MX" dirty="0" err="1" smtClean="0"/>
+              <a:t>colors</a:t>
+            </a:r>
+            <a:endParaRPr lang="es-MX" dirty="0" smtClean="0"/>
+          </a:p>
+          <a:p>
+            <a:pPr marL="3486150" lvl="7" indent="-285750">
+              <a:buFont typeface="Arial" panose="020B0604020202020204" pitchFamily="34" charset="0"/>
+              <a:buChar char="•"/>
+            </a:pPr>
+            <a:r>
+              <a:rPr lang="es-MX" dirty="0" smtClean="0"/>
+              <a:t>2  per color</a:t>
+            </a:r>
+          </a:p>
+          <a:p>
+            <a:pPr marL="3486150" lvl="7" indent="-285750">
+              <a:buFont typeface="Arial" panose="020B0604020202020204" pitchFamily="34" charset="0"/>
+              <a:buChar char="•"/>
+            </a:pPr>
+            <a:r>
+              <a:rPr lang="es-MX" dirty="0" err="1" smtClean="0"/>
+              <a:t>Counterbalancing</a:t>
+            </a:r>
+            <a:endParaRPr lang="es-MX" dirty="0" smtClean="0"/>
+          </a:p>
+          <a:p>
+            <a:pPr marL="285750" indent="-285750">
+              <a:buFont typeface="Arial" panose="020B0604020202020204" pitchFamily="34" charset="0"/>
+              <a:buChar char="•"/>
+            </a:pPr>
             <a:endParaRPr lang="es-MX" dirty="0"/>
           </a:p>
         </p:txBody>
@@ -9152,7 +8989,7 @@
     </p:spTree>
     <p:extLst>
       <p:ext uri="{BB962C8B-B14F-4D97-AF65-F5344CB8AC3E}">
-        <p14:creationId xmlns:p14="http://schemas.microsoft.com/office/powerpoint/2010/main" val="2216327003"/>
+        <p14:creationId xmlns:p14="http://schemas.microsoft.com/office/powerpoint/2010/main" val="2865144216"/>
       </p:ext>
     </p:extLst>
   </p:cSld>
@@ -9198,27 +9035,67 @@
         </p:nvSpPr>
         <p:spPr>
           <a:xfrm>
-            <a:off x="457200" y="119784"/>
-            <a:ext cx="8229600" cy="1143000"/>
+            <a:off x="457200" y="274638"/>
+            <a:ext cx="8229600" cy="922114"/>
+          </a:xfrm>
+        </p:spPr>
+        <p:txBody>
+          <a:bodyPr/>
+          <a:lstStyle/>
+          <a:p>
+            <a:r>
+              <a:rPr lang="es-MX" dirty="0" err="1" smtClean="0"/>
+              <a:t>Two</a:t>
+            </a:r>
+            <a:r>
+              <a:rPr lang="es-MX" dirty="0" smtClean="0"/>
+              <a:t> </a:t>
+            </a:r>
+            <a:r>
+              <a:rPr lang="es-MX" dirty="0" err="1" smtClean="0"/>
+              <a:t>Experiments</a:t>
+            </a:r>
+            <a:endParaRPr lang="es-MX" dirty="0"/>
+          </a:p>
+        </p:txBody>
+      </p:sp>
+      <p:sp>
+        <p:nvSpPr>
+          <p:cNvPr id="3" name="2 Marcador de texto"/>
+          <p:cNvSpPr>
+            <a:spLocks noGrp="1"/>
+          </p:cNvSpPr>
+          <p:nvPr>
+            <p:ph type="body" idx="1"/>
+          </p:nvPr>
+        </p:nvSpPr>
+        <p:spPr>
+          <a:xfrm>
+            <a:off x="467544" y="1268760"/>
+            <a:ext cx="4040188" cy="639762"/>
           </a:xfrm>
         </p:spPr>
         <p:txBody>
           <a:bodyPr>
-            <a:normAutofit fontScale="90000"/>
+            <a:normAutofit fontScale="77500" lnSpcReduction="20000"/>
           </a:bodyPr>
           <a:lstStyle/>
           <a:p>
-            <a:r>
-              <a:rPr lang="es-MX" dirty="0" smtClean="0"/>
-              <a:t>1st</a:t>
-            </a:r>
-            <a:r>
-              <a:rPr lang="es-MX" dirty="0" smtClean="0"/>
-              <a:t>: </a:t>
-            </a:r>
-            <a:r>
-              <a:rPr lang="es-MX" dirty="0" err="1" smtClean="0"/>
-              <a:t>Did</a:t>
+            <a:pPr algn="ctr"/>
+            <a:r>
+              <a:rPr lang="es-MX" dirty="0" err="1" smtClean="0"/>
+              <a:t>Experiment</a:t>
+            </a:r>
+            <a:r>
+              <a:rPr lang="es-MX" dirty="0" smtClean="0"/>
+              <a:t> 1: </a:t>
+            </a:r>
+          </a:p>
+          <a:p>
+            <a:pPr algn="ctr"/>
+            <a:r>
+              <a:rPr lang="es-MX" dirty="0" err="1" smtClean="0"/>
+              <a:t>Just</a:t>
             </a:r>
             <a:r>
               <a:rPr lang="es-MX" dirty="0" smtClean="0"/>
@@ -9226,7 +9103,7 @@
             </a:r>
             <a:r>
               <a:rPr lang="es-MX" dirty="0" err="1" smtClean="0"/>
-              <a:t>our</a:t>
+              <a:t>one</a:t>
             </a:r>
             <a:r>
               <a:rPr lang="es-MX" dirty="0" smtClean="0"/>
@@ -9234,7 +9111,7 @@
             </a:r>
             <a:r>
               <a:rPr lang="es-MX" dirty="0" err="1" smtClean="0"/>
-              <a:t>participants</a:t>
+              <a:t>Ebbinghaus</a:t>
             </a:r>
             <a:r>
               <a:rPr lang="es-MX" dirty="0" smtClean="0"/>
@@ -9242,7 +9119,62 @@
             </a:r>
             <a:r>
               <a:rPr lang="es-MX" dirty="0" err="1" smtClean="0"/>
-              <a:t>pay</a:t>
+              <a:t>Illusion</a:t>
+            </a:r>
+            <a:endParaRPr lang="es-MX" dirty="0"/>
+          </a:p>
+        </p:txBody>
+      </p:sp>
+      <p:sp>
+        <p:nvSpPr>
+          <p:cNvPr id="4" name="3 Marcador de contenido"/>
+          <p:cNvSpPr>
+            <a:spLocks noGrp="1"/>
+          </p:cNvSpPr>
+          <p:nvPr>
+            <p:ph sz="half" idx="2"/>
+          </p:nvPr>
+        </p:nvSpPr>
+        <p:spPr>
+          <a:xfrm>
+            <a:off x="457200" y="1988840"/>
+            <a:ext cx="4040188" cy="4536504"/>
+          </a:xfrm>
+        </p:spPr>
+        <p:txBody>
+          <a:bodyPr/>
+          <a:lstStyle/>
+          <a:p>
+            <a:r>
+              <a:rPr lang="es-MX" dirty="0" smtClean="0"/>
+              <a:t>160 AS</a:t>
+            </a:r>
+          </a:p>
+          <a:p>
+            <a:r>
+              <a:rPr lang="es-MX" dirty="0" smtClean="0"/>
+              <a:t>160 AN</a:t>
+            </a:r>
+          </a:p>
+          <a:p>
+            <a:r>
+              <a:rPr lang="es-MX" dirty="0" smtClean="0"/>
+              <a:t>160 BS</a:t>
+            </a:r>
+          </a:p>
+          <a:p>
+            <a:r>
+              <a:rPr lang="es-MX" dirty="0" smtClean="0"/>
+              <a:t>160 BN</a:t>
+            </a:r>
+          </a:p>
+          <a:p>
+            <a:endParaRPr lang="es-MX" dirty="0"/>
+          </a:p>
+          <a:p>
+            <a:r>
+              <a:rPr lang="es-MX" dirty="0" err="1" smtClean="0"/>
+              <a:t>Same</a:t>
             </a:r>
             <a:r>
               <a:rPr lang="es-MX" dirty="0" smtClean="0"/>
@@ -9250,7 +9182,49 @@
             </a:r>
             <a:r>
               <a:rPr lang="es-MX" dirty="0" err="1" smtClean="0"/>
-              <a:t>attention</a:t>
+              <a:t>procedure</a:t>
+            </a:r>
+            <a:endParaRPr lang="es-MX" dirty="0"/>
+          </a:p>
+        </p:txBody>
+      </p:sp>
+      <p:sp>
+        <p:nvSpPr>
+          <p:cNvPr id="5" name="4 Marcador de texto"/>
+          <p:cNvSpPr>
+            <a:spLocks noGrp="1"/>
+          </p:cNvSpPr>
+          <p:nvPr>
+            <p:ph type="body" sz="quarter" idx="3"/>
+          </p:nvPr>
+        </p:nvSpPr>
+        <p:spPr>
+          <a:xfrm>
+            <a:off x="4644008" y="1268760"/>
+            <a:ext cx="4041775" cy="639762"/>
+          </a:xfrm>
+        </p:spPr>
+        <p:txBody>
+          <a:bodyPr>
+            <a:normAutofit fontScale="77500" lnSpcReduction="20000"/>
+          </a:bodyPr>
+          <a:lstStyle/>
+          <a:p>
+            <a:pPr algn="ctr"/>
+            <a:r>
+              <a:rPr lang="es-MX" dirty="0" err="1" smtClean="0"/>
+              <a:t>Experiment</a:t>
+            </a:r>
+            <a:r>
+              <a:rPr lang="es-MX" dirty="0" smtClean="0"/>
+              <a:t> 2: </a:t>
+            </a:r>
+          </a:p>
+          <a:p>
+            <a:pPr algn="ctr"/>
+            <a:r>
+              <a:rPr lang="es-MX" dirty="0" err="1" smtClean="0"/>
+              <a:t>Two</a:t>
             </a:r>
             <a:r>
               <a:rPr lang="es-MX" dirty="0" smtClean="0"/>
@@ -9258,7 +9232,7 @@
             </a:r>
             <a:r>
               <a:rPr lang="es-MX" dirty="0" err="1" smtClean="0"/>
-              <a:t>to</a:t>
+              <a:t>Ebbinghaus</a:t>
             </a:r>
             <a:r>
               <a:rPr lang="es-MX" dirty="0" smtClean="0"/>
@@ -9266,104 +9240,94 @@
             </a:r>
             <a:r>
               <a:rPr lang="es-MX" dirty="0" err="1" smtClean="0"/>
-              <a:t>the</a:t>
-            </a:r>
-            <a:r>
-              <a:rPr lang="es-MX" dirty="0" smtClean="0"/>
+              <a:t>Illusions</a:t>
+            </a:r>
+            <a:endParaRPr lang="es-MX" dirty="0"/>
+          </a:p>
+        </p:txBody>
+      </p:sp>
+      <p:sp>
+        <p:nvSpPr>
+          <p:cNvPr id="6" name="5 Marcador de contenido"/>
+          <p:cNvSpPr>
+            <a:spLocks noGrp="1"/>
+          </p:cNvSpPr>
+          <p:nvPr>
+            <p:ph sz="quarter" idx="4"/>
+          </p:nvPr>
+        </p:nvSpPr>
+        <p:spPr>
+          <a:xfrm>
+            <a:off x="4645025" y="1988840"/>
+            <a:ext cx="4041775" cy="4536504"/>
+          </a:xfrm>
+        </p:spPr>
+        <p:txBody>
+          <a:bodyPr/>
+          <a:lstStyle/>
+          <a:p>
+            <a:r>
+              <a:rPr lang="es-MX" dirty="0" smtClean="0"/>
+              <a:t>160 AS</a:t>
+            </a:r>
+          </a:p>
+          <a:p>
+            <a:r>
+              <a:rPr lang="es-MX" dirty="0" smtClean="0"/>
+              <a:t>160</a:t>
+            </a:r>
+            <a:r>
+              <a:rPr lang="es-MX" dirty="0"/>
               <a:t> </a:t>
             </a:r>
             <a:r>
-              <a:rPr lang="es-MX" dirty="0" err="1" smtClean="0"/>
-              <a:t>task</a:t>
-            </a:r>
-            <a:r>
-              <a:rPr lang="es-MX" dirty="0" smtClean="0"/>
-              <a:t>?</a:t>
-            </a:r>
+              <a:rPr lang="es-MX" dirty="0" smtClean="0"/>
+              <a:t>AN</a:t>
+            </a:r>
+          </a:p>
+          <a:p>
+            <a:r>
+              <a:rPr lang="es-MX" dirty="0" smtClean="0"/>
+              <a:t>160 BS</a:t>
+            </a:r>
+          </a:p>
+          <a:p>
+            <a:r>
+              <a:rPr lang="es-MX" dirty="0" smtClean="0"/>
+              <a:t>160 BN</a:t>
+            </a:r>
+          </a:p>
+          <a:p>
             <a:endParaRPr lang="es-MX" dirty="0"/>
           </a:p>
-        </p:txBody>
-      </p:sp>
-      <p:sp>
-        <p:nvSpPr>
-          <p:cNvPr id="3" name="2 Marcador de contenido"/>
-          <p:cNvSpPr>
-            <a:spLocks noGrp="1"/>
-          </p:cNvSpPr>
-          <p:nvPr>
-            <p:ph idx="1"/>
-          </p:nvPr>
-        </p:nvSpPr>
-        <p:spPr/>
-        <p:txBody>
-          <a:bodyPr/>
-          <a:lstStyle/>
+          <a:p>
+            <a:r>
+              <a:rPr lang="es-MX" dirty="0" err="1" smtClean="0"/>
+              <a:t>Same</a:t>
+            </a:r>
+            <a:r>
+              <a:rPr lang="es-MX" dirty="0" smtClean="0"/>
+              <a:t> </a:t>
+            </a:r>
+            <a:r>
+              <a:rPr lang="es-MX" dirty="0" err="1" smtClean="0"/>
+              <a:t>procedure</a:t>
+            </a:r>
+            <a:endParaRPr lang="es-MX" dirty="0"/>
+          </a:p>
           <a:p>
             <a:endParaRPr lang="es-MX" dirty="0" smtClean="0"/>
           </a:p>
           <a:p>
-            <a:endParaRPr lang="es-MX" dirty="0"/>
-          </a:p>
-        </p:txBody>
-      </p:sp>
-      <p:pic>
-        <p:nvPicPr>
-          <p:cNvPr id="5" name="Picture 3"/>
-          <p:cNvPicPr>
-            <a:picLocks noChangeAspect="1" noChangeArrowheads="1"/>
-          </p:cNvPicPr>
-          <p:nvPr/>
-        </p:nvPicPr>
-        <p:blipFill>
-          <a:blip r:embed="rId2">
-            <a:extLst>
-              <a:ext uri="{28A0092B-C50C-407E-A947-70E740481C1C}">
-                <a14:useLocalDpi xmlns:a14="http://schemas.microsoft.com/office/drawing/2010/main" val="0"/>
-              </a:ext>
-            </a:extLst>
-          </a:blip>
-          <a:srcRect/>
-          <a:stretch>
-            <a:fillRect/>
-          </a:stretch>
-        </p:blipFill>
-        <p:spPr bwMode="auto">
-          <a:xfrm>
-            <a:off x="24711" y="1375256"/>
-            <a:ext cx="9119289" cy="4790047"/>
-          </a:xfrm>
-          <a:prstGeom prst="rect">
-            <a:avLst/>
-          </a:prstGeom>
-          <a:noFill/>
-          <a:ln>
-            <a:noFill/>
-          </a:ln>
-          <a:extLst>
-            <a:ext uri="{909E8E84-426E-40DD-AFC4-6F175D3DCCD1}">
-              <a14:hiddenFill xmlns:a14="http://schemas.microsoft.com/office/drawing/2010/main">
-                <a:solidFill>
-                  <a:schemeClr val="accent1"/>
-                </a:solidFill>
-              </a14:hiddenFill>
-            </a:ext>
-            <a:ext uri="{91240B29-F687-4F45-9708-019B960494DF}">
-              <a14:hiddenLine xmlns:a14="http://schemas.microsoft.com/office/drawing/2010/main" w="9525">
-                <a:solidFill>
-                  <a:schemeClr val="tx1"/>
-                </a:solidFill>
-                <a:miter lim="800000"/>
-                <a:headEnd/>
-                <a:tailEnd/>
-              </a14:hiddenLine>
-            </a:ext>
-          </a:extLst>
-        </p:spPr>
-      </p:pic>
+            <a:pPr lvl="1"/>
+            <a:endParaRPr lang="es-MX" dirty="0" smtClean="0"/>
+          </a:p>
+        </p:txBody>
+      </p:sp>
     </p:spTree>
     <p:extLst>
       <p:ext uri="{BB962C8B-B14F-4D97-AF65-F5344CB8AC3E}">
-        <p14:creationId xmlns:p14="http://schemas.microsoft.com/office/powerpoint/2010/main" val="37804736"/>
+        <p14:creationId xmlns:p14="http://schemas.microsoft.com/office/powerpoint/2010/main" val="3963672894"/>
       </p:ext>
     </p:extLst>
   </p:cSld>
@@ -9404,107 +9368,49 @@
             <a:spLocks noGrp="1"/>
           </p:cNvSpPr>
           <p:nvPr>
-            <p:ph type="title"/>
+            <p:ph type="ctrTitle"/>
           </p:nvPr>
         </p:nvSpPr>
         <p:spPr/>
         <p:txBody>
-          <a:bodyPr>
-            <a:normAutofit fontScale="90000"/>
-          </a:bodyPr>
-          <a:lstStyle/>
-          <a:p>
-            <a:r>
-              <a:rPr lang="es-MX" dirty="0" smtClean="0"/>
-              <a:t/>
-            </a:r>
-            <a:br>
-              <a:rPr lang="es-MX" dirty="0" smtClean="0"/>
-            </a:br>
+          <a:bodyPr/>
+          <a:lstStyle/>
+          <a:p>
+            <a:r>
+              <a:rPr lang="es-MX" b="1" dirty="0" smtClean="0"/>
+              <a:t>Data!</a:t>
+            </a:r>
+            <a:endParaRPr lang="es-MX" b="1" dirty="0"/>
+          </a:p>
+        </p:txBody>
+      </p:sp>
+      <p:sp>
+        <p:nvSpPr>
+          <p:cNvPr id="3" name="2 Subtítulo"/>
+          <p:cNvSpPr>
+            <a:spLocks noGrp="1"/>
+          </p:cNvSpPr>
+          <p:nvPr>
+            <p:ph type="subTitle" idx="1"/>
+          </p:nvPr>
+        </p:nvSpPr>
+        <p:spPr/>
+        <p:txBody>
+          <a:bodyPr/>
+          <a:lstStyle/>
+          <a:p>
+            <a:r>
+              <a:rPr lang="es-MX" dirty="0" smtClean="0"/>
+              <a:t>Individual cases</a:t>
+            </a:r>
             <a:endParaRPr lang="es-MX" dirty="0"/>
           </a:p>
         </p:txBody>
       </p:sp>
-      <p:sp>
-        <p:nvSpPr>
-          <p:cNvPr id="3" name="2 Marcador de contenido"/>
-          <p:cNvSpPr>
-            <a:spLocks noGrp="1"/>
-          </p:cNvSpPr>
-          <p:nvPr>
-            <p:ph idx="1"/>
-          </p:nvPr>
-        </p:nvSpPr>
-        <p:spPr/>
-        <p:txBody>
-          <a:bodyPr/>
-          <a:lstStyle/>
-          <a:p>
-            <a:endParaRPr lang="es-MX" dirty="0" smtClean="0"/>
-          </a:p>
-          <a:p>
-            <a:endParaRPr lang="es-MX" dirty="0"/>
-          </a:p>
-        </p:txBody>
-      </p:sp>
-      <p:pic>
-        <p:nvPicPr>
-          <p:cNvPr id="9218" name="Picture 2"/>
-          <p:cNvPicPr>
-            <a:picLocks noChangeAspect="1" noChangeArrowheads="1"/>
-          </p:cNvPicPr>
-          <p:nvPr/>
-        </p:nvPicPr>
-        <p:blipFill>
-          <a:blip r:embed="rId2">
-            <a:extLst>
-              <a:ext uri="{28A0092B-C50C-407E-A947-70E740481C1C}">
-                <a14:useLocalDpi xmlns:a14="http://schemas.microsoft.com/office/drawing/2010/main" val="0"/>
-              </a:ext>
-            </a:extLst>
-          </a:blip>
-          <a:srcRect/>
-          <a:stretch>
-            <a:fillRect/>
-          </a:stretch>
-        </p:blipFill>
-        <p:spPr bwMode="auto">
-          <a:xfrm>
-            <a:off x="251520" y="1868"/>
-            <a:ext cx="4265636" cy="6804970"/>
-          </a:xfrm>
-          <a:prstGeom prst="rect">
-            <a:avLst/>
-          </a:prstGeom>
-          <a:noFill/>
-          <a:ln>
-            <a:noFill/>
-          </a:ln>
-          <a:extLst>
-            <a:ext uri="{909E8E84-426E-40DD-AFC4-6F175D3DCCD1}">
-              <a14:hiddenFill xmlns:a14="http://schemas.microsoft.com/office/drawing/2010/main">
-                <a:solidFill>
-                  <a:schemeClr val="accent1"/>
-                </a:solidFill>
-              </a14:hiddenFill>
-            </a:ext>
-            <a:ext uri="{91240B29-F687-4F45-9708-019B960494DF}">
-              <a14:hiddenLine xmlns:a14="http://schemas.microsoft.com/office/drawing/2010/main" w="9525">
-                <a:solidFill>
-                  <a:schemeClr val="tx1"/>
-                </a:solidFill>
-                <a:miter lim="800000"/>
-                <a:headEnd/>
-                <a:tailEnd/>
-              </a14:hiddenLine>
-            </a:ext>
-          </a:extLst>
-        </p:spPr>
-      </p:pic>
     </p:spTree>
     <p:extLst>
       <p:ext uri="{BB962C8B-B14F-4D97-AF65-F5344CB8AC3E}">
-        <p14:creationId xmlns:p14="http://schemas.microsoft.com/office/powerpoint/2010/main" val="4045087957"/>
+        <p14:creationId xmlns:p14="http://schemas.microsoft.com/office/powerpoint/2010/main" val="2216327003"/>
       </p:ext>
     </p:extLst>
   </p:cSld>
@@ -9548,7 +9454,12 @@
             <p:ph type="title"/>
           </p:nvPr>
         </p:nvSpPr>
-        <p:spPr/>
+        <p:spPr>
+          <a:xfrm>
+            <a:off x="457200" y="119784"/>
+            <a:ext cx="8229600" cy="1143000"/>
+          </a:xfrm>
+        </p:spPr>
         <p:txBody>
           <a:bodyPr>
             <a:normAutofit fontScale="90000"/>
@@ -9557,11 +9468,72 @@
           <a:p>
             <a:r>
               <a:rPr lang="es-MX" dirty="0" smtClean="0"/>
-              <a:t/>
-            </a:r>
-            <a:br>
-              <a:rPr lang="es-MX" dirty="0" smtClean="0"/>
-            </a:br>
+              <a:t>1st: </a:t>
+            </a:r>
+            <a:r>
+              <a:rPr lang="es-MX" dirty="0" err="1" smtClean="0"/>
+              <a:t>Did</a:t>
+            </a:r>
+            <a:r>
+              <a:rPr lang="es-MX" dirty="0" smtClean="0"/>
+              <a:t> </a:t>
+            </a:r>
+            <a:r>
+              <a:rPr lang="es-MX" dirty="0" err="1" smtClean="0"/>
+              <a:t>our</a:t>
+            </a:r>
+            <a:r>
+              <a:rPr lang="es-MX" dirty="0" smtClean="0"/>
+              <a:t> </a:t>
+            </a:r>
+            <a:r>
+              <a:rPr lang="es-MX" dirty="0" err="1" smtClean="0"/>
+              <a:t>participants</a:t>
+            </a:r>
+            <a:r>
+              <a:rPr lang="es-MX" dirty="0" smtClean="0"/>
+              <a:t> </a:t>
+            </a:r>
+            <a:r>
+              <a:rPr lang="es-MX" dirty="0" err="1" smtClean="0"/>
+              <a:t>pay</a:t>
+            </a:r>
+            <a:r>
+              <a:rPr lang="es-MX" dirty="0" smtClean="0"/>
+              <a:t> </a:t>
+            </a:r>
+            <a:r>
+              <a:rPr lang="es-MX" dirty="0" err="1" smtClean="0"/>
+              <a:t>attention</a:t>
+            </a:r>
+            <a:r>
+              <a:rPr lang="es-MX" dirty="0" smtClean="0"/>
+              <a:t> </a:t>
+            </a:r>
+            <a:r>
+              <a:rPr lang="es-MX" dirty="0" err="1" smtClean="0"/>
+              <a:t>to</a:t>
+            </a:r>
+            <a:r>
+              <a:rPr lang="es-MX" dirty="0" smtClean="0"/>
+              <a:t> </a:t>
+            </a:r>
+            <a:r>
+              <a:rPr lang="es-MX" dirty="0" err="1" smtClean="0"/>
+              <a:t>the</a:t>
+            </a:r>
+            <a:r>
+              <a:rPr lang="es-MX" dirty="0" smtClean="0"/>
+              <a:t> </a:t>
+            </a:r>
+            <a:r>
+              <a:rPr lang="es-MX" dirty="0" err="1" smtClean="0"/>
+              <a:t>task</a:t>
+            </a:r>
+            <a:r>
+              <a:rPr lang="es-MX" dirty="0" smtClean="0"/>
+              <a:t>?</a:t>
+            </a:r>
             <a:endParaRPr lang="es-MX" dirty="0"/>
           </a:p>
         </p:txBody>
@@ -9590,7 +9562,7 @@
       </p:sp>
       <p:pic>
         <p:nvPicPr>
-          <p:cNvPr id="9218" name="Picture 2"/>
+          <p:cNvPr id="5" name="Picture 3"/>
           <p:cNvPicPr>
             <a:picLocks noChangeAspect="1" noChangeArrowheads="1"/>
           </p:cNvPicPr>
@@ -9611,8 +9583,8 @@
         </p:blipFill>
         <p:spPr bwMode="auto">
           <a:xfrm>
-            <a:off x="251520" y="1868"/>
-            <a:ext cx="4265636" cy="6804970"/>
+            <a:off x="24711" y="1375256"/>
+            <a:ext cx="9119289" cy="4790047"/>
           </a:xfrm>
           <a:prstGeom prst="rect">
             <a:avLst/>
@@ -9642,201 +9614,10 @@
           </a:extLst>
         </p:spPr>
       </p:pic>
-      <p:pic>
-        <p:nvPicPr>
-          <p:cNvPr id="11266" name="Picture 2"/>
-          <p:cNvPicPr>
-            <a:picLocks noChangeAspect="1" noChangeArrowheads="1"/>
-          </p:cNvPicPr>
-          <p:nvPr/>
-        </p:nvPicPr>
-        <p:blipFill>
-          <a:blip r:embed="rId3">
-            <a:extLst>
-              <a:ext uri="{28A0092B-C50C-407E-A947-70E740481C1C}">
-                <a14:useLocalDpi xmlns:a14="http://schemas.microsoft.com/office/drawing/2010/main" val="0"/>
-              </a:ext>
-            </a:extLst>
-          </a:blip>
-          <a:srcRect/>
-          <a:stretch>
-            <a:fillRect/>
-          </a:stretch>
-        </p:blipFill>
-        <p:spPr bwMode="auto">
-          <a:xfrm>
-            <a:off x="4517156" y="48684"/>
-            <a:ext cx="4364079" cy="6711338"/>
-          </a:xfrm>
-          <a:prstGeom prst="rect">
-            <a:avLst/>
-          </a:prstGeom>
-          <a:noFill/>
-          <a:ln>
-            <a:noFill/>
-          </a:ln>
-          <a:extLst>
-            <a:ext uri="{909E8E84-426E-40DD-AFC4-6F175D3DCCD1}">
-              <a14:hiddenFill xmlns:a14="http://schemas.microsoft.com/office/drawing/2010/main">
-                <a:solidFill>
-                  <a:schemeClr val="accent1"/>
-                </a:solidFill>
-              </a14:hiddenFill>
-            </a:ext>
-            <a:ext uri="{91240B29-F687-4F45-9708-019B960494DF}">
-              <a14:hiddenLine xmlns:a14="http://schemas.microsoft.com/office/drawing/2010/main" w="9525">
-                <a:solidFill>
-                  <a:schemeClr val="tx1"/>
-                </a:solidFill>
-                <a:miter lim="800000"/>
-                <a:headEnd/>
-                <a:tailEnd/>
-              </a14:hiddenLine>
-            </a:ext>
-          </a:extLst>
-        </p:spPr>
-      </p:pic>
-      <p:sp>
-        <p:nvSpPr>
-          <p:cNvPr id="4" name="3 Rectángulo"/>
-          <p:cNvSpPr/>
-          <p:nvPr/>
-        </p:nvSpPr>
-        <p:spPr>
-          <a:xfrm>
-            <a:off x="6156176" y="48684"/>
-            <a:ext cx="1440160" cy="48684"/>
-          </a:xfrm>
-          <a:prstGeom prst="rect">
-            <a:avLst/>
-          </a:prstGeom>
-          <a:solidFill>
-            <a:schemeClr val="bg1"/>
-          </a:solidFill>
-          <a:ln>
-            <a:solidFill>
-              <a:schemeClr val="bg1"/>
-            </a:solidFill>
-          </a:ln>
-        </p:spPr>
-        <p:style>
-          <a:lnRef idx="2">
-            <a:schemeClr val="accent1">
-              <a:shade val="50000"/>
-            </a:schemeClr>
-          </a:lnRef>
-          <a:fillRef idx="1">
-            <a:schemeClr val="accent1"/>
-          </a:fillRef>
-          <a:effectRef idx="0">
-            <a:schemeClr val="accent1"/>
-          </a:effectRef>
-          <a:fontRef idx="minor">
-            <a:schemeClr val="lt1"/>
-          </a:fontRef>
-        </p:style>
-        <p:txBody>
-          <a:bodyPr rtlCol="0" anchor="ctr"/>
-          <a:lstStyle/>
-          <a:p>
-            <a:pPr algn="ctr"/>
-            <a:endParaRPr lang="es-MX"/>
-          </a:p>
-        </p:txBody>
-      </p:sp>
-      <p:sp>
-        <p:nvSpPr>
-          <p:cNvPr id="5" name="4 CuadroTexto"/>
-          <p:cNvSpPr txBox="1"/>
-          <p:nvPr/>
-        </p:nvSpPr>
-        <p:spPr>
-          <a:xfrm>
-            <a:off x="5213617" y="-2380"/>
-            <a:ext cx="1728192" cy="307777"/>
-          </a:xfrm>
-          <a:prstGeom prst="rect">
-            <a:avLst/>
-          </a:prstGeom>
-          <a:solidFill>
-            <a:schemeClr val="bg1"/>
-          </a:solidFill>
-          <a:ln>
-            <a:solidFill>
-              <a:schemeClr val="bg1"/>
-            </a:solidFill>
-          </a:ln>
-        </p:spPr>
-        <p:txBody>
-          <a:bodyPr wrap="square" rtlCol="0">
-            <a:spAutoFit/>
-          </a:bodyPr>
-          <a:lstStyle/>
-          <a:p>
-            <a:r>
-              <a:rPr lang="es-MX" sz="1400" dirty="0" smtClean="0"/>
-              <a:t>Signal - </a:t>
-            </a:r>
-            <a:r>
-              <a:rPr lang="es-MX" sz="1400" dirty="0" err="1" smtClean="0"/>
-              <a:t>Noise</a:t>
-            </a:r>
-            <a:endParaRPr lang="es-MX" sz="1400" dirty="0"/>
-          </a:p>
-        </p:txBody>
-      </p:sp>
-      <p:sp>
-        <p:nvSpPr>
-          <p:cNvPr id="6" name="5 Rectángulo"/>
-          <p:cNvSpPr/>
-          <p:nvPr/>
-        </p:nvSpPr>
-        <p:spPr>
-          <a:xfrm>
-            <a:off x="6876256" y="21614"/>
-            <a:ext cx="720080" cy="102824"/>
-          </a:xfrm>
-          <a:prstGeom prst="rect">
-            <a:avLst/>
-          </a:prstGeom>
-          <a:solidFill>
-            <a:schemeClr val="bg1"/>
-          </a:solidFill>
-          <a:ln>
-            <a:solidFill>
-              <a:schemeClr val="bg1"/>
-            </a:solidFill>
-          </a:ln>
-        </p:spPr>
-        <p:style>
-          <a:lnRef idx="2">
-            <a:schemeClr val="accent1">
-              <a:shade val="50000"/>
-            </a:schemeClr>
-          </a:lnRef>
-          <a:fillRef idx="1">
-            <a:schemeClr val="accent1"/>
-          </a:fillRef>
-          <a:effectRef idx="0">
-            <a:schemeClr val="accent1"/>
-          </a:effectRef>
-          <a:fontRef idx="minor">
-            <a:schemeClr val="lt1"/>
-          </a:fontRef>
-        </p:style>
-        <p:txBody>
-          <a:bodyPr rtlCol="0" anchor="ctr"/>
-          <a:lstStyle/>
-          <a:p>
-            <a:pPr algn="ctr"/>
-            <a:endParaRPr lang="es-MX"/>
-          </a:p>
-        </p:txBody>
-      </p:sp>
     </p:spTree>
     <p:extLst>
       <p:ext uri="{BB962C8B-B14F-4D97-AF65-F5344CB8AC3E}">
-        <p14:creationId xmlns:p14="http://schemas.microsoft.com/office/powerpoint/2010/main" val="3735849222"/>
+        <p14:creationId xmlns:p14="http://schemas.microsoft.com/office/powerpoint/2010/main" val="37804736"/>
       </p:ext>
     </p:extLst>
   </p:cSld>
@@ -9922,7 +9703,7 @@
       </p:sp>
       <p:pic>
         <p:nvPicPr>
-          <p:cNvPr id="12290" name="Picture 2"/>
+          <p:cNvPr id="9218" name="Picture 2"/>
           <p:cNvPicPr>
             <a:picLocks noChangeAspect="1" noChangeArrowheads="1"/>
           </p:cNvPicPr>
@@ -9943,8 +9724,8 @@
         </p:blipFill>
         <p:spPr bwMode="auto">
           <a:xfrm>
-            <a:off x="4517156" y="23284"/>
-            <a:ext cx="4392488" cy="6672558"/>
+            <a:off x="251520" y="1868"/>
+            <a:ext cx="4265636" cy="6804970"/>
           </a:xfrm>
           <a:prstGeom prst="rect">
             <a:avLst/>
@@ -9974,64 +9755,10 @@
           </a:extLst>
         </p:spPr>
       </p:pic>
-      <p:pic>
-        <p:nvPicPr>
-          <p:cNvPr id="6" name="Picture 2"/>
-          <p:cNvPicPr>
-            <a:picLocks noChangeAspect="1" noChangeArrowheads="1"/>
-          </p:cNvPicPr>
-          <p:nvPr/>
-        </p:nvPicPr>
-        <p:blipFill>
-          <a:blip r:embed="rId3">
-            <a:extLst>
-              <a:ext uri="{28A0092B-C50C-407E-A947-70E740481C1C}">
-                <a14:useLocalDpi xmlns:a14="http://schemas.microsoft.com/office/drawing/2010/main" val="0"/>
-              </a:ext>
-            </a:extLst>
-          </a:blip>
-          <a:srcRect/>
-          <a:stretch>
-            <a:fillRect/>
-          </a:stretch>
-        </p:blipFill>
-        <p:spPr bwMode="auto">
-          <a:xfrm>
-            <a:off x="-18068" y="101637"/>
-            <a:ext cx="4477631" cy="6654725"/>
-          </a:xfrm>
-          <a:prstGeom prst="rect">
-            <a:avLst/>
-          </a:prstGeom>
-          <a:noFill/>
-          <a:ln>
-            <a:noFill/>
-          </a:ln>
-          <a:extLst>
-            <a:ext uri="{909E8E84-426E-40DD-AFC4-6F175D3DCCD1}">
-              <a14:hiddenFill xmlns:a14="http://schemas.microsoft.com/office/drawing/2010/main">
-                <a:solidFill>
-                  <a:schemeClr val="accent1"/>
-                </a:solidFill>
-              </a14:hiddenFill>
-            </a:ext>
-            <a:ext uri="{91240B29-F687-4F45-9708-019B960494DF}">
-              <a14:hiddenLine xmlns:a14="http://schemas.microsoft.com/office/drawing/2010/main" w="9525">
-                <a:solidFill>
-                  <a:schemeClr val="tx1"/>
-                </a:solidFill>
-                <a:miter lim="800000"/>
-                <a:headEnd/>
-                <a:tailEnd/>
-              </a14:hiddenLine>
-            </a:ext>
-          </a:extLst>
-        </p:spPr>
-      </p:pic>
     </p:spTree>
     <p:extLst>
       <p:ext uri="{BB962C8B-B14F-4D97-AF65-F5344CB8AC3E}">
-        <p14:creationId xmlns:p14="http://schemas.microsoft.com/office/powerpoint/2010/main" val="793959404"/>
+        <p14:creationId xmlns:p14="http://schemas.microsoft.com/office/powerpoint/2010/main" val="4045087957"/>
       </p:ext>
     </p:extLst>
   </p:cSld>
@@ -10077,35 +9804,47 @@
         </p:nvSpPr>
         <p:spPr/>
         <p:txBody>
+          <a:bodyPr>
+            <a:normAutofit fontScale="90000"/>
+          </a:bodyPr>
+          <a:lstStyle/>
+          <a:p>
+            <a:r>
+              <a:rPr lang="es-MX" dirty="0" smtClean="0"/>
+              <a:t/>
+            </a:r>
+            <a:br>
+              <a:rPr lang="es-MX" dirty="0" smtClean="0"/>
+            </a:br>
+            <a:endParaRPr lang="es-MX" dirty="0"/>
+          </a:p>
+        </p:txBody>
+      </p:sp>
+      <p:sp>
+        <p:nvSpPr>
+          <p:cNvPr id="3" name="2 Marcador de contenido"/>
+          <p:cNvSpPr>
+            <a:spLocks noGrp="1"/>
+          </p:cNvSpPr>
+          <p:nvPr>
+            <p:ph idx="1"/>
+          </p:nvPr>
+        </p:nvSpPr>
+        <p:spPr/>
+        <p:txBody>
           <a:bodyPr/>
           <a:lstStyle/>
           <a:p>
-            <a:endParaRPr lang="es-MX"/>
-          </a:p>
-        </p:txBody>
-      </p:sp>
-      <p:sp>
-        <p:nvSpPr>
-          <p:cNvPr id="3" name="2 Marcador de contenido"/>
-          <p:cNvSpPr>
-            <a:spLocks noGrp="1"/>
-          </p:cNvSpPr>
-          <p:nvPr>
-            <p:ph idx="1"/>
-          </p:nvPr>
-        </p:nvSpPr>
-        <p:spPr/>
-        <p:txBody>
-          <a:bodyPr/>
-          <a:lstStyle/>
-          <a:p>
-            <a:endParaRPr lang="es-MX"/>
+            <a:endParaRPr lang="es-MX" dirty="0" smtClean="0"/>
+          </a:p>
+          <a:p>
+            <a:endParaRPr lang="es-MX" dirty="0"/>
           </a:p>
         </p:txBody>
       </p:sp>
       <p:pic>
         <p:nvPicPr>
-          <p:cNvPr id="19459" name="Picture 3"/>
+          <p:cNvPr id="9218" name="Picture 2"/>
           <p:cNvPicPr>
             <a:picLocks noChangeAspect="1" noChangeArrowheads="1"/>
           </p:cNvPicPr>
@@ -10126,8 +9865,8 @@
         </p:blipFill>
         <p:spPr bwMode="auto">
           <a:xfrm>
-            <a:off x="-31455" y="476672"/>
-            <a:ext cx="9175455" cy="6120680"/>
+            <a:off x="251520" y="1868"/>
+            <a:ext cx="4265636" cy="6804970"/>
           </a:xfrm>
           <a:prstGeom prst="rect">
             <a:avLst/>
@@ -10157,10 +9896,201 @@
           </a:extLst>
         </p:spPr>
       </p:pic>
+      <p:pic>
+        <p:nvPicPr>
+          <p:cNvPr id="11266" name="Picture 2"/>
+          <p:cNvPicPr>
+            <a:picLocks noChangeAspect="1" noChangeArrowheads="1"/>
+          </p:cNvPicPr>
+          <p:nvPr/>
+        </p:nvPicPr>
+        <p:blipFill>
+          <a:blip r:embed="rId3">
+            <a:extLst>
+              <a:ext uri="{28A0092B-C50C-407E-A947-70E740481C1C}">
+                <a14:useLocalDpi xmlns:a14="http://schemas.microsoft.com/office/drawing/2010/main" val="0"/>
+              </a:ext>
+            </a:extLst>
+          </a:blip>
+          <a:srcRect/>
+          <a:stretch>
+            <a:fillRect/>
+          </a:stretch>
+        </p:blipFill>
+        <p:spPr bwMode="auto">
+          <a:xfrm>
+            <a:off x="4517156" y="48684"/>
+            <a:ext cx="4364079" cy="6711338"/>
+          </a:xfrm>
+          <a:prstGeom prst="rect">
+            <a:avLst/>
+          </a:prstGeom>
+          <a:noFill/>
+          <a:ln>
+            <a:noFill/>
+          </a:ln>
+          <a:extLst>
+            <a:ext uri="{909E8E84-426E-40DD-AFC4-6F175D3DCCD1}">
+              <a14:hiddenFill xmlns:a14="http://schemas.microsoft.com/office/drawing/2010/main">
+                <a:solidFill>
+                  <a:schemeClr val="accent1"/>
+                </a:solidFill>
+              </a14:hiddenFill>
+            </a:ext>
+            <a:ext uri="{91240B29-F687-4F45-9708-019B960494DF}">
+              <a14:hiddenLine xmlns:a14="http://schemas.microsoft.com/office/drawing/2010/main" w="9525">
+                <a:solidFill>
+                  <a:schemeClr val="tx1"/>
+                </a:solidFill>
+                <a:miter lim="800000"/>
+                <a:headEnd/>
+                <a:tailEnd/>
+              </a14:hiddenLine>
+            </a:ext>
+          </a:extLst>
+        </p:spPr>
+      </p:pic>
+      <p:sp>
+        <p:nvSpPr>
+          <p:cNvPr id="4" name="3 Rectángulo"/>
+          <p:cNvSpPr/>
+          <p:nvPr/>
+        </p:nvSpPr>
+        <p:spPr>
+          <a:xfrm>
+            <a:off x="6156176" y="48684"/>
+            <a:ext cx="1440160" cy="48684"/>
+          </a:xfrm>
+          <a:prstGeom prst="rect">
+            <a:avLst/>
+          </a:prstGeom>
+          <a:solidFill>
+            <a:schemeClr val="bg1"/>
+          </a:solidFill>
+          <a:ln>
+            <a:solidFill>
+              <a:schemeClr val="bg1"/>
+            </a:solidFill>
+          </a:ln>
+        </p:spPr>
+        <p:style>
+          <a:lnRef idx="2">
+            <a:schemeClr val="accent1">
+              <a:shade val="50000"/>
+            </a:schemeClr>
+          </a:lnRef>
+          <a:fillRef idx="1">
+            <a:schemeClr val="accent1"/>
+          </a:fillRef>
+          <a:effectRef idx="0">
+            <a:schemeClr val="accent1"/>
+          </a:effectRef>
+          <a:fontRef idx="minor">
+            <a:schemeClr val="lt1"/>
+          </a:fontRef>
+        </p:style>
+        <p:txBody>
+          <a:bodyPr rtlCol="0" anchor="ctr"/>
+          <a:lstStyle/>
+          <a:p>
+            <a:pPr algn="ctr"/>
+            <a:endParaRPr lang="es-MX"/>
+          </a:p>
+        </p:txBody>
+      </p:sp>
+      <p:sp>
+        <p:nvSpPr>
+          <p:cNvPr id="5" name="4 CuadroTexto"/>
+          <p:cNvSpPr txBox="1"/>
+          <p:nvPr/>
+        </p:nvSpPr>
+        <p:spPr>
+          <a:xfrm>
+            <a:off x="5213617" y="-2380"/>
+            <a:ext cx="1728192" cy="307777"/>
+          </a:xfrm>
+          <a:prstGeom prst="rect">
+            <a:avLst/>
+          </a:prstGeom>
+          <a:solidFill>
+            <a:schemeClr val="bg1"/>
+          </a:solidFill>
+          <a:ln>
+            <a:solidFill>
+              <a:schemeClr val="bg1"/>
+            </a:solidFill>
+          </a:ln>
+        </p:spPr>
+        <p:txBody>
+          <a:bodyPr wrap="square" rtlCol="0">
+            <a:spAutoFit/>
+          </a:bodyPr>
+          <a:lstStyle/>
+          <a:p>
+            <a:r>
+              <a:rPr lang="es-MX" sz="1400" dirty="0" smtClean="0"/>
+              <a:t>Signal - </a:t>
+            </a:r>
+            <a:r>
+              <a:rPr lang="es-MX" sz="1400" dirty="0" err="1" smtClean="0"/>
+              <a:t>Noise</a:t>
+            </a:r>
+            <a:endParaRPr lang="es-MX" sz="1400" dirty="0"/>
+          </a:p>
+        </p:txBody>
+      </p:sp>
+      <p:sp>
+        <p:nvSpPr>
+          <p:cNvPr id="6" name="5 Rectángulo"/>
+          <p:cNvSpPr/>
+          <p:nvPr/>
+        </p:nvSpPr>
+        <p:spPr>
+          <a:xfrm>
+            <a:off x="6876256" y="21614"/>
+            <a:ext cx="720080" cy="102824"/>
+          </a:xfrm>
+          <a:prstGeom prst="rect">
+            <a:avLst/>
+          </a:prstGeom>
+          <a:solidFill>
+            <a:schemeClr val="bg1"/>
+          </a:solidFill>
+          <a:ln>
+            <a:solidFill>
+              <a:schemeClr val="bg1"/>
+            </a:solidFill>
+          </a:ln>
+        </p:spPr>
+        <p:style>
+          <a:lnRef idx="2">
+            <a:schemeClr val="accent1">
+              <a:shade val="50000"/>
+            </a:schemeClr>
+          </a:lnRef>
+          <a:fillRef idx="1">
+            <a:schemeClr val="accent1"/>
+          </a:fillRef>
+          <a:effectRef idx="0">
+            <a:schemeClr val="accent1"/>
+          </a:effectRef>
+          <a:fontRef idx="minor">
+            <a:schemeClr val="lt1"/>
+          </a:fontRef>
+        </p:style>
+        <p:txBody>
+          <a:bodyPr rtlCol="0" anchor="ctr"/>
+          <a:lstStyle/>
+          <a:p>
+            <a:pPr algn="ctr"/>
+            <a:endParaRPr lang="es-MX"/>
+          </a:p>
+        </p:txBody>
+      </p:sp>
     </p:spTree>
     <p:extLst>
       <p:ext uri="{BB962C8B-B14F-4D97-AF65-F5344CB8AC3E}">
-        <p14:creationId xmlns:p14="http://schemas.microsoft.com/office/powerpoint/2010/main" val="1391274476"/>
+        <p14:creationId xmlns:p14="http://schemas.microsoft.com/office/powerpoint/2010/main" val="3735849222"/>
       </p:ext>
     </p:extLst>
   </p:cSld>
@@ -10204,66 +10134,49 @@
             <p:ph type="title"/>
           </p:nvPr>
         </p:nvSpPr>
-        <p:spPr>
-          <a:xfrm>
-            <a:off x="474274" y="116632"/>
-            <a:ext cx="8229600" cy="1143000"/>
-          </a:xfrm>
-        </p:spPr>
+        <p:spPr/>
+        <p:txBody>
+          <a:bodyPr>
+            <a:normAutofit fontScale="90000"/>
+          </a:bodyPr>
+          <a:lstStyle/>
+          <a:p>
+            <a:r>
+              <a:rPr lang="es-MX" dirty="0" smtClean="0"/>
+              <a:t/>
+            </a:r>
+            <a:br>
+              <a:rPr lang="es-MX" dirty="0" smtClean="0"/>
+            </a:br>
+            <a:endParaRPr lang="es-MX" dirty="0"/>
+          </a:p>
+        </p:txBody>
+      </p:sp>
+      <p:sp>
+        <p:nvSpPr>
+          <p:cNvPr id="3" name="2 Marcador de contenido"/>
+          <p:cNvSpPr>
+            <a:spLocks noGrp="1"/>
+          </p:cNvSpPr>
+          <p:nvPr>
+            <p:ph idx="1"/>
+          </p:nvPr>
+        </p:nvSpPr>
+        <p:spPr/>
         <p:txBody>
           <a:bodyPr/>
           <a:lstStyle/>
           <a:p>
-            <a:r>
-              <a:rPr lang="es-MX" dirty="0" smtClean="0"/>
-              <a:t>2nd: </a:t>
-            </a:r>
-            <a:r>
-              <a:rPr lang="es-MX" dirty="0" err="1" smtClean="0"/>
-              <a:t>Exploring</a:t>
-            </a:r>
-            <a:r>
-              <a:rPr lang="es-MX" dirty="0" smtClean="0"/>
-              <a:t> </a:t>
-            </a:r>
-            <a:r>
-              <a:rPr lang="es-MX" dirty="0" err="1" smtClean="0"/>
-              <a:t>sequential</a:t>
-            </a:r>
-            <a:r>
-              <a:rPr lang="es-MX" dirty="0" smtClean="0"/>
-              <a:t> </a:t>
-            </a:r>
-            <a:r>
-              <a:rPr lang="es-MX" dirty="0" err="1" smtClean="0"/>
-              <a:t>effects</a:t>
-            </a:r>
+            <a:endParaRPr lang="es-MX" dirty="0" smtClean="0"/>
+          </a:p>
+          <a:p>
             <a:endParaRPr lang="es-MX" dirty="0"/>
-          </a:p>
-        </p:txBody>
-      </p:sp>
-      <p:sp>
-        <p:nvSpPr>
-          <p:cNvPr id="3" name="2 Marcador de contenido"/>
-          <p:cNvSpPr>
-            <a:spLocks noGrp="1"/>
-          </p:cNvSpPr>
-          <p:nvPr>
-            <p:ph idx="1"/>
-          </p:nvPr>
-        </p:nvSpPr>
-        <p:spPr/>
-        <p:txBody>
-          <a:bodyPr/>
-          <a:lstStyle/>
-          <a:p>
-            <a:endParaRPr lang="es-MX"/>
           </a:p>
         </p:txBody>
       </p:sp>
       <p:pic>
         <p:nvPicPr>
-          <p:cNvPr id="37890" name="Picture 2"/>
+          <p:cNvPr id="12290" name="Picture 2"/>
           <p:cNvPicPr>
             <a:picLocks noChangeAspect="1" noChangeArrowheads="1"/>
           </p:cNvPicPr>
@@ -10284,8 +10197,8 @@
         </p:blipFill>
         <p:spPr bwMode="auto">
           <a:xfrm>
-            <a:off x="25880" y="1052736"/>
-            <a:ext cx="9126389" cy="4608512"/>
+            <a:off x="4517156" y="23284"/>
+            <a:ext cx="4392488" cy="6672558"/>
           </a:xfrm>
           <a:prstGeom prst="rect">
             <a:avLst/>
@@ -10315,16 +10228,77 @@
           </a:extLst>
         </p:spPr>
       </p:pic>
+      <p:pic>
+        <p:nvPicPr>
+          <p:cNvPr id="6" name="Picture 2"/>
+          <p:cNvPicPr>
+            <a:picLocks noChangeAspect="1" noChangeArrowheads="1"/>
+          </p:cNvPicPr>
+          <p:nvPr/>
+        </p:nvPicPr>
+        <p:blipFill>
+          <a:blip r:embed="rId3">
+            <a:extLst>
+              <a:ext uri="{28A0092B-C50C-407E-A947-70E740481C1C}">
+                <a14:useLocalDpi xmlns:a14="http://schemas.microsoft.com/office/drawing/2010/main" val="0"/>
+              </a:ext>
+            </a:extLst>
+          </a:blip>
+          <a:srcRect/>
+          <a:stretch>
+            <a:fillRect/>
+          </a:stretch>
+        </p:blipFill>
+        <p:spPr bwMode="auto">
+          <a:xfrm>
+            <a:off x="-18068" y="101637"/>
+            <a:ext cx="4477631" cy="6654725"/>
+          </a:xfrm>
+          <a:prstGeom prst="rect">
+            <a:avLst/>
+          </a:prstGeom>
+          <a:noFill/>
+          <a:ln>
+            <a:noFill/>
+          </a:ln>
+          <a:extLst>
+            <a:ext uri="{909E8E84-426E-40DD-AFC4-6F175D3DCCD1}">
+              <a14:hiddenFill xmlns:a14="http://schemas.microsoft.com/office/drawing/2010/main">
+                <a:solidFill>
+                  <a:schemeClr val="accent1"/>
+                </a:solidFill>
+              </a14:hiddenFill>
+            </a:ext>
+            <a:ext uri="{91240B29-F687-4F45-9708-019B960494DF}">
+              <a14:hiddenLine xmlns:a14="http://schemas.microsoft.com/office/drawing/2010/main" w="9525">
+                <a:solidFill>
+                  <a:schemeClr val="tx1"/>
+                </a:solidFill>
+                <a:miter lim="800000"/>
+                <a:headEnd/>
+                <a:tailEnd/>
+              </a14:hiddenLine>
+            </a:ext>
+          </a:extLst>
+        </p:spPr>
+      </p:pic>
     </p:spTree>
     <p:extLst>
       <p:ext uri="{BB962C8B-B14F-4D97-AF65-F5344CB8AC3E}">
-        <p14:creationId xmlns:p14="http://schemas.microsoft.com/office/powerpoint/2010/main" val="1997084597"/>
+        <p14:creationId xmlns:p14="http://schemas.microsoft.com/office/powerpoint/2010/main" val="793959404"/>
       </p:ext>
     </p:extLst>
   </p:cSld>
   <p:clrMapOvr>
     <a:masterClrMapping/>
   </p:clrMapOvr>
+  <p:timing>
+    <p:tnLst>
+      <p:par>
+        <p:cTn id="1" dur="indefinite" restart="never" nodeType="tmRoot"/>
+      </p:par>
+    </p:tnLst>
+  </p:timing>
 </p:sld>
 </file>
 
@@ -10601,7 +10575,7 @@
       </p:sp>
       <p:pic>
         <p:nvPicPr>
-          <p:cNvPr id="38915" name="Picture 3"/>
+          <p:cNvPr id="19459" name="Picture 3"/>
           <p:cNvPicPr>
             <a:picLocks noChangeAspect="1" noChangeArrowheads="1"/>
           </p:cNvPicPr>
@@ -10622,8 +10596,8 @@
         </p:blipFill>
         <p:spPr bwMode="auto">
           <a:xfrm>
-            <a:off x="-17087" y="1052736"/>
-            <a:ext cx="9161087" cy="5071600"/>
+            <a:off x="-31455" y="476672"/>
+            <a:ext cx="9175455" cy="6120680"/>
           </a:xfrm>
           <a:prstGeom prst="rect">
             <a:avLst/>
@@ -10656,13 +10630,20 @@
     </p:spTree>
     <p:extLst>
       <p:ext uri="{BB962C8B-B14F-4D97-AF65-F5344CB8AC3E}">
-        <p14:creationId xmlns:p14="http://schemas.microsoft.com/office/powerpoint/2010/main" val="3268011389"/>
+        <p14:creationId xmlns:p14="http://schemas.microsoft.com/office/powerpoint/2010/main" val="1391274476"/>
       </p:ext>
     </p:extLst>
   </p:cSld>
   <p:clrMapOvr>
     <a:masterClrMapping/>
   </p:clrMapOvr>
+  <p:timing>
+    <p:tnLst>
+      <p:par>
+        <p:cTn id="1" dur="indefinite" restart="never" nodeType="tmRoot"/>
+      </p:par>
+    </p:tnLst>
+  </p:timing>
 </p:sld>
 </file>
 
@@ -10693,12 +10674,41 @@
             <p:ph type="title"/>
           </p:nvPr>
         </p:nvSpPr>
-        <p:spPr/>
+        <p:spPr>
+          <a:xfrm>
+            <a:off x="474274" y="116632"/>
+            <a:ext cx="8229600" cy="1143000"/>
+          </a:xfrm>
+        </p:spPr>
         <p:txBody>
           <a:bodyPr/>
           <a:lstStyle/>
           <a:p>
-            <a:endParaRPr lang="es-MX"/>
+            <a:r>
+              <a:rPr lang="es-MX" dirty="0" smtClean="0"/>
+              <a:t>2nd: </a:t>
+            </a:r>
+            <a:r>
+              <a:rPr lang="es-MX" dirty="0" err="1" smtClean="0"/>
+              <a:t>Exploring</a:t>
+            </a:r>
+            <a:r>
+              <a:rPr lang="es-MX" dirty="0" smtClean="0"/>
+              <a:t> </a:t>
+            </a:r>
+            <a:r>
+              <a:rPr lang="es-MX" dirty="0" err="1" smtClean="0"/>
+              <a:t>sequential</a:t>
+            </a:r>
+            <a:r>
+              <a:rPr lang="es-MX" dirty="0" smtClean="0"/>
+              <a:t> </a:t>
+            </a:r>
+            <a:r>
+              <a:rPr lang="es-MX" dirty="0" err="1" smtClean="0"/>
+              <a:t>effects</a:t>
+            </a:r>
+            <a:endParaRPr lang="es-MX" dirty="0"/>
           </a:p>
         </p:txBody>
       </p:sp>
@@ -10723,7 +10733,7 @@
       </p:sp>
       <p:pic>
         <p:nvPicPr>
-          <p:cNvPr id="44034" name="Picture 2"/>
+          <p:cNvPr id="37890" name="Picture 2"/>
           <p:cNvPicPr>
             <a:picLocks noChangeAspect="1" noChangeArrowheads="1"/>
           </p:cNvPicPr>
@@ -10744,8 +10754,8 @@
         </p:blipFill>
         <p:spPr bwMode="auto">
           <a:xfrm>
-            <a:off x="-11557" y="692696"/>
-            <a:ext cx="9125635" cy="5616624"/>
+            <a:off x="25880" y="1052736"/>
+            <a:ext cx="9126389" cy="4608512"/>
           </a:xfrm>
           <a:prstGeom prst="rect">
             <a:avLst/>
@@ -10778,7 +10788,7 @@
     </p:spTree>
     <p:extLst>
       <p:ext uri="{BB962C8B-B14F-4D97-AF65-F5344CB8AC3E}">
-        <p14:creationId xmlns:p14="http://schemas.microsoft.com/office/powerpoint/2010/main" val="1003627268"/>
+        <p14:creationId xmlns:p14="http://schemas.microsoft.com/office/powerpoint/2010/main" val="1997084597"/>
       </p:ext>
     </p:extLst>
   </p:cSld>
@@ -10845,7 +10855,7 @@
       </p:sp>
       <p:pic>
         <p:nvPicPr>
-          <p:cNvPr id="45059" name="Picture 3"/>
+          <p:cNvPr id="38915" name="Picture 3"/>
           <p:cNvPicPr>
             <a:picLocks noChangeAspect="1" noChangeArrowheads="1"/>
           </p:cNvPicPr>
@@ -10866,8 +10876,8 @@
         </p:blipFill>
         <p:spPr bwMode="auto">
           <a:xfrm>
-            <a:off x="0" y="764704"/>
-            <a:ext cx="9036380" cy="5616624"/>
+            <a:off x="-17087" y="1052736"/>
+            <a:ext cx="9161087" cy="5071600"/>
           </a:xfrm>
           <a:prstGeom prst="rect">
             <a:avLst/>
@@ -10900,7 +10910,7 @@
     </p:spTree>
     <p:extLst>
       <p:ext uri="{BB962C8B-B14F-4D97-AF65-F5344CB8AC3E}">
-        <p14:creationId xmlns:p14="http://schemas.microsoft.com/office/powerpoint/2010/main" val="1523579640"/>
+        <p14:creationId xmlns:p14="http://schemas.microsoft.com/office/powerpoint/2010/main" val="3268011389"/>
       </p:ext>
     </p:extLst>
   </p:cSld>
@@ -10942,27 +10952,7 @@
           <a:bodyPr/>
           <a:lstStyle/>
           <a:p>
-            <a:r>
-              <a:rPr lang="es-MX" dirty="0" smtClean="0"/>
-              <a:t>3rd: </a:t>
-            </a:r>
-            <a:r>
-              <a:rPr lang="es-MX" dirty="0" err="1" smtClean="0"/>
-              <a:t>Exploring</a:t>
-            </a:r>
-            <a:r>
-              <a:rPr lang="es-MX" dirty="0" smtClean="0"/>
-              <a:t> </a:t>
-            </a:r>
-            <a:r>
-              <a:rPr lang="es-MX" dirty="0" err="1" smtClean="0"/>
-              <a:t>Correlations</a:t>
-            </a:r>
-            <a:r>
-              <a:rPr lang="es-MX" dirty="0" smtClean="0"/>
-              <a:t>!</a:t>
-            </a:r>
-            <a:endParaRPr lang="es-MX" dirty="0"/>
+            <a:endParaRPr lang="es-MX"/>
           </a:p>
         </p:txBody>
       </p:sp>
@@ -10987,7 +10977,7 @@
       </p:sp>
       <p:pic>
         <p:nvPicPr>
-          <p:cNvPr id="18435" name="Picture 3"/>
+          <p:cNvPr id="44034" name="Picture 2"/>
           <p:cNvPicPr>
             <a:picLocks noChangeAspect="1" noChangeArrowheads="1"/>
           </p:cNvPicPr>
@@ -11008,8 +10998,8 @@
         </p:blipFill>
         <p:spPr bwMode="auto">
           <a:xfrm>
-            <a:off x="0" y="1179570"/>
-            <a:ext cx="4664230" cy="5470393"/>
+            <a:off x="-11557" y="692696"/>
+            <a:ext cx="9125635" cy="5616624"/>
           </a:xfrm>
           <a:prstGeom prst="rect">
             <a:avLst/>
@@ -11039,77 +11029,16 @@
           </a:extLst>
         </p:spPr>
       </p:pic>
-      <p:pic>
-        <p:nvPicPr>
-          <p:cNvPr id="18436" name="Picture 4"/>
-          <p:cNvPicPr>
-            <a:picLocks noChangeAspect="1" noChangeArrowheads="1"/>
-          </p:cNvPicPr>
-          <p:nvPr/>
-        </p:nvPicPr>
-        <p:blipFill>
-          <a:blip r:embed="rId3">
-            <a:extLst>
-              <a:ext uri="{28A0092B-C50C-407E-A947-70E740481C1C}">
-                <a14:useLocalDpi xmlns:a14="http://schemas.microsoft.com/office/drawing/2010/main" val="0"/>
-              </a:ext>
-            </a:extLst>
-          </a:blip>
-          <a:srcRect/>
-          <a:stretch>
-            <a:fillRect/>
-          </a:stretch>
-        </p:blipFill>
-        <p:spPr bwMode="auto">
-          <a:xfrm>
-            <a:off x="4546279" y="1105686"/>
-            <a:ext cx="4488224" cy="5544277"/>
-          </a:xfrm>
-          <a:prstGeom prst="rect">
-            <a:avLst/>
-          </a:prstGeom>
-          <a:noFill/>
-          <a:ln>
-            <a:noFill/>
-          </a:ln>
-          <a:extLst>
-            <a:ext uri="{909E8E84-426E-40DD-AFC4-6F175D3DCCD1}">
-              <a14:hiddenFill xmlns:a14="http://schemas.microsoft.com/office/drawing/2010/main">
-                <a:solidFill>
-                  <a:schemeClr val="accent1"/>
-                </a:solidFill>
-              </a14:hiddenFill>
-            </a:ext>
-            <a:ext uri="{91240B29-F687-4F45-9708-019B960494DF}">
-              <a14:hiddenLine xmlns:a14="http://schemas.microsoft.com/office/drawing/2010/main" w="9525">
-                <a:solidFill>
-                  <a:schemeClr val="tx1"/>
-                </a:solidFill>
-                <a:miter lim="800000"/>
-                <a:headEnd/>
-                <a:tailEnd/>
-              </a14:hiddenLine>
-            </a:ext>
-          </a:extLst>
-        </p:spPr>
-      </p:pic>
     </p:spTree>
     <p:extLst>
       <p:ext uri="{BB962C8B-B14F-4D97-AF65-F5344CB8AC3E}">
-        <p14:creationId xmlns:p14="http://schemas.microsoft.com/office/powerpoint/2010/main" val="133800492"/>
+        <p14:creationId xmlns:p14="http://schemas.microsoft.com/office/powerpoint/2010/main" val="1003627268"/>
       </p:ext>
     </p:extLst>
   </p:cSld>
   <p:clrMapOvr>
     <a:masterClrMapping/>
   </p:clrMapOvr>
-  <p:timing>
-    <p:tnLst>
-      <p:par>
-        <p:cTn id="1" dur="indefinite" restart="never" nodeType="tmRoot"/>
-      </p:par>
-    </p:tnLst>
-  </p:timing>
 </p:sld>
 </file>
 
@@ -11170,7 +11099,7 @@
       </p:sp>
       <p:pic>
         <p:nvPicPr>
-          <p:cNvPr id="43010" name="Picture 2"/>
+          <p:cNvPr id="45059" name="Picture 3"/>
           <p:cNvPicPr>
             <a:picLocks noChangeAspect="1" noChangeArrowheads="1"/>
           </p:cNvPicPr>
@@ -11191,8 +11120,8 @@
         </p:blipFill>
         <p:spPr bwMode="auto">
           <a:xfrm>
-            <a:off x="-15325" y="332656"/>
-            <a:ext cx="4659333" cy="6192688"/>
+            <a:off x="0" y="764704"/>
+            <a:ext cx="9036380" cy="5616624"/>
           </a:xfrm>
           <a:prstGeom prst="rect">
             <a:avLst/>
@@ -11222,64 +11151,10 @@
           </a:extLst>
         </p:spPr>
       </p:pic>
-      <p:pic>
-        <p:nvPicPr>
-          <p:cNvPr id="43011" name="Picture 3"/>
-          <p:cNvPicPr>
-            <a:picLocks noChangeAspect="1" noChangeArrowheads="1"/>
-          </p:cNvPicPr>
-          <p:nvPr/>
-        </p:nvPicPr>
-        <p:blipFill>
-          <a:blip r:embed="rId3">
-            <a:extLst>
-              <a:ext uri="{28A0092B-C50C-407E-A947-70E740481C1C}">
-                <a14:useLocalDpi xmlns:a14="http://schemas.microsoft.com/office/drawing/2010/main" val="0"/>
-              </a:ext>
-            </a:extLst>
-          </a:blip>
-          <a:srcRect/>
-          <a:stretch>
-            <a:fillRect/>
-          </a:stretch>
-        </p:blipFill>
-        <p:spPr bwMode="auto">
-          <a:xfrm>
-            <a:off x="4644008" y="312456"/>
-            <a:ext cx="4499992" cy="6212888"/>
-          </a:xfrm>
-          <a:prstGeom prst="rect">
-            <a:avLst/>
-          </a:prstGeom>
-          <a:noFill/>
-          <a:ln>
-            <a:noFill/>
-          </a:ln>
-          <a:extLst>
-            <a:ext uri="{909E8E84-426E-40DD-AFC4-6F175D3DCCD1}">
-              <a14:hiddenFill xmlns:a14="http://schemas.microsoft.com/office/drawing/2010/main">
-                <a:solidFill>
-                  <a:schemeClr val="accent1"/>
-                </a:solidFill>
-              </a14:hiddenFill>
-            </a:ext>
-            <a:ext uri="{91240B29-F687-4F45-9708-019B960494DF}">
-              <a14:hiddenLine xmlns:a14="http://schemas.microsoft.com/office/drawing/2010/main" w="9525">
-                <a:solidFill>
-                  <a:schemeClr val="tx1"/>
-                </a:solidFill>
-                <a:miter lim="800000"/>
-                <a:headEnd/>
-                <a:tailEnd/>
-              </a14:hiddenLine>
-            </a:ext>
-          </a:extLst>
-        </p:spPr>
-      </p:pic>
     </p:spTree>
     <p:extLst>
       <p:ext uri="{BB962C8B-B14F-4D97-AF65-F5344CB8AC3E}">
-        <p14:creationId xmlns:p14="http://schemas.microsoft.com/office/powerpoint/2010/main" val="3650163823"/>
+        <p14:creationId xmlns:p14="http://schemas.microsoft.com/office/powerpoint/2010/main" val="1523579640"/>
       </p:ext>
     </p:extLst>
   </p:cSld>
@@ -11321,7 +11196,27 @@
           <a:bodyPr/>
           <a:lstStyle/>
           <a:p>
-            <a:endParaRPr lang="es-MX"/>
+            <a:r>
+              <a:rPr lang="es-MX" dirty="0" smtClean="0"/>
+              <a:t>3rd: </a:t>
+            </a:r>
+            <a:r>
+              <a:rPr lang="es-MX" dirty="0" err="1" smtClean="0"/>
+              <a:t>Exploring</a:t>
+            </a:r>
+            <a:r>
+              <a:rPr lang="es-MX" dirty="0" smtClean="0"/>
+              <a:t> </a:t>
+            </a:r>
+            <a:r>
+              <a:rPr lang="es-MX" dirty="0" err="1" smtClean="0"/>
+              <a:t>Correlations</a:t>
+            </a:r>
+            <a:r>
+              <a:rPr lang="es-MX" dirty="0" smtClean="0"/>
+              <a:t>!</a:t>
+            </a:r>
+            <a:endParaRPr lang="es-MX" dirty="0"/>
           </a:p>
         </p:txBody>
       </p:sp>
@@ -11346,7 +11241,7 @@
       </p:sp>
       <p:pic>
         <p:nvPicPr>
-          <p:cNvPr id="39938" name="Picture 2"/>
+          <p:cNvPr id="18435" name="Picture 3"/>
           <p:cNvPicPr>
             <a:picLocks noChangeAspect="1" noChangeArrowheads="1"/>
           </p:cNvPicPr>
@@ -11367,8 +11262,8 @@
         </p:blipFill>
         <p:spPr bwMode="auto">
           <a:xfrm>
-            <a:off x="4433784" y="594913"/>
-            <a:ext cx="4660379" cy="5976664"/>
+            <a:off x="0" y="1179570"/>
+            <a:ext cx="4664230" cy="5470393"/>
           </a:xfrm>
           <a:prstGeom prst="rect">
             <a:avLst/>
@@ -11400,7 +11295,7 @@
       </p:pic>
       <p:pic>
         <p:nvPicPr>
-          <p:cNvPr id="39939" name="Picture 3"/>
+          <p:cNvPr id="18436" name="Picture 4"/>
           <p:cNvPicPr>
             <a:picLocks noChangeAspect="1" noChangeArrowheads="1"/>
           </p:cNvPicPr>
@@ -11421,8 +11316,8 @@
         </p:blipFill>
         <p:spPr bwMode="auto">
           <a:xfrm>
-            <a:off x="-23466" y="594913"/>
-            <a:ext cx="4457250" cy="5977029"/>
+            <a:off x="4546279" y="1105686"/>
+            <a:ext cx="4488224" cy="5544277"/>
           </a:xfrm>
           <a:prstGeom prst="rect">
             <a:avLst/>
@@ -11455,7 +11350,7 @@
     </p:spTree>
     <p:extLst>
       <p:ext uri="{BB962C8B-B14F-4D97-AF65-F5344CB8AC3E}">
-        <p14:creationId xmlns:p14="http://schemas.microsoft.com/office/powerpoint/2010/main" val="2836248585"/>
+        <p14:creationId xmlns:p14="http://schemas.microsoft.com/office/powerpoint/2010/main" val="133800492"/>
       </p:ext>
     </p:extLst>
   </p:cSld>
@@ -11529,7 +11424,7 @@
       </p:sp>
       <p:pic>
         <p:nvPicPr>
-          <p:cNvPr id="41986" name="Picture 2"/>
+          <p:cNvPr id="43010" name="Picture 2"/>
           <p:cNvPicPr>
             <a:picLocks noChangeAspect="1" noChangeArrowheads="1"/>
           </p:cNvPicPr>
@@ -11550,8 +11445,8 @@
         </p:blipFill>
         <p:spPr bwMode="auto">
           <a:xfrm>
-            <a:off x="-33217" y="548680"/>
-            <a:ext cx="4621132" cy="5400600"/>
+            <a:off x="-15325" y="332656"/>
+            <a:ext cx="4659333" cy="6192688"/>
           </a:xfrm>
           <a:prstGeom prst="rect">
             <a:avLst/>
@@ -11583,7 +11478,7 @@
       </p:pic>
       <p:pic>
         <p:nvPicPr>
-          <p:cNvPr id="41987" name="Picture 3"/>
+          <p:cNvPr id="43011" name="Picture 3"/>
           <p:cNvPicPr>
             <a:picLocks noChangeAspect="1" noChangeArrowheads="1"/>
           </p:cNvPicPr>
@@ -11604,8 +11499,8 @@
         </p:blipFill>
         <p:spPr bwMode="auto">
           <a:xfrm>
-            <a:off x="4571268" y="566754"/>
-            <a:ext cx="4397781" cy="5382526"/>
+            <a:off x="4644008" y="312456"/>
+            <a:ext cx="4499992" cy="6212888"/>
           </a:xfrm>
           <a:prstGeom prst="rect">
             <a:avLst/>
@@ -11638,7 +11533,7 @@
     </p:spTree>
     <p:extLst>
       <p:ext uri="{BB962C8B-B14F-4D97-AF65-F5344CB8AC3E}">
-        <p14:creationId xmlns:p14="http://schemas.microsoft.com/office/powerpoint/2010/main" val="3296989910"/>
+        <p14:creationId xmlns:p14="http://schemas.microsoft.com/office/powerpoint/2010/main" val="3650163823"/>
       </p:ext>
     </p:extLst>
   </p:cSld>
@@ -11680,31 +11575,7 @@
           <a:bodyPr/>
           <a:lstStyle/>
           <a:p>
-            <a:r>
-              <a:rPr lang="es-MX" dirty="0" smtClean="0"/>
-              <a:t>4th: </a:t>
-            </a:r>
-            <a:r>
-              <a:rPr lang="es-MX" dirty="0" err="1" smtClean="0"/>
-              <a:t>Evaluating</a:t>
-            </a:r>
-            <a:r>
-              <a:rPr lang="es-MX" dirty="0" smtClean="0"/>
-              <a:t> </a:t>
-            </a:r>
-            <a:r>
-              <a:rPr lang="es-MX" dirty="0" err="1" smtClean="0"/>
-              <a:t>the</a:t>
-            </a:r>
-            <a:r>
-              <a:rPr lang="es-MX" dirty="0" smtClean="0"/>
-              <a:t> </a:t>
-            </a:r>
-            <a:r>
-              <a:rPr lang="es-MX" dirty="0" err="1" smtClean="0"/>
-              <a:t>pattern</a:t>
-            </a:r>
-            <a:endParaRPr lang="es-MX" dirty="0"/>
+            <a:endParaRPr lang="es-MX"/>
           </a:p>
         </p:txBody>
       </p:sp>
@@ -11723,16 +11594,13 @@
           <a:bodyPr/>
           <a:lstStyle/>
           <a:p>
-            <a:endParaRPr lang="es-MX" dirty="0" smtClean="0"/>
-          </a:p>
-          <a:p>
-            <a:endParaRPr lang="es-MX" dirty="0"/>
+            <a:endParaRPr lang="es-MX"/>
           </a:p>
         </p:txBody>
       </p:sp>
       <p:pic>
         <p:nvPicPr>
-          <p:cNvPr id="25602" name="Picture 2"/>
+          <p:cNvPr id="39938" name="Picture 2"/>
           <p:cNvPicPr>
             <a:picLocks noChangeAspect="1" noChangeArrowheads="1"/>
           </p:cNvPicPr>
@@ -11753,8 +11621,8 @@
         </p:blipFill>
         <p:spPr bwMode="auto">
           <a:xfrm>
-            <a:off x="107504" y="1628800"/>
-            <a:ext cx="4399034" cy="4608512"/>
+            <a:off x="4433784" y="594913"/>
+            <a:ext cx="4660379" cy="5976664"/>
           </a:xfrm>
           <a:prstGeom prst="rect">
             <a:avLst/>
@@ -11786,7 +11654,7 @@
       </p:pic>
       <p:pic>
         <p:nvPicPr>
-          <p:cNvPr id="25603" name="Picture 3"/>
+          <p:cNvPr id="39939" name="Picture 3"/>
           <p:cNvPicPr>
             <a:picLocks noChangeAspect="1" noChangeArrowheads="1"/>
           </p:cNvPicPr>
@@ -11807,8 +11675,8 @@
         </p:blipFill>
         <p:spPr bwMode="auto">
           <a:xfrm>
-            <a:off x="4611596" y="1687609"/>
-            <a:ext cx="4392488" cy="4577604"/>
+            <a:off x="-23466" y="594913"/>
+            <a:ext cx="4457250" cy="5977029"/>
           </a:xfrm>
           <a:prstGeom prst="rect">
             <a:avLst/>
@@ -11841,7 +11709,7 @@
     </p:spTree>
     <p:extLst>
       <p:ext uri="{BB962C8B-B14F-4D97-AF65-F5344CB8AC3E}">
-        <p14:creationId xmlns:p14="http://schemas.microsoft.com/office/powerpoint/2010/main" val="1783546206"/>
+        <p14:creationId xmlns:p14="http://schemas.microsoft.com/office/powerpoint/2010/main" val="2836248585"/>
       </p:ext>
     </p:extLst>
   </p:cSld>
@@ -11885,26 +11753,12 @@
             <p:ph type="title"/>
           </p:nvPr>
         </p:nvSpPr>
-        <p:spPr>
-          <a:xfrm>
-            <a:off x="395536" y="0"/>
-            <a:ext cx="8229600" cy="1143000"/>
-          </a:xfrm>
-        </p:spPr>
-        <p:txBody>
-          <a:bodyPr>
-            <a:normAutofit fontScale="90000"/>
-          </a:bodyPr>
-          <a:lstStyle/>
-          <a:p>
-            <a:r>
-              <a:rPr lang="es-MX" dirty="0" smtClean="0"/>
-              <a:t/>
-            </a:r>
-            <a:br>
-              <a:rPr lang="es-MX" dirty="0" smtClean="0"/>
-            </a:br>
-            <a:endParaRPr lang="es-MX" dirty="0"/>
+        <p:spPr/>
+        <p:txBody>
+          <a:bodyPr/>
+          <a:lstStyle/>
+          <a:p>
+            <a:endParaRPr lang="es-MX"/>
           </a:p>
         </p:txBody>
       </p:sp>
@@ -11923,16 +11777,13 @@
           <a:bodyPr/>
           <a:lstStyle/>
           <a:p>
-            <a:endParaRPr lang="es-MX" dirty="0" smtClean="0"/>
-          </a:p>
-          <a:p>
-            <a:endParaRPr lang="es-MX" dirty="0"/>
+            <a:endParaRPr lang="es-MX"/>
           </a:p>
         </p:txBody>
       </p:sp>
       <p:pic>
         <p:nvPicPr>
-          <p:cNvPr id="26626" name="Picture 2"/>
+          <p:cNvPr id="41986" name="Picture 2"/>
           <p:cNvPicPr>
             <a:picLocks noChangeAspect="1" noChangeArrowheads="1"/>
           </p:cNvPicPr>
@@ -11953,8 +11804,8 @@
         </p:blipFill>
         <p:spPr bwMode="auto">
           <a:xfrm>
-            <a:off x="0" y="908720"/>
-            <a:ext cx="4464495" cy="5688632"/>
+            <a:off x="-33217" y="548680"/>
+            <a:ext cx="4621132" cy="5400600"/>
           </a:xfrm>
           <a:prstGeom prst="rect">
             <a:avLst/>
@@ -11986,7 +11837,7 @@
       </p:pic>
       <p:pic>
         <p:nvPicPr>
-          <p:cNvPr id="26627" name="Picture 3"/>
+          <p:cNvPr id="41987" name="Picture 3"/>
           <p:cNvPicPr>
             <a:picLocks noChangeAspect="1" noChangeArrowheads="1"/>
           </p:cNvPicPr>
@@ -12007,8 +11858,8 @@
         </p:blipFill>
         <p:spPr bwMode="auto">
           <a:xfrm>
-            <a:off x="4464495" y="908720"/>
-            <a:ext cx="4679505" cy="5832648"/>
+            <a:off x="4571268" y="566754"/>
+            <a:ext cx="4397781" cy="5382526"/>
           </a:xfrm>
           <a:prstGeom prst="rect">
             <a:avLst/>
@@ -12041,7 +11892,7 @@
     </p:spTree>
     <p:extLst>
       <p:ext uri="{BB962C8B-B14F-4D97-AF65-F5344CB8AC3E}">
-        <p14:creationId xmlns:p14="http://schemas.microsoft.com/office/powerpoint/2010/main" val="1714538413"/>
+        <p14:creationId xmlns:p14="http://schemas.microsoft.com/office/powerpoint/2010/main" val="3296989910"/>
       </p:ext>
     </p:extLst>
   </p:cSld>
@@ -12083,7 +11934,31 @@
           <a:bodyPr/>
           <a:lstStyle/>
           <a:p>
-            <a:endParaRPr lang="es-MX"/>
+            <a:r>
+              <a:rPr lang="es-MX" dirty="0" smtClean="0"/>
+              <a:t>4th: </a:t>
+            </a:r>
+            <a:r>
+              <a:rPr lang="es-MX" dirty="0" err="1" smtClean="0"/>
+              <a:t>Evaluating</a:t>
+            </a:r>
+            <a:r>
+              <a:rPr lang="es-MX" dirty="0" smtClean="0"/>
+              <a:t> </a:t>
+            </a:r>
+            <a:r>
+              <a:rPr lang="es-MX" dirty="0" err="1" smtClean="0"/>
+              <a:t>the</a:t>
+            </a:r>
+            <a:r>
+              <a:rPr lang="es-MX" dirty="0" smtClean="0"/>
+              <a:t> </a:t>
+            </a:r>
+            <a:r>
+              <a:rPr lang="es-MX" dirty="0" err="1" smtClean="0"/>
+              <a:t>pattern</a:t>
+            </a:r>
+            <a:endParaRPr lang="es-MX" dirty="0"/>
           </a:p>
         </p:txBody>
       </p:sp>
@@ -12102,13 +11977,16 @@
           <a:bodyPr/>
           <a:lstStyle/>
           <a:p>
-            <a:endParaRPr lang="es-MX"/>
+            <a:endParaRPr lang="es-MX" dirty="0" smtClean="0"/>
+          </a:p>
+          <a:p>
+            <a:endParaRPr lang="es-MX" dirty="0"/>
           </a:p>
         </p:txBody>
       </p:sp>
       <p:pic>
         <p:nvPicPr>
-          <p:cNvPr id="27650" name="Picture 2"/>
+          <p:cNvPr id="25602" name="Picture 2"/>
           <p:cNvPicPr>
             <a:picLocks noChangeAspect="1" noChangeArrowheads="1"/>
           </p:cNvPicPr>
@@ -12129,8 +12007,8 @@
         </p:blipFill>
         <p:spPr bwMode="auto">
           <a:xfrm>
-            <a:off x="-13563" y="980728"/>
-            <a:ext cx="4657571" cy="4873154"/>
+            <a:off x="107504" y="1628800"/>
+            <a:ext cx="4399034" cy="4608512"/>
           </a:xfrm>
           <a:prstGeom prst="rect">
             <a:avLst/>
@@ -12162,7 +12040,7 @@
       </p:pic>
       <p:pic>
         <p:nvPicPr>
-          <p:cNvPr id="27652" name="Picture 4"/>
+          <p:cNvPr id="25603" name="Picture 3"/>
           <p:cNvPicPr>
             <a:picLocks noChangeAspect="1" noChangeArrowheads="1"/>
           </p:cNvPicPr>
@@ -12183,8 +12061,8 @@
         </p:blipFill>
         <p:spPr bwMode="auto">
           <a:xfrm>
-            <a:off x="4644008" y="980728"/>
-            <a:ext cx="4594275" cy="4714875"/>
+            <a:off x="4611596" y="1687609"/>
+            <a:ext cx="4392488" cy="4577604"/>
           </a:xfrm>
           <a:prstGeom prst="rect">
             <a:avLst/>
@@ -12217,13 +12095,20 @@
     </p:spTree>
     <p:extLst>
       <p:ext uri="{BB962C8B-B14F-4D97-AF65-F5344CB8AC3E}">
-        <p14:creationId xmlns:p14="http://schemas.microsoft.com/office/powerpoint/2010/main" val="2707323501"/>
+        <p14:creationId xmlns:p14="http://schemas.microsoft.com/office/powerpoint/2010/main" val="1783546206"/>
       </p:ext>
     </p:extLst>
   </p:cSld>
   <p:clrMapOvr>
     <a:masterClrMapping/>
   </p:clrMapOvr>
+  <p:timing>
+    <p:tnLst>
+      <p:par>
+        <p:cTn id="1" dur="indefinite" restart="never" nodeType="tmRoot"/>
+      </p:par>
+    </p:tnLst>
+  </p:timing>
 </p:sld>
 </file>
 
@@ -12631,37 +12516,54 @@
             <p:ph type="title"/>
           </p:nvPr>
         </p:nvSpPr>
+        <p:spPr>
+          <a:xfrm>
+            <a:off x="395536" y="0"/>
+            <a:ext cx="8229600" cy="1143000"/>
+          </a:xfrm>
+        </p:spPr>
+        <p:txBody>
+          <a:bodyPr>
+            <a:normAutofit fontScale="90000"/>
+          </a:bodyPr>
+          <a:lstStyle/>
+          <a:p>
+            <a:r>
+              <a:rPr lang="es-MX" dirty="0" smtClean="0"/>
+              <a:t/>
+            </a:r>
+            <a:br>
+              <a:rPr lang="es-MX" dirty="0" smtClean="0"/>
+            </a:br>
+            <a:endParaRPr lang="es-MX" dirty="0"/>
+          </a:p>
+        </p:txBody>
+      </p:sp>
+      <p:sp>
+        <p:nvSpPr>
+          <p:cNvPr id="3" name="2 Marcador de contenido"/>
+          <p:cNvSpPr>
+            <a:spLocks noGrp="1"/>
+          </p:cNvSpPr>
+          <p:nvPr>
+            <p:ph idx="1"/>
+          </p:nvPr>
+        </p:nvSpPr>
         <p:spPr/>
         <p:txBody>
           <a:bodyPr/>
           <a:lstStyle/>
           <a:p>
-            <a:endParaRPr lang="es-MX"/>
-          </a:p>
-        </p:txBody>
-      </p:sp>
-      <p:sp>
-        <p:nvSpPr>
-          <p:cNvPr id="3" name="2 Marcador de contenido"/>
-          <p:cNvSpPr>
-            <a:spLocks noGrp="1"/>
-          </p:cNvSpPr>
-          <p:nvPr>
-            <p:ph idx="1"/>
-          </p:nvPr>
-        </p:nvSpPr>
-        <p:spPr/>
-        <p:txBody>
-          <a:bodyPr/>
-          <a:lstStyle/>
-          <a:p>
-            <a:endParaRPr lang="es-MX"/>
+            <a:endParaRPr lang="es-MX" dirty="0" smtClean="0"/>
+          </a:p>
+          <a:p>
+            <a:endParaRPr lang="es-MX" dirty="0"/>
           </a:p>
         </p:txBody>
       </p:sp>
       <p:pic>
         <p:nvPicPr>
-          <p:cNvPr id="4" name="Picture 3"/>
+          <p:cNvPr id="26626" name="Picture 2"/>
           <p:cNvPicPr>
             <a:picLocks noChangeAspect="1" noChangeArrowheads="1"/>
           </p:cNvPicPr>
@@ -12682,8 +12584,8 @@
         </p:blipFill>
         <p:spPr bwMode="auto">
           <a:xfrm>
-            <a:off x="-16281" y="1124744"/>
-            <a:ext cx="4588282" cy="4445670"/>
+            <a:off x="0" y="908720"/>
+            <a:ext cx="4464495" cy="5688632"/>
           </a:xfrm>
           <a:prstGeom prst="rect">
             <a:avLst/>
@@ -12715,7 +12617,7 @@
       </p:pic>
       <p:pic>
         <p:nvPicPr>
-          <p:cNvPr id="29699" name="Picture 3"/>
+          <p:cNvPr id="26627" name="Picture 3"/>
           <p:cNvPicPr>
             <a:picLocks noChangeAspect="1" noChangeArrowheads="1"/>
           </p:cNvPicPr>
@@ -12736,8 +12638,8 @@
         </p:blipFill>
         <p:spPr bwMode="auto">
           <a:xfrm>
-            <a:off x="4572000" y="1203450"/>
-            <a:ext cx="4663757" cy="4366964"/>
+            <a:off x="4464495" y="908720"/>
+            <a:ext cx="4679505" cy="5832648"/>
           </a:xfrm>
           <a:prstGeom prst="rect">
             <a:avLst/>
@@ -12770,7 +12672,7 @@
     </p:spTree>
     <p:extLst>
       <p:ext uri="{BB962C8B-B14F-4D97-AF65-F5344CB8AC3E}">
-        <p14:creationId xmlns:p14="http://schemas.microsoft.com/office/powerpoint/2010/main" val="1915969758"/>
+        <p14:creationId xmlns:p14="http://schemas.microsoft.com/office/powerpoint/2010/main" val="1714538413"/>
       </p:ext>
     </p:extLst>
   </p:cSld>
@@ -12812,15 +12714,7 @@
           <a:bodyPr/>
           <a:lstStyle/>
           <a:p>
-            <a:r>
-              <a:rPr lang="es-MX" dirty="0" err="1" smtClean="0"/>
-              <a:t>Distributions</a:t>
-            </a:r>
-            <a:r>
-              <a:rPr lang="es-MX" dirty="0" smtClean="0"/>
-              <a:t>!</a:t>
-            </a:r>
-            <a:endParaRPr lang="es-MX" dirty="0"/>
+            <a:endParaRPr lang="es-MX"/>
           </a:p>
         </p:txBody>
       </p:sp>
@@ -12845,7 +12739,7 @@
       </p:sp>
       <p:pic>
         <p:nvPicPr>
-          <p:cNvPr id="33794" name="Picture 2"/>
+          <p:cNvPr id="27650" name="Picture 2"/>
           <p:cNvPicPr>
             <a:picLocks noChangeAspect="1" noChangeArrowheads="1"/>
           </p:cNvPicPr>
@@ -12866,8 +12760,8 @@
         </p:blipFill>
         <p:spPr bwMode="auto">
           <a:xfrm>
-            <a:off x="-1686" y="1393760"/>
-            <a:ext cx="4499992" cy="4714875"/>
+            <a:off x="-13563" y="980728"/>
+            <a:ext cx="4657571" cy="4873154"/>
           </a:xfrm>
           <a:prstGeom prst="rect">
             <a:avLst/>
@@ -12899,7 +12793,7 @@
       </p:pic>
       <p:pic>
         <p:nvPicPr>
-          <p:cNvPr id="33795" name="Picture 3"/>
+          <p:cNvPr id="27652" name="Picture 4"/>
           <p:cNvPicPr>
             <a:picLocks noChangeAspect="1" noChangeArrowheads="1"/>
           </p:cNvPicPr>
@@ -12920,8 +12814,8 @@
         </p:blipFill>
         <p:spPr bwMode="auto">
           <a:xfrm>
-            <a:off x="4499992" y="1393760"/>
-            <a:ext cx="4648701" cy="4714875"/>
+            <a:off x="4644008" y="980728"/>
+            <a:ext cx="4594275" cy="4714875"/>
           </a:xfrm>
           <a:prstGeom prst="rect">
             <a:avLst/>
@@ -12954,7 +12848,7 @@
     </p:spTree>
     <p:extLst>
       <p:ext uri="{BB962C8B-B14F-4D97-AF65-F5344CB8AC3E}">
-        <p14:creationId xmlns:p14="http://schemas.microsoft.com/office/powerpoint/2010/main" val="3667332472"/>
+        <p14:creationId xmlns:p14="http://schemas.microsoft.com/office/powerpoint/2010/main" val="2707323501"/>
       </p:ext>
     </p:extLst>
   </p:cSld>
@@ -13021,6 +12915,366 @@
       </p:sp>
       <p:pic>
         <p:nvPicPr>
+          <p:cNvPr id="4" name="Picture 3"/>
+          <p:cNvPicPr>
+            <a:picLocks noChangeAspect="1" noChangeArrowheads="1"/>
+          </p:cNvPicPr>
+          <p:nvPr/>
+        </p:nvPicPr>
+        <p:blipFill>
+          <a:blip r:embed="rId2">
+            <a:extLst>
+              <a:ext uri="{28A0092B-C50C-407E-A947-70E740481C1C}">
+                <a14:useLocalDpi xmlns:a14="http://schemas.microsoft.com/office/drawing/2010/main" val="0"/>
+              </a:ext>
+            </a:extLst>
+          </a:blip>
+          <a:srcRect/>
+          <a:stretch>
+            <a:fillRect/>
+          </a:stretch>
+        </p:blipFill>
+        <p:spPr bwMode="auto">
+          <a:xfrm>
+            <a:off x="-16281" y="1124744"/>
+            <a:ext cx="4588282" cy="4445670"/>
+          </a:xfrm>
+          <a:prstGeom prst="rect">
+            <a:avLst/>
+          </a:prstGeom>
+          <a:noFill/>
+          <a:ln>
+            <a:noFill/>
+          </a:ln>
+          <a:extLst>
+            <a:ext uri="{909E8E84-426E-40DD-AFC4-6F175D3DCCD1}">
+              <a14:hiddenFill xmlns:a14="http://schemas.microsoft.com/office/drawing/2010/main">
+                <a:solidFill>
+                  <a:schemeClr val="accent1"/>
+                </a:solidFill>
+              </a14:hiddenFill>
+            </a:ext>
+            <a:ext uri="{91240B29-F687-4F45-9708-019B960494DF}">
+              <a14:hiddenLine xmlns:a14="http://schemas.microsoft.com/office/drawing/2010/main" w="9525">
+                <a:solidFill>
+                  <a:schemeClr val="tx1"/>
+                </a:solidFill>
+                <a:miter lim="800000"/>
+                <a:headEnd/>
+                <a:tailEnd/>
+              </a14:hiddenLine>
+            </a:ext>
+          </a:extLst>
+        </p:spPr>
+      </p:pic>
+      <p:pic>
+        <p:nvPicPr>
+          <p:cNvPr id="29699" name="Picture 3"/>
+          <p:cNvPicPr>
+            <a:picLocks noChangeAspect="1" noChangeArrowheads="1"/>
+          </p:cNvPicPr>
+          <p:nvPr/>
+        </p:nvPicPr>
+        <p:blipFill>
+          <a:blip r:embed="rId3">
+            <a:extLst>
+              <a:ext uri="{28A0092B-C50C-407E-A947-70E740481C1C}">
+                <a14:useLocalDpi xmlns:a14="http://schemas.microsoft.com/office/drawing/2010/main" val="0"/>
+              </a:ext>
+            </a:extLst>
+          </a:blip>
+          <a:srcRect/>
+          <a:stretch>
+            <a:fillRect/>
+          </a:stretch>
+        </p:blipFill>
+        <p:spPr bwMode="auto">
+          <a:xfrm>
+            <a:off x="4572000" y="1203450"/>
+            <a:ext cx="4663757" cy="4366964"/>
+          </a:xfrm>
+          <a:prstGeom prst="rect">
+            <a:avLst/>
+          </a:prstGeom>
+          <a:noFill/>
+          <a:ln>
+            <a:noFill/>
+          </a:ln>
+          <a:extLst>
+            <a:ext uri="{909E8E84-426E-40DD-AFC4-6F175D3DCCD1}">
+              <a14:hiddenFill xmlns:a14="http://schemas.microsoft.com/office/drawing/2010/main">
+                <a:solidFill>
+                  <a:schemeClr val="accent1"/>
+                </a:solidFill>
+              </a14:hiddenFill>
+            </a:ext>
+            <a:ext uri="{91240B29-F687-4F45-9708-019B960494DF}">
+              <a14:hiddenLine xmlns:a14="http://schemas.microsoft.com/office/drawing/2010/main" w="9525">
+                <a:solidFill>
+                  <a:schemeClr val="tx1"/>
+                </a:solidFill>
+                <a:miter lim="800000"/>
+                <a:headEnd/>
+                <a:tailEnd/>
+              </a14:hiddenLine>
+            </a:ext>
+          </a:extLst>
+        </p:spPr>
+      </p:pic>
+    </p:spTree>
+    <p:extLst>
+      <p:ext uri="{BB962C8B-B14F-4D97-AF65-F5344CB8AC3E}">
+        <p14:creationId xmlns:p14="http://schemas.microsoft.com/office/powerpoint/2010/main" val="1915969758"/>
+      </p:ext>
+    </p:extLst>
+  </p:cSld>
+  <p:clrMapOvr>
+    <a:masterClrMapping/>
+  </p:clrMapOvr>
+</p:sld>
+</file>
+
+<file path=ppt/slides/slide43.xml><?xml version="1.0" encoding="utf-8"?>
+<p:sld xmlns:a="http://schemas.openxmlformats.org/drawingml/2006/main" xmlns:r="http://schemas.openxmlformats.org/officeDocument/2006/relationships" xmlns:p="http://schemas.openxmlformats.org/presentationml/2006/main">
+  <p:cSld>
+    <p:spTree>
+      <p:nvGrpSpPr>
+        <p:cNvPr id="1" name=""/>
+        <p:cNvGrpSpPr/>
+        <p:nvPr/>
+      </p:nvGrpSpPr>
+      <p:grpSpPr>
+        <a:xfrm>
+          <a:off x="0" y="0"/>
+          <a:ext cx="0" cy="0"/>
+          <a:chOff x="0" y="0"/>
+          <a:chExt cx="0" cy="0"/>
+        </a:xfrm>
+      </p:grpSpPr>
+      <p:sp>
+        <p:nvSpPr>
+          <p:cNvPr id="2" name="1 Título"/>
+          <p:cNvSpPr>
+            <a:spLocks noGrp="1"/>
+          </p:cNvSpPr>
+          <p:nvPr>
+            <p:ph type="title"/>
+          </p:nvPr>
+        </p:nvSpPr>
+        <p:spPr/>
+        <p:txBody>
+          <a:bodyPr/>
+          <a:lstStyle/>
+          <a:p>
+            <a:r>
+              <a:rPr lang="es-MX" dirty="0" err="1" smtClean="0"/>
+              <a:t>Distributions</a:t>
+            </a:r>
+            <a:r>
+              <a:rPr lang="es-MX" dirty="0" smtClean="0"/>
+              <a:t>!</a:t>
+            </a:r>
+            <a:endParaRPr lang="es-MX" dirty="0"/>
+          </a:p>
+        </p:txBody>
+      </p:sp>
+      <p:sp>
+        <p:nvSpPr>
+          <p:cNvPr id="3" name="2 Marcador de contenido"/>
+          <p:cNvSpPr>
+            <a:spLocks noGrp="1"/>
+          </p:cNvSpPr>
+          <p:nvPr>
+            <p:ph idx="1"/>
+          </p:nvPr>
+        </p:nvSpPr>
+        <p:spPr/>
+        <p:txBody>
+          <a:bodyPr/>
+          <a:lstStyle/>
+          <a:p>
+            <a:endParaRPr lang="es-MX"/>
+          </a:p>
+        </p:txBody>
+      </p:sp>
+      <p:pic>
+        <p:nvPicPr>
+          <p:cNvPr id="33794" name="Picture 2"/>
+          <p:cNvPicPr>
+            <a:picLocks noChangeAspect="1" noChangeArrowheads="1"/>
+          </p:cNvPicPr>
+          <p:nvPr/>
+        </p:nvPicPr>
+        <p:blipFill>
+          <a:blip r:embed="rId2">
+            <a:extLst>
+              <a:ext uri="{28A0092B-C50C-407E-A947-70E740481C1C}">
+                <a14:useLocalDpi xmlns:a14="http://schemas.microsoft.com/office/drawing/2010/main" val="0"/>
+              </a:ext>
+            </a:extLst>
+          </a:blip>
+          <a:srcRect/>
+          <a:stretch>
+            <a:fillRect/>
+          </a:stretch>
+        </p:blipFill>
+        <p:spPr bwMode="auto">
+          <a:xfrm>
+            <a:off x="-1686" y="1393760"/>
+            <a:ext cx="4499992" cy="4714875"/>
+          </a:xfrm>
+          <a:prstGeom prst="rect">
+            <a:avLst/>
+          </a:prstGeom>
+          <a:noFill/>
+          <a:ln>
+            <a:noFill/>
+          </a:ln>
+          <a:extLst>
+            <a:ext uri="{909E8E84-426E-40DD-AFC4-6F175D3DCCD1}">
+              <a14:hiddenFill xmlns:a14="http://schemas.microsoft.com/office/drawing/2010/main">
+                <a:solidFill>
+                  <a:schemeClr val="accent1"/>
+                </a:solidFill>
+              </a14:hiddenFill>
+            </a:ext>
+            <a:ext uri="{91240B29-F687-4F45-9708-019B960494DF}">
+              <a14:hiddenLine xmlns:a14="http://schemas.microsoft.com/office/drawing/2010/main" w="9525">
+                <a:solidFill>
+                  <a:schemeClr val="tx1"/>
+                </a:solidFill>
+                <a:miter lim="800000"/>
+                <a:headEnd/>
+                <a:tailEnd/>
+              </a14:hiddenLine>
+            </a:ext>
+          </a:extLst>
+        </p:spPr>
+      </p:pic>
+      <p:pic>
+        <p:nvPicPr>
+          <p:cNvPr id="33795" name="Picture 3"/>
+          <p:cNvPicPr>
+            <a:picLocks noChangeAspect="1" noChangeArrowheads="1"/>
+          </p:cNvPicPr>
+          <p:nvPr/>
+        </p:nvPicPr>
+        <p:blipFill>
+          <a:blip r:embed="rId3">
+            <a:extLst>
+              <a:ext uri="{28A0092B-C50C-407E-A947-70E740481C1C}">
+                <a14:useLocalDpi xmlns:a14="http://schemas.microsoft.com/office/drawing/2010/main" val="0"/>
+              </a:ext>
+            </a:extLst>
+          </a:blip>
+          <a:srcRect/>
+          <a:stretch>
+            <a:fillRect/>
+          </a:stretch>
+        </p:blipFill>
+        <p:spPr bwMode="auto">
+          <a:xfrm>
+            <a:off x="4499992" y="1393760"/>
+            <a:ext cx="4648701" cy="4714875"/>
+          </a:xfrm>
+          <a:prstGeom prst="rect">
+            <a:avLst/>
+          </a:prstGeom>
+          <a:noFill/>
+          <a:ln>
+            <a:noFill/>
+          </a:ln>
+          <a:extLst>
+            <a:ext uri="{909E8E84-426E-40DD-AFC4-6F175D3DCCD1}">
+              <a14:hiddenFill xmlns:a14="http://schemas.microsoft.com/office/drawing/2010/main">
+                <a:solidFill>
+                  <a:schemeClr val="accent1"/>
+                </a:solidFill>
+              </a14:hiddenFill>
+            </a:ext>
+            <a:ext uri="{91240B29-F687-4F45-9708-019B960494DF}">
+              <a14:hiddenLine xmlns:a14="http://schemas.microsoft.com/office/drawing/2010/main" w="9525">
+                <a:solidFill>
+                  <a:schemeClr val="tx1"/>
+                </a:solidFill>
+                <a:miter lim="800000"/>
+                <a:headEnd/>
+                <a:tailEnd/>
+              </a14:hiddenLine>
+            </a:ext>
+          </a:extLst>
+        </p:spPr>
+      </p:pic>
+    </p:spTree>
+    <p:extLst>
+      <p:ext uri="{BB962C8B-B14F-4D97-AF65-F5344CB8AC3E}">
+        <p14:creationId xmlns:p14="http://schemas.microsoft.com/office/powerpoint/2010/main" val="3667332472"/>
+      </p:ext>
+    </p:extLst>
+  </p:cSld>
+  <p:clrMapOvr>
+    <a:masterClrMapping/>
+  </p:clrMapOvr>
+</p:sld>
+</file>
+
+<file path=ppt/slides/slide44.xml><?xml version="1.0" encoding="utf-8"?>
+<p:sld xmlns:a="http://schemas.openxmlformats.org/drawingml/2006/main" xmlns:r="http://schemas.openxmlformats.org/officeDocument/2006/relationships" xmlns:p="http://schemas.openxmlformats.org/presentationml/2006/main">
+  <p:cSld>
+    <p:spTree>
+      <p:nvGrpSpPr>
+        <p:cNvPr id="1" name=""/>
+        <p:cNvGrpSpPr/>
+        <p:nvPr/>
+      </p:nvGrpSpPr>
+      <p:grpSpPr>
+        <a:xfrm>
+          <a:off x="0" y="0"/>
+          <a:ext cx="0" cy="0"/>
+          <a:chOff x="0" y="0"/>
+          <a:chExt cx="0" cy="0"/>
+        </a:xfrm>
+      </p:grpSpPr>
+      <p:sp>
+        <p:nvSpPr>
+          <p:cNvPr id="2" name="1 Título"/>
+          <p:cNvSpPr>
+            <a:spLocks noGrp="1"/>
+          </p:cNvSpPr>
+          <p:nvPr>
+            <p:ph type="title"/>
+          </p:nvPr>
+        </p:nvSpPr>
+        <p:spPr/>
+        <p:txBody>
+          <a:bodyPr/>
+          <a:lstStyle/>
+          <a:p>
+            <a:endParaRPr lang="es-MX"/>
+          </a:p>
+        </p:txBody>
+      </p:sp>
+      <p:sp>
+        <p:nvSpPr>
+          <p:cNvPr id="3" name="2 Marcador de contenido"/>
+          <p:cNvSpPr>
+            <a:spLocks noGrp="1"/>
+          </p:cNvSpPr>
+          <p:nvPr>
+            <p:ph idx="1"/>
+          </p:nvPr>
+        </p:nvSpPr>
+        <p:spPr/>
+        <p:txBody>
+          <a:bodyPr/>
+          <a:lstStyle/>
+          <a:p>
+            <a:endParaRPr lang="es-MX"/>
+          </a:p>
+        </p:txBody>
+      </p:sp>
+      <p:pic>
+        <p:nvPicPr>
           <p:cNvPr id="31746" name="Picture 2"/>
           <p:cNvPicPr>
             <a:picLocks noChangeAspect="1" noChangeArrowheads="1"/>
@@ -13140,7 +13394,7 @@
 </p:sld>
 </file>
 
-<file path=ppt/slides/slide43.xml><?xml version="1.0" encoding="utf-8"?>
+<file path=ppt/slides/slide45.xml><?xml version="1.0" encoding="utf-8"?>
 <p:sld xmlns:a="http://schemas.openxmlformats.org/drawingml/2006/main" xmlns:r="http://schemas.openxmlformats.org/officeDocument/2006/relationships" xmlns:p="http://schemas.openxmlformats.org/presentationml/2006/main">
   <p:cSld>
     <p:spTree>
